--- a/sessoes/pptx/intorucao.pptx
+++ b/sessoes/pptx/intorucao.pptx
@@ -5,18 +5,20 @@
     <p:sldMasterId id="2147483648" r:id="rId1"/>
   </p:sldMasterIdLst>
   <p:notesMasterIdLst>
-    <p:notesMasterId r:id="rId11"/>
+    <p:notesMasterId r:id="rId13"/>
   </p:notesMasterIdLst>
   <p:sldIdLst>
     <p:sldId id="256" r:id="rId2"/>
     <p:sldId id="257" r:id="rId3"/>
     <p:sldId id="258" r:id="rId4"/>
     <p:sldId id="263" r:id="rId5"/>
-    <p:sldId id="264" r:id="rId6"/>
-    <p:sldId id="260" r:id="rId7"/>
-    <p:sldId id="261" r:id="rId8"/>
-    <p:sldId id="259" r:id="rId9"/>
-    <p:sldId id="262" r:id="rId10"/>
+    <p:sldId id="265" r:id="rId6"/>
+    <p:sldId id="264" r:id="rId7"/>
+    <p:sldId id="260" r:id="rId8"/>
+    <p:sldId id="261" r:id="rId9"/>
+    <p:sldId id="259" r:id="rId10"/>
+    <p:sldId id="262" r:id="rId11"/>
+    <p:sldId id="266" r:id="rId12"/>
   </p:sldIdLst>
   <p:sldSz cx="12192000" cy="6858000"/>
   <p:notesSz cx="6858000" cy="9144000"/>
@@ -2261,6 +2263,13 @@
         </dgm:presLayoutVars>
       </dgm:prSet>
       <dgm:spPr/>
+      <dgm:t>
+        <a:bodyPr/>
+        <a:lstStyle/>
+        <a:p>
+          <a:endParaRPr lang="fr-FR"/>
+        </a:p>
+      </dgm:t>
     </dgm:pt>
     <dgm:pt modelId="{9F03E44B-F21C-A74E-8366-EA8D85CC04EA}" type="pres">
       <dgm:prSet presAssocID="{2C0A458E-41E7-0749-B5F3-B87B657B2C46}" presName="composite" presStyleCnt="0"/>
@@ -2275,6 +2284,13 @@
         </dgm:presLayoutVars>
       </dgm:prSet>
       <dgm:spPr/>
+      <dgm:t>
+        <a:bodyPr/>
+        <a:lstStyle/>
+        <a:p>
+          <a:endParaRPr lang="fr-FR"/>
+        </a:p>
+      </dgm:t>
     </dgm:pt>
     <dgm:pt modelId="{A85479BA-39C3-B44C-8F28-84A809FAA5A1}" type="pres">
       <dgm:prSet presAssocID="{2C0A458E-41E7-0749-B5F3-B87B657B2C46}" presName="desTx" presStyleLbl="alignAccFollowNode1" presStyleIdx="0" presStyleCnt="5" custLinFactNeighborY="326">
@@ -2283,6 +2299,13 @@
         </dgm:presLayoutVars>
       </dgm:prSet>
       <dgm:spPr/>
+      <dgm:t>
+        <a:bodyPr/>
+        <a:lstStyle/>
+        <a:p>
+          <a:endParaRPr lang="fr-FR"/>
+        </a:p>
+      </dgm:t>
     </dgm:pt>
     <dgm:pt modelId="{B327CB47-6E17-5948-874C-31D0E69A2BEE}" type="pres">
       <dgm:prSet presAssocID="{B575B920-FFFA-344C-81D6-148E999212A2}" presName="space" presStyleCnt="0"/>
@@ -2301,6 +2324,13 @@
         </dgm:presLayoutVars>
       </dgm:prSet>
       <dgm:spPr/>
+      <dgm:t>
+        <a:bodyPr/>
+        <a:lstStyle/>
+        <a:p>
+          <a:endParaRPr lang="fr-FR"/>
+        </a:p>
+      </dgm:t>
     </dgm:pt>
     <dgm:pt modelId="{DD81468D-FAD2-994B-B911-D934DCB70CA1}" type="pres">
       <dgm:prSet presAssocID="{3DC5BF48-BA14-E94E-BE3F-8FB1C3CF1B90}" presName="desTx" presStyleLbl="alignAccFollowNode1" presStyleIdx="1" presStyleCnt="5">
@@ -2309,6 +2339,13 @@
         </dgm:presLayoutVars>
       </dgm:prSet>
       <dgm:spPr/>
+      <dgm:t>
+        <a:bodyPr/>
+        <a:lstStyle/>
+        <a:p>
+          <a:endParaRPr lang="fr-FR"/>
+        </a:p>
+      </dgm:t>
     </dgm:pt>
     <dgm:pt modelId="{B8F785C1-DBB7-B746-B4C6-AE6279F67232}" type="pres">
       <dgm:prSet presAssocID="{E2837041-A437-774B-A318-B655203B6D90}" presName="space" presStyleCnt="0"/>
@@ -2327,6 +2364,13 @@
         </dgm:presLayoutVars>
       </dgm:prSet>
       <dgm:spPr/>
+      <dgm:t>
+        <a:bodyPr/>
+        <a:lstStyle/>
+        <a:p>
+          <a:endParaRPr lang="fr-FR"/>
+        </a:p>
+      </dgm:t>
     </dgm:pt>
     <dgm:pt modelId="{20D095F7-62F7-7748-B677-217EAF898924}" type="pres">
       <dgm:prSet presAssocID="{8EB3D4DA-D392-624C-ACBA-01FCEF0039D1}" presName="desTx" presStyleLbl="alignAccFollowNode1" presStyleIdx="2" presStyleCnt="5">
@@ -2335,6 +2379,13 @@
         </dgm:presLayoutVars>
       </dgm:prSet>
       <dgm:spPr/>
+      <dgm:t>
+        <a:bodyPr/>
+        <a:lstStyle/>
+        <a:p>
+          <a:endParaRPr lang="fr-FR"/>
+        </a:p>
+      </dgm:t>
     </dgm:pt>
     <dgm:pt modelId="{285CB6E8-F646-3048-87C1-F07CFEEBEBDC}" type="pres">
       <dgm:prSet presAssocID="{FDBEC8E4-56A3-A844-B9B6-F6031FEBD7F8}" presName="space" presStyleCnt="0"/>
@@ -2353,6 +2404,13 @@
         </dgm:presLayoutVars>
       </dgm:prSet>
       <dgm:spPr/>
+      <dgm:t>
+        <a:bodyPr/>
+        <a:lstStyle/>
+        <a:p>
+          <a:endParaRPr lang="fr-FR"/>
+        </a:p>
+      </dgm:t>
     </dgm:pt>
     <dgm:pt modelId="{617F9704-C5B9-1648-98CF-94F97120C572}" type="pres">
       <dgm:prSet presAssocID="{0D594C62-8F0E-D547-B5C4-5454A990423E}" presName="desTx" presStyleLbl="alignAccFollowNode1" presStyleIdx="3" presStyleCnt="5">
@@ -2361,6 +2419,13 @@
         </dgm:presLayoutVars>
       </dgm:prSet>
       <dgm:spPr/>
+      <dgm:t>
+        <a:bodyPr/>
+        <a:lstStyle/>
+        <a:p>
+          <a:endParaRPr lang="fr-FR"/>
+        </a:p>
+      </dgm:t>
     </dgm:pt>
     <dgm:pt modelId="{60BC2F4A-0F98-314D-8F14-6A231276C546}" type="pres">
       <dgm:prSet presAssocID="{C6B30F07-7703-C24B-B99C-F227B6A1DD06}" presName="space" presStyleCnt="0"/>
@@ -2379,6 +2444,13 @@
         </dgm:presLayoutVars>
       </dgm:prSet>
       <dgm:spPr/>
+      <dgm:t>
+        <a:bodyPr/>
+        <a:lstStyle/>
+        <a:p>
+          <a:endParaRPr lang="fr-FR"/>
+        </a:p>
+      </dgm:t>
     </dgm:pt>
     <dgm:pt modelId="{5C72DD71-135D-9842-880A-888477FED38E}" type="pres">
       <dgm:prSet presAssocID="{726FAEE0-0671-6A47-992E-19C958FAA5C0}" presName="desTx" presStyleLbl="alignAccFollowNode1" presStyleIdx="4" presStyleCnt="5">
@@ -2387,40 +2459,47 @@
         </dgm:presLayoutVars>
       </dgm:prSet>
       <dgm:spPr/>
+      <dgm:t>
+        <a:bodyPr/>
+        <a:lstStyle/>
+        <a:p>
+          <a:endParaRPr lang="fr-FR"/>
+        </a:p>
+      </dgm:t>
     </dgm:pt>
   </dgm:ptLst>
   <dgm:cxnLst>
     <dgm:cxn modelId="{0D42DA19-A0B1-5844-A3E3-808AD29B097B}" srcId="{C8661A6B-810B-1E4B-B1CC-141DE757B849}" destId="{8EB3D4DA-D392-624C-ACBA-01FCEF0039D1}" srcOrd="2" destOrd="0" parTransId="{10862054-81DB-8242-A4C6-06EAE50C713F}" sibTransId="{FDBEC8E4-56A3-A844-B9B6-F6031FEBD7F8}"/>
+    <dgm:cxn modelId="{77D2A235-EBAF-6F4A-B52D-E4EFBB604EFE}" type="presOf" srcId="{3DC5BF48-BA14-E94E-BE3F-8FB1C3CF1B90}" destId="{ECE4CE78-598F-7349-8860-765FB74D8A57}" srcOrd="0" destOrd="0" presId="urn:microsoft.com/office/officeart/2005/8/layout/hList1"/>
+    <dgm:cxn modelId="{EB007095-A9B2-5445-A1F5-5A90AE429483}" type="presOf" srcId="{7D131D1C-F090-D04A-A63A-BBE136B185DA}" destId="{A85479BA-39C3-B44C-8F28-84A809FAA5A1}" srcOrd="0" destOrd="1" presId="urn:microsoft.com/office/officeart/2005/8/layout/hList1"/>
+    <dgm:cxn modelId="{4C9024EB-A0A4-D343-962F-84342230B98F}" type="presOf" srcId="{ABAEC531-3B7E-8C43-947C-01941E1C3768}" destId="{617F9704-C5B9-1648-98CF-94F97120C572}" srcOrd="0" destOrd="0" presId="urn:microsoft.com/office/officeart/2005/8/layout/hList1"/>
+    <dgm:cxn modelId="{E8165391-402A-7348-93C1-E044107B9AF2}" type="presOf" srcId="{0D594C62-8F0E-D547-B5C4-5454A990423E}" destId="{4B864F2B-A171-CA4C-8EC7-98380C9D7AAC}" srcOrd="0" destOrd="0" presId="urn:microsoft.com/office/officeart/2005/8/layout/hList1"/>
+    <dgm:cxn modelId="{834412BB-BB26-C04C-A7F4-415DA9A5AB3E}" type="presOf" srcId="{D0F5AB6F-AA61-1842-ADBB-8A8C76FD68DD}" destId="{20D095F7-62F7-7748-B677-217EAF898924}" srcOrd="0" destOrd="1" presId="urn:microsoft.com/office/officeart/2005/8/layout/hList1"/>
+    <dgm:cxn modelId="{1E5F0CCA-8CF7-3145-9F8A-F2D6CF258F45}" type="presOf" srcId="{726FAEE0-0671-6A47-992E-19C958FAA5C0}" destId="{3D66253D-95FC-7548-B49C-8D3767F33B71}" srcOrd="0" destOrd="0" presId="urn:microsoft.com/office/officeart/2005/8/layout/hList1"/>
+    <dgm:cxn modelId="{C882F2C5-E6E0-944D-B8F0-974B83B5B5D3}" srcId="{2C0A458E-41E7-0749-B5F3-B87B657B2C46}" destId="{8C8069CD-959D-9D4A-9ABD-5817462EEBF6}" srcOrd="2" destOrd="0" parTransId="{481DF761-3B74-B14E-B504-A2D81087B8DE}" sibTransId="{66F90A01-CE31-CF4D-A82B-776B9E72F357}"/>
+    <dgm:cxn modelId="{2A7391BD-E933-724E-B9B1-BA636999FB1D}" srcId="{C8661A6B-810B-1E4B-B1CC-141DE757B849}" destId="{3DC5BF48-BA14-E94E-BE3F-8FB1C3CF1B90}" srcOrd="1" destOrd="0" parTransId="{66636137-4F14-C340-9E6A-C098E47B6F2F}" sibTransId="{E2837041-A437-774B-A318-B655203B6D90}"/>
+    <dgm:cxn modelId="{B308C8BD-5034-E74C-8CFA-FD678506FAEA}" srcId="{C8661A6B-810B-1E4B-B1CC-141DE757B849}" destId="{0D594C62-8F0E-D547-B5C4-5454A990423E}" srcOrd="3" destOrd="0" parTransId="{FE0DCDF9-B2F9-D24B-BA5F-F37FD6FA0851}" sibTransId="{C6B30F07-7703-C24B-B99C-F227B6A1DD06}"/>
+    <dgm:cxn modelId="{AB9249E6-EA10-9547-ABEB-157FFF007F8A}" srcId="{726FAEE0-0671-6A47-992E-19C958FAA5C0}" destId="{B104E1B0-0B7A-2D46-BBDC-0278907C22A0}" srcOrd="0" destOrd="0" parTransId="{3FC769AB-EBF6-DB47-AE23-6A9F1B819A57}" sibTransId="{4EC74BF3-5D61-FE45-AF6F-E01E9EE4F832}"/>
+    <dgm:cxn modelId="{A24F04F8-2A68-1841-B2F0-DC0315498993}" srcId="{8EB3D4DA-D392-624C-ACBA-01FCEF0039D1}" destId="{D0F5AB6F-AA61-1842-ADBB-8A8C76FD68DD}" srcOrd="1" destOrd="0" parTransId="{63FFC8E7-2D75-5349-83DF-D30B2105CE85}" sibTransId="{2B38A7C9-399A-364B-831A-2FCEE643928E}"/>
+    <dgm:cxn modelId="{6D7E1459-596F-1E43-81B4-B1710AB5BCE8}" srcId="{3DC5BF48-BA14-E94E-BE3F-8FB1C3CF1B90}" destId="{969DF257-AE32-3940-821C-98D9DA62B596}" srcOrd="1" destOrd="0" parTransId="{899B722F-0208-884C-87B5-A4B5E83F6CA6}" sibTransId="{9C6A73F5-B390-6C48-94B3-31B88DAF5DBE}"/>
+    <dgm:cxn modelId="{770DD680-9B9E-1448-ACAC-4AC00C5F8673}" type="presOf" srcId="{969DF257-AE32-3940-821C-98D9DA62B596}" destId="{DD81468D-FAD2-994B-B911-D934DCB70CA1}" srcOrd="0" destOrd="1" presId="urn:microsoft.com/office/officeart/2005/8/layout/hList1"/>
+    <dgm:cxn modelId="{0DFB3AE6-68B7-2E46-8331-94C6789F6430}" type="presOf" srcId="{B104E1B0-0B7A-2D46-BBDC-0278907C22A0}" destId="{5C72DD71-135D-9842-880A-888477FED38E}" srcOrd="0" destOrd="0" presId="urn:microsoft.com/office/officeart/2005/8/layout/hList1"/>
+    <dgm:cxn modelId="{F76BE794-DF5B-8545-8128-F63DFB80AADD}" srcId="{3DC5BF48-BA14-E94E-BE3F-8FB1C3CF1B90}" destId="{9769F036-4C76-ED46-85A5-616220C10A05}" srcOrd="2" destOrd="0" parTransId="{157B4043-DCCF-804B-9AEB-31EE4499F0B8}" sibTransId="{CDC60C96-298E-FC43-B684-0C663FCE5785}"/>
+    <dgm:cxn modelId="{970470AD-6AA5-8344-9FD1-1772C3893C52}" type="presOf" srcId="{8C8069CD-959D-9D4A-9ABD-5817462EEBF6}" destId="{A85479BA-39C3-B44C-8F28-84A809FAA5A1}" srcOrd="0" destOrd="2" presId="urn:microsoft.com/office/officeart/2005/8/layout/hList1"/>
     <dgm:cxn modelId="{B24B6C27-1328-D64D-82C4-A8ADB45E9BF7}" srcId="{8EB3D4DA-D392-624C-ACBA-01FCEF0039D1}" destId="{8A555377-C05A-8846-93A1-D11E746AD7A5}" srcOrd="0" destOrd="0" parTransId="{FA71FF4A-0D05-9046-8223-41581AEB7A56}" sibTransId="{A42AF4A5-12B9-9A47-87A1-A1080AFEF41D}"/>
     <dgm:cxn modelId="{BD826E33-4F4A-424B-8A9A-18DEC9A5DA62}" srcId="{0D594C62-8F0E-D547-B5C4-5454A990423E}" destId="{ABAEC531-3B7E-8C43-947C-01941E1C3768}" srcOrd="0" destOrd="0" parTransId="{95B22694-E70F-BA40-A0AF-AA4F7A94BF92}" sibTransId="{F8A9044D-EDC9-1E4A-82B2-CA2EF10AEE85}"/>
-    <dgm:cxn modelId="{77D2A235-EBAF-6F4A-B52D-E4EFBB604EFE}" type="presOf" srcId="{3DC5BF48-BA14-E94E-BE3F-8FB1C3CF1B90}" destId="{ECE4CE78-598F-7349-8860-765FB74D8A57}" srcOrd="0" destOrd="0" presId="urn:microsoft.com/office/officeart/2005/8/layout/hList1"/>
+    <dgm:cxn modelId="{22F1BE8A-8087-D042-8942-508C1308CD06}" srcId="{2C0A458E-41E7-0749-B5F3-B87B657B2C46}" destId="{E2F99037-DD6C-444C-8200-8A7A20646B44}" srcOrd="0" destOrd="0" parTransId="{0E183783-E209-9F4F-A70E-F492EA7BD742}" sibTransId="{1BC8B3A4-FB01-764A-8BED-6E8EB8032305}"/>
     <dgm:cxn modelId="{BC83073B-4613-0648-88AF-812CFA5098D4}" srcId="{2C0A458E-41E7-0749-B5F3-B87B657B2C46}" destId="{7D131D1C-F090-D04A-A63A-BBE136B185DA}" srcOrd="1" destOrd="0" parTransId="{6866C270-D1BB-114C-95FB-E9733E899357}" sibTransId="{9EB610D1-342B-B94E-AE57-D52C2F18278D}"/>
+    <dgm:cxn modelId="{481898B3-7418-894E-A791-4F84721C1A3C}" type="presOf" srcId="{2C0A458E-41E7-0749-B5F3-B87B657B2C46}" destId="{25F78C9F-B521-2441-8888-89EBACCB579C}" srcOrd="0" destOrd="0" presId="urn:microsoft.com/office/officeart/2005/8/layout/hList1"/>
+    <dgm:cxn modelId="{9C499E8F-780B-D84A-A972-D83685A19282}" type="presOf" srcId="{15AFFBE7-DAB1-FC45-9FC0-69BC8EFFD4BA}" destId="{DD81468D-FAD2-994B-B911-D934DCB70CA1}" srcOrd="0" destOrd="0" presId="urn:microsoft.com/office/officeart/2005/8/layout/hList1"/>
+    <dgm:cxn modelId="{EF28A899-EE90-804D-A835-5E18D8C75057}" srcId="{C8661A6B-810B-1E4B-B1CC-141DE757B849}" destId="{726FAEE0-0671-6A47-992E-19C958FAA5C0}" srcOrd="4" destOrd="0" parTransId="{2F18166A-B3FC-6142-9EE6-69B7FBBE776A}" sibTransId="{5E8048C6-AB64-C744-BC71-8297C7F11082}"/>
     <dgm:cxn modelId="{2759DD43-1160-1044-A393-4DA743613C0C}" type="presOf" srcId="{8A555377-C05A-8846-93A1-D11E746AD7A5}" destId="{20D095F7-62F7-7748-B677-217EAF898924}" srcOrd="0" destOrd="0" presId="urn:microsoft.com/office/officeart/2005/8/layout/hList1"/>
+    <dgm:cxn modelId="{CB125556-6806-D04F-B199-FDC2D0D9AE6D}" srcId="{3DC5BF48-BA14-E94E-BE3F-8FB1C3CF1B90}" destId="{15AFFBE7-DAB1-FC45-9FC0-69BC8EFFD4BA}" srcOrd="0" destOrd="0" parTransId="{8BD24FEB-079D-DD4D-9ED0-A15F63FF9A47}" sibTransId="{133DDD6A-9990-B948-8B47-3948C694B1CD}"/>
     <dgm:cxn modelId="{D838BC4F-8976-BD43-9465-5620F7EAB015}" type="presOf" srcId="{C8661A6B-810B-1E4B-B1CC-141DE757B849}" destId="{DCBBD6ED-E7E2-E641-94EA-3B38CC6CF4A5}" srcOrd="0" destOrd="0" presId="urn:microsoft.com/office/officeart/2005/8/layout/hList1"/>
-    <dgm:cxn modelId="{CB125556-6806-D04F-B199-FDC2D0D9AE6D}" srcId="{3DC5BF48-BA14-E94E-BE3F-8FB1C3CF1B90}" destId="{15AFFBE7-DAB1-FC45-9FC0-69BC8EFFD4BA}" srcOrd="0" destOrd="0" parTransId="{8BD24FEB-079D-DD4D-9ED0-A15F63FF9A47}" sibTransId="{133DDD6A-9990-B948-8B47-3948C694B1CD}"/>
-    <dgm:cxn modelId="{6D7E1459-596F-1E43-81B4-B1710AB5BCE8}" srcId="{3DC5BF48-BA14-E94E-BE3F-8FB1C3CF1B90}" destId="{969DF257-AE32-3940-821C-98D9DA62B596}" srcOrd="1" destOrd="0" parTransId="{899B722F-0208-884C-87B5-A4B5E83F6CA6}" sibTransId="{9C6A73F5-B390-6C48-94B3-31B88DAF5DBE}"/>
+    <dgm:cxn modelId="{7604DC7D-D5E0-9C4D-8786-9C0215029E69}" srcId="{C8661A6B-810B-1E4B-B1CC-141DE757B849}" destId="{2C0A458E-41E7-0749-B5F3-B87B657B2C46}" srcOrd="0" destOrd="0" parTransId="{85DFE8F1-77A0-D149-A78B-A94463996F28}" sibTransId="{B575B920-FFFA-344C-81D6-148E999212A2}"/>
+    <dgm:cxn modelId="{ECAF81A3-ACA0-3649-9D30-242B00837DB5}" type="presOf" srcId="{8EB3D4DA-D392-624C-ACBA-01FCEF0039D1}" destId="{ADACA0E1-9830-504A-819D-FA1ACF8A190B}" srcOrd="0" destOrd="0" presId="urn:microsoft.com/office/officeart/2005/8/layout/hList1"/>
     <dgm:cxn modelId="{20DE6B73-3698-9E41-BF10-05178F64D69D}" type="presOf" srcId="{9769F036-4C76-ED46-85A5-616220C10A05}" destId="{DD81468D-FAD2-994B-B911-D934DCB70CA1}" srcOrd="0" destOrd="2" presId="urn:microsoft.com/office/officeart/2005/8/layout/hList1"/>
     <dgm:cxn modelId="{05A24B7B-0A7A-D941-8899-E41721BD8E08}" type="presOf" srcId="{E2F99037-DD6C-444C-8200-8A7A20646B44}" destId="{A85479BA-39C3-B44C-8F28-84A809FAA5A1}" srcOrd="0" destOrd="0" presId="urn:microsoft.com/office/officeart/2005/8/layout/hList1"/>
-    <dgm:cxn modelId="{7604DC7D-D5E0-9C4D-8786-9C0215029E69}" srcId="{C8661A6B-810B-1E4B-B1CC-141DE757B849}" destId="{2C0A458E-41E7-0749-B5F3-B87B657B2C46}" srcOrd="0" destOrd="0" parTransId="{85DFE8F1-77A0-D149-A78B-A94463996F28}" sibTransId="{B575B920-FFFA-344C-81D6-148E999212A2}"/>
-    <dgm:cxn modelId="{770DD680-9B9E-1448-ACAC-4AC00C5F8673}" type="presOf" srcId="{969DF257-AE32-3940-821C-98D9DA62B596}" destId="{DD81468D-FAD2-994B-B911-D934DCB70CA1}" srcOrd="0" destOrd="1" presId="urn:microsoft.com/office/officeart/2005/8/layout/hList1"/>
-    <dgm:cxn modelId="{22F1BE8A-8087-D042-8942-508C1308CD06}" srcId="{2C0A458E-41E7-0749-B5F3-B87B657B2C46}" destId="{E2F99037-DD6C-444C-8200-8A7A20646B44}" srcOrd="0" destOrd="0" parTransId="{0E183783-E209-9F4F-A70E-F492EA7BD742}" sibTransId="{1BC8B3A4-FB01-764A-8BED-6E8EB8032305}"/>
-    <dgm:cxn modelId="{9C499E8F-780B-D84A-A972-D83685A19282}" type="presOf" srcId="{15AFFBE7-DAB1-FC45-9FC0-69BC8EFFD4BA}" destId="{DD81468D-FAD2-994B-B911-D934DCB70CA1}" srcOrd="0" destOrd="0" presId="urn:microsoft.com/office/officeart/2005/8/layout/hList1"/>
-    <dgm:cxn modelId="{E8165391-402A-7348-93C1-E044107B9AF2}" type="presOf" srcId="{0D594C62-8F0E-D547-B5C4-5454A990423E}" destId="{4B864F2B-A171-CA4C-8EC7-98380C9D7AAC}" srcOrd="0" destOrd="0" presId="urn:microsoft.com/office/officeart/2005/8/layout/hList1"/>
-    <dgm:cxn modelId="{F76BE794-DF5B-8545-8128-F63DFB80AADD}" srcId="{3DC5BF48-BA14-E94E-BE3F-8FB1C3CF1B90}" destId="{9769F036-4C76-ED46-85A5-616220C10A05}" srcOrd="2" destOrd="0" parTransId="{157B4043-DCCF-804B-9AEB-31EE4499F0B8}" sibTransId="{CDC60C96-298E-FC43-B684-0C663FCE5785}"/>
-    <dgm:cxn modelId="{EB007095-A9B2-5445-A1F5-5A90AE429483}" type="presOf" srcId="{7D131D1C-F090-D04A-A63A-BBE136B185DA}" destId="{A85479BA-39C3-B44C-8F28-84A809FAA5A1}" srcOrd="0" destOrd="1" presId="urn:microsoft.com/office/officeart/2005/8/layout/hList1"/>
-    <dgm:cxn modelId="{EF28A899-EE90-804D-A835-5E18D8C75057}" srcId="{C8661A6B-810B-1E4B-B1CC-141DE757B849}" destId="{726FAEE0-0671-6A47-992E-19C958FAA5C0}" srcOrd="4" destOrd="0" parTransId="{2F18166A-B3FC-6142-9EE6-69B7FBBE776A}" sibTransId="{5E8048C6-AB64-C744-BC71-8297C7F11082}"/>
-    <dgm:cxn modelId="{ECAF81A3-ACA0-3649-9D30-242B00837DB5}" type="presOf" srcId="{8EB3D4DA-D392-624C-ACBA-01FCEF0039D1}" destId="{ADACA0E1-9830-504A-819D-FA1ACF8A190B}" srcOrd="0" destOrd="0" presId="urn:microsoft.com/office/officeart/2005/8/layout/hList1"/>
-    <dgm:cxn modelId="{970470AD-6AA5-8344-9FD1-1772C3893C52}" type="presOf" srcId="{8C8069CD-959D-9D4A-9ABD-5817462EEBF6}" destId="{A85479BA-39C3-B44C-8F28-84A809FAA5A1}" srcOrd="0" destOrd="2" presId="urn:microsoft.com/office/officeart/2005/8/layout/hList1"/>
-    <dgm:cxn modelId="{481898B3-7418-894E-A791-4F84721C1A3C}" type="presOf" srcId="{2C0A458E-41E7-0749-B5F3-B87B657B2C46}" destId="{25F78C9F-B521-2441-8888-89EBACCB579C}" srcOrd="0" destOrd="0" presId="urn:microsoft.com/office/officeart/2005/8/layout/hList1"/>
-    <dgm:cxn modelId="{834412BB-BB26-C04C-A7F4-415DA9A5AB3E}" type="presOf" srcId="{D0F5AB6F-AA61-1842-ADBB-8A8C76FD68DD}" destId="{20D095F7-62F7-7748-B677-217EAF898924}" srcOrd="0" destOrd="1" presId="urn:microsoft.com/office/officeart/2005/8/layout/hList1"/>
-    <dgm:cxn modelId="{2A7391BD-E933-724E-B9B1-BA636999FB1D}" srcId="{C8661A6B-810B-1E4B-B1CC-141DE757B849}" destId="{3DC5BF48-BA14-E94E-BE3F-8FB1C3CF1B90}" srcOrd="1" destOrd="0" parTransId="{66636137-4F14-C340-9E6A-C098E47B6F2F}" sibTransId="{E2837041-A437-774B-A318-B655203B6D90}"/>
-    <dgm:cxn modelId="{B308C8BD-5034-E74C-8CFA-FD678506FAEA}" srcId="{C8661A6B-810B-1E4B-B1CC-141DE757B849}" destId="{0D594C62-8F0E-D547-B5C4-5454A990423E}" srcOrd="3" destOrd="0" parTransId="{FE0DCDF9-B2F9-D24B-BA5F-F37FD6FA0851}" sibTransId="{C6B30F07-7703-C24B-B99C-F227B6A1DD06}"/>
-    <dgm:cxn modelId="{C882F2C5-E6E0-944D-B8F0-974B83B5B5D3}" srcId="{2C0A458E-41E7-0749-B5F3-B87B657B2C46}" destId="{8C8069CD-959D-9D4A-9ABD-5817462EEBF6}" srcOrd="2" destOrd="0" parTransId="{481DF761-3B74-B14E-B504-A2D81087B8DE}" sibTransId="{66F90A01-CE31-CF4D-A82B-776B9E72F357}"/>
-    <dgm:cxn modelId="{1E5F0CCA-8CF7-3145-9F8A-F2D6CF258F45}" type="presOf" srcId="{726FAEE0-0671-6A47-992E-19C958FAA5C0}" destId="{3D66253D-95FC-7548-B49C-8D3767F33B71}" srcOrd="0" destOrd="0" presId="urn:microsoft.com/office/officeart/2005/8/layout/hList1"/>
-    <dgm:cxn modelId="{0DFB3AE6-68B7-2E46-8331-94C6789F6430}" type="presOf" srcId="{B104E1B0-0B7A-2D46-BBDC-0278907C22A0}" destId="{5C72DD71-135D-9842-880A-888477FED38E}" srcOrd="0" destOrd="0" presId="urn:microsoft.com/office/officeart/2005/8/layout/hList1"/>
-    <dgm:cxn modelId="{AB9249E6-EA10-9547-ABEB-157FFF007F8A}" srcId="{726FAEE0-0671-6A47-992E-19C958FAA5C0}" destId="{B104E1B0-0B7A-2D46-BBDC-0278907C22A0}" srcOrd="0" destOrd="0" parTransId="{3FC769AB-EBF6-DB47-AE23-6A9F1B819A57}" sibTransId="{4EC74BF3-5D61-FE45-AF6F-E01E9EE4F832}"/>
-    <dgm:cxn modelId="{4C9024EB-A0A4-D343-962F-84342230B98F}" type="presOf" srcId="{ABAEC531-3B7E-8C43-947C-01941E1C3768}" destId="{617F9704-C5B9-1648-98CF-94F97120C572}" srcOrd="0" destOrd="0" presId="urn:microsoft.com/office/officeart/2005/8/layout/hList1"/>
-    <dgm:cxn modelId="{A24F04F8-2A68-1841-B2F0-DC0315498993}" srcId="{8EB3D4DA-D392-624C-ACBA-01FCEF0039D1}" destId="{D0F5AB6F-AA61-1842-ADBB-8A8C76FD68DD}" srcOrd="1" destOrd="0" parTransId="{63FFC8E7-2D75-5349-83DF-D30B2105CE85}" sibTransId="{2B38A7C9-399A-364B-831A-2FCEE643928E}"/>
     <dgm:cxn modelId="{4D162DBB-9E40-B14B-9096-C651217A8161}" type="presParOf" srcId="{DCBBD6ED-E7E2-E641-94EA-3B38CC6CF4A5}" destId="{9F03E44B-F21C-A74E-8366-EA8D85CC04EA}" srcOrd="0" destOrd="0" presId="urn:microsoft.com/office/officeart/2005/8/layout/hList1"/>
     <dgm:cxn modelId="{88B32E11-C6D5-1B4E-B1B1-C841B86D33DC}" type="presParOf" srcId="{9F03E44B-F21C-A74E-8366-EA8D85CC04EA}" destId="{25F78C9F-B521-2441-8888-89EBACCB579C}" srcOrd="0" destOrd="0" presId="urn:microsoft.com/office/officeart/2005/8/layout/hList1"/>
     <dgm:cxn modelId="{2B6C4102-AD3B-714C-8D58-F8BC3669FE0A}" type="presParOf" srcId="{9F03E44B-F21C-A74E-8366-EA8D85CC04EA}" destId="{A85479BA-39C3-B44C-8F28-84A809FAA5A1}" srcOrd="1" destOrd="0" presId="urn:microsoft.com/office/officeart/2005/8/layout/hList1"/>
@@ -3280,6 +3359,13 @@
         </dgm:presLayoutVars>
       </dgm:prSet>
       <dgm:spPr/>
+      <dgm:t>
+        <a:bodyPr/>
+        <a:lstStyle/>
+        <a:p>
+          <a:endParaRPr lang="fr-FR"/>
+        </a:p>
+      </dgm:t>
     </dgm:pt>
     <dgm:pt modelId="{9F03E44B-F21C-A74E-8366-EA8D85CC04EA}" type="pres">
       <dgm:prSet presAssocID="{2C0A458E-41E7-0749-B5F3-B87B657B2C46}" presName="composite" presStyleCnt="0"/>
@@ -3294,6 +3380,13 @@
         </dgm:presLayoutVars>
       </dgm:prSet>
       <dgm:spPr/>
+      <dgm:t>
+        <a:bodyPr/>
+        <a:lstStyle/>
+        <a:p>
+          <a:endParaRPr lang="fr-FR"/>
+        </a:p>
+      </dgm:t>
     </dgm:pt>
     <dgm:pt modelId="{A85479BA-39C3-B44C-8F28-84A809FAA5A1}" type="pres">
       <dgm:prSet presAssocID="{2C0A458E-41E7-0749-B5F3-B87B657B2C46}" presName="desTx" presStyleLbl="alignAccFollowNode1" presStyleIdx="0" presStyleCnt="5">
@@ -3302,6 +3395,13 @@
         </dgm:presLayoutVars>
       </dgm:prSet>
       <dgm:spPr/>
+      <dgm:t>
+        <a:bodyPr/>
+        <a:lstStyle/>
+        <a:p>
+          <a:endParaRPr lang="fr-FR"/>
+        </a:p>
+      </dgm:t>
     </dgm:pt>
     <dgm:pt modelId="{B327CB47-6E17-5948-874C-31D0E69A2BEE}" type="pres">
       <dgm:prSet presAssocID="{B575B920-FFFA-344C-81D6-148E999212A2}" presName="space" presStyleCnt="0"/>
@@ -3320,6 +3420,13 @@
         </dgm:presLayoutVars>
       </dgm:prSet>
       <dgm:spPr/>
+      <dgm:t>
+        <a:bodyPr/>
+        <a:lstStyle/>
+        <a:p>
+          <a:endParaRPr lang="fr-FR"/>
+        </a:p>
+      </dgm:t>
     </dgm:pt>
     <dgm:pt modelId="{DD81468D-FAD2-994B-B911-D934DCB70CA1}" type="pres">
       <dgm:prSet presAssocID="{3DC5BF48-BA14-E94E-BE3F-8FB1C3CF1B90}" presName="desTx" presStyleLbl="alignAccFollowNode1" presStyleIdx="1" presStyleCnt="5">
@@ -3328,6 +3435,13 @@
         </dgm:presLayoutVars>
       </dgm:prSet>
       <dgm:spPr/>
+      <dgm:t>
+        <a:bodyPr/>
+        <a:lstStyle/>
+        <a:p>
+          <a:endParaRPr lang="fr-FR"/>
+        </a:p>
+      </dgm:t>
     </dgm:pt>
     <dgm:pt modelId="{B8F785C1-DBB7-B746-B4C6-AE6279F67232}" type="pres">
       <dgm:prSet presAssocID="{E2837041-A437-774B-A318-B655203B6D90}" presName="space" presStyleCnt="0"/>
@@ -3346,6 +3460,13 @@
         </dgm:presLayoutVars>
       </dgm:prSet>
       <dgm:spPr/>
+      <dgm:t>
+        <a:bodyPr/>
+        <a:lstStyle/>
+        <a:p>
+          <a:endParaRPr lang="fr-FR"/>
+        </a:p>
+      </dgm:t>
     </dgm:pt>
     <dgm:pt modelId="{20D095F7-62F7-7748-B677-217EAF898924}" type="pres">
       <dgm:prSet presAssocID="{8EB3D4DA-D392-624C-ACBA-01FCEF0039D1}" presName="desTx" presStyleLbl="alignAccFollowNode1" presStyleIdx="2" presStyleCnt="5">
@@ -3354,6 +3475,13 @@
         </dgm:presLayoutVars>
       </dgm:prSet>
       <dgm:spPr/>
+      <dgm:t>
+        <a:bodyPr/>
+        <a:lstStyle/>
+        <a:p>
+          <a:endParaRPr lang="fr-FR"/>
+        </a:p>
+      </dgm:t>
     </dgm:pt>
     <dgm:pt modelId="{285CB6E8-F646-3048-87C1-F07CFEEBEBDC}" type="pres">
       <dgm:prSet presAssocID="{FDBEC8E4-56A3-A844-B9B6-F6031FEBD7F8}" presName="space" presStyleCnt="0"/>
@@ -3372,6 +3500,13 @@
         </dgm:presLayoutVars>
       </dgm:prSet>
       <dgm:spPr/>
+      <dgm:t>
+        <a:bodyPr/>
+        <a:lstStyle/>
+        <a:p>
+          <a:endParaRPr lang="fr-FR"/>
+        </a:p>
+      </dgm:t>
     </dgm:pt>
     <dgm:pt modelId="{617F9704-C5B9-1648-98CF-94F97120C572}" type="pres">
       <dgm:prSet presAssocID="{0D594C62-8F0E-D547-B5C4-5454A990423E}" presName="desTx" presStyleLbl="alignAccFollowNode1" presStyleIdx="3" presStyleCnt="5">
@@ -3380,6 +3515,13 @@
         </dgm:presLayoutVars>
       </dgm:prSet>
       <dgm:spPr/>
+      <dgm:t>
+        <a:bodyPr/>
+        <a:lstStyle/>
+        <a:p>
+          <a:endParaRPr lang="fr-FR"/>
+        </a:p>
+      </dgm:t>
     </dgm:pt>
     <dgm:pt modelId="{60BC2F4A-0F98-314D-8F14-6A231276C546}" type="pres">
       <dgm:prSet presAssocID="{C6B30F07-7703-C24B-B99C-F227B6A1DD06}" presName="space" presStyleCnt="0"/>
@@ -3398,6 +3540,13 @@
         </dgm:presLayoutVars>
       </dgm:prSet>
       <dgm:spPr/>
+      <dgm:t>
+        <a:bodyPr/>
+        <a:lstStyle/>
+        <a:p>
+          <a:endParaRPr lang="fr-FR"/>
+        </a:p>
+      </dgm:t>
     </dgm:pt>
     <dgm:pt modelId="{5C72DD71-135D-9842-880A-888477FED38E}" type="pres">
       <dgm:prSet presAssocID="{726FAEE0-0671-6A47-992E-19C958FAA5C0}" presName="desTx" presStyleLbl="alignAccFollowNode1" presStyleIdx="4" presStyleCnt="5">
@@ -3406,48 +3555,55 @@
         </dgm:presLayoutVars>
       </dgm:prSet>
       <dgm:spPr/>
+      <dgm:t>
+        <a:bodyPr/>
+        <a:lstStyle/>
+        <a:p>
+          <a:endParaRPr lang="fr-FR"/>
+        </a:p>
+      </dgm:t>
     </dgm:pt>
   </dgm:ptLst>
   <dgm:cxnLst>
-    <dgm:cxn modelId="{F5E0E600-20DE-2A40-8E81-8B907B1030A6}" type="presOf" srcId="{2D8CDDA4-D3AB-9E47-B00E-87DCAED83B87}" destId="{A85479BA-39C3-B44C-8F28-84A809FAA5A1}" srcOrd="0" destOrd="0" presId="urn:microsoft.com/office/officeart/2005/8/layout/hList1"/>
-    <dgm:cxn modelId="{D61FA604-1C4A-7340-94AD-0D0E57B936BC}" type="presOf" srcId="{DE1CDDE1-B268-7548-8985-61F74E9269E2}" destId="{20D095F7-62F7-7748-B677-217EAF898924}" srcOrd="0" destOrd="2" presId="urn:microsoft.com/office/officeart/2005/8/layout/hList1"/>
     <dgm:cxn modelId="{0D42DA19-A0B1-5844-A3E3-808AD29B097B}" srcId="{C8661A6B-810B-1E4B-B1CC-141DE757B849}" destId="{8EB3D4DA-D392-624C-ACBA-01FCEF0039D1}" srcOrd="2" destOrd="0" parTransId="{10862054-81DB-8242-A4C6-06EAE50C713F}" sibTransId="{FDBEC8E4-56A3-A844-B9B6-F6031FEBD7F8}"/>
-    <dgm:cxn modelId="{F6CFB626-0E56-0B44-8EF2-464372C4762C}" type="presOf" srcId="{9794766A-8C01-0E48-91EA-38B71167FB12}" destId="{617F9704-C5B9-1648-98CF-94F97120C572}" srcOrd="0" destOrd="0" presId="urn:microsoft.com/office/officeart/2005/8/layout/hList1"/>
-    <dgm:cxn modelId="{B24B6C27-1328-D64D-82C4-A8ADB45E9BF7}" srcId="{8EB3D4DA-D392-624C-ACBA-01FCEF0039D1}" destId="{8A555377-C05A-8846-93A1-D11E746AD7A5}" srcOrd="0" destOrd="0" parTransId="{FA71FF4A-0D05-9046-8223-41581AEB7A56}" sibTransId="{A42AF4A5-12B9-9A47-87A1-A1080AFEF41D}"/>
+    <dgm:cxn modelId="{2ED8D059-9856-FF46-BDDB-282375D96933}" srcId="{726FAEE0-0671-6A47-992E-19C958FAA5C0}" destId="{FD5B6DB0-8903-9A41-987A-7619C3A6D6F4}" srcOrd="0" destOrd="0" parTransId="{0C5AD9DB-07F0-E44E-9A6E-114F0755E04E}" sibTransId="{69BBBF78-3A94-2E43-83D7-80F5241431D3}"/>
+    <dgm:cxn modelId="{4FECE9CC-0BBD-4044-81FD-9FCF00643F32}" type="presOf" srcId="{960A4DE7-D040-C34C-BDE1-053507B5D5FA}" destId="{617F9704-C5B9-1648-98CF-94F97120C572}" srcOrd="0" destOrd="3" presId="urn:microsoft.com/office/officeart/2005/8/layout/hList1"/>
+    <dgm:cxn modelId="{6FAD4A6E-7329-6149-A025-6A4491A0D4E4}" srcId="{2C0A458E-41E7-0749-B5F3-B87B657B2C46}" destId="{2D8CDDA4-D3AB-9E47-B00E-87DCAED83B87}" srcOrd="0" destOrd="0" parTransId="{8A7665EC-796D-A24C-A7F2-A6B6B5E0B8AA}" sibTransId="{3F2151BD-3470-9243-83B7-646636527AA1}"/>
     <dgm:cxn modelId="{F0670E2E-14D5-9F47-B6F9-DC9C974B0604}" srcId="{2C0A458E-41E7-0749-B5F3-B87B657B2C46}" destId="{9660AFDC-9955-D145-AA07-BA322E204FF1}" srcOrd="2" destOrd="0" parTransId="{A6C1C37F-5C64-984E-AAAF-AF823D71741C}" sibTransId="{B4E61655-3402-CD4D-86CF-CD333176EE4F}"/>
-    <dgm:cxn modelId="{2721F933-D91A-3B4C-829A-490E447893D9}" srcId="{0D594C62-8F0E-D547-B5C4-5454A990423E}" destId="{C90DA8F3-948E-5E47-8D95-D8BAF110C8B0}" srcOrd="1" destOrd="0" parTransId="{5D217272-209D-8A43-A914-E00481776B30}" sibTransId="{F0883202-FFD2-5142-9027-0DC0A2124AD6}"/>
+    <dgm:cxn modelId="{5D8F6DEA-5CF5-6147-929E-1EC6EAF9490F}" type="presOf" srcId="{60F038A9-D549-3F47-9C60-952B3F373EAE}" destId="{617F9704-C5B9-1648-98CF-94F97120C572}" srcOrd="0" destOrd="4" presId="urn:microsoft.com/office/officeart/2005/8/layout/hList1"/>
     <dgm:cxn modelId="{77D2A235-EBAF-6F4A-B52D-E4EFBB604EFE}" type="presOf" srcId="{3DC5BF48-BA14-E94E-BE3F-8FB1C3CF1B90}" destId="{ECE4CE78-598F-7349-8860-765FB74D8A57}" srcOrd="0" destOrd="0" presId="urn:microsoft.com/office/officeart/2005/8/layout/hList1"/>
-    <dgm:cxn modelId="{2759DD43-1160-1044-A393-4DA743613C0C}" type="presOf" srcId="{8A555377-C05A-8846-93A1-D11E746AD7A5}" destId="{20D095F7-62F7-7748-B677-217EAF898924}" srcOrd="0" destOrd="0" presId="urn:microsoft.com/office/officeart/2005/8/layout/hList1"/>
-    <dgm:cxn modelId="{D838BC4F-8976-BD43-9465-5620F7EAB015}" type="presOf" srcId="{C8661A6B-810B-1E4B-B1CC-141DE757B849}" destId="{DCBBD6ED-E7E2-E641-94EA-3B38CC6CF4A5}" srcOrd="0" destOrd="0" presId="urn:microsoft.com/office/officeart/2005/8/layout/hList1"/>
-    <dgm:cxn modelId="{CB125556-6806-D04F-B199-FDC2D0D9AE6D}" srcId="{3DC5BF48-BA14-E94E-BE3F-8FB1C3CF1B90}" destId="{15AFFBE7-DAB1-FC45-9FC0-69BC8EFFD4BA}" srcOrd="0" destOrd="0" parTransId="{8BD24FEB-079D-DD4D-9ED0-A15F63FF9A47}" sibTransId="{133DDD6A-9990-B948-8B47-3948C694B1CD}"/>
-    <dgm:cxn modelId="{2ED8D059-9856-FF46-BDDB-282375D96933}" srcId="{726FAEE0-0671-6A47-992E-19C958FAA5C0}" destId="{FD5B6DB0-8903-9A41-987A-7619C3A6D6F4}" srcOrd="0" destOrd="0" parTransId="{0C5AD9DB-07F0-E44E-9A6E-114F0755E04E}" sibTransId="{69BBBF78-3A94-2E43-83D7-80F5241431D3}"/>
+    <dgm:cxn modelId="{E8165391-402A-7348-93C1-E044107B9AF2}" type="presOf" srcId="{0D594C62-8F0E-D547-B5C4-5454A990423E}" destId="{4B864F2B-A171-CA4C-8EC7-98380C9D7AAC}" srcOrd="0" destOrd="0" presId="urn:microsoft.com/office/officeart/2005/8/layout/hList1"/>
+    <dgm:cxn modelId="{C8720D7E-F463-3F4D-A842-D768FCF58084}" type="presOf" srcId="{9BCFE93D-6E84-5B41-801F-56F19DAAF022}" destId="{DD81468D-FAD2-994B-B911-D934DCB70CA1}" srcOrd="0" destOrd="1" presId="urn:microsoft.com/office/officeart/2005/8/layout/hList1"/>
     <dgm:cxn modelId="{002F695F-F451-1A4B-AAE9-1AD10E9C53BC}" srcId="{3DC5BF48-BA14-E94E-BE3F-8FB1C3CF1B90}" destId="{9BCFE93D-6E84-5B41-801F-56F19DAAF022}" srcOrd="1" destOrd="0" parTransId="{46E92058-9D74-764A-9EFC-E66B9D8CC71B}" sibTransId="{27A58515-4A87-C74B-9454-6E1124391473}"/>
-    <dgm:cxn modelId="{6FAD4A6E-7329-6149-A025-6A4491A0D4E4}" srcId="{2C0A458E-41E7-0749-B5F3-B87B657B2C46}" destId="{2D8CDDA4-D3AB-9E47-B00E-87DCAED83B87}" srcOrd="0" destOrd="0" parTransId="{8A7665EC-796D-A24C-A7F2-A6B6B5E0B8AA}" sibTransId="{3F2151BD-3470-9243-83B7-646636527AA1}"/>
-    <dgm:cxn modelId="{05A24B7B-0A7A-D941-8899-E41721BD8E08}" type="presOf" srcId="{E2F99037-DD6C-444C-8200-8A7A20646B44}" destId="{A85479BA-39C3-B44C-8F28-84A809FAA5A1}" srcOrd="0" destOrd="1" presId="urn:microsoft.com/office/officeart/2005/8/layout/hList1"/>
-    <dgm:cxn modelId="{7604DC7D-D5E0-9C4D-8786-9C0215029E69}" srcId="{C8661A6B-810B-1E4B-B1CC-141DE757B849}" destId="{2C0A458E-41E7-0749-B5F3-B87B657B2C46}" srcOrd="0" destOrd="0" parTransId="{85DFE8F1-77A0-D149-A78B-A94463996F28}" sibTransId="{B575B920-FFFA-344C-81D6-148E999212A2}"/>
-    <dgm:cxn modelId="{C8720D7E-F463-3F4D-A842-D768FCF58084}" type="presOf" srcId="{9BCFE93D-6E84-5B41-801F-56F19DAAF022}" destId="{DD81468D-FAD2-994B-B911-D934DCB70CA1}" srcOrd="0" destOrd="1" presId="urn:microsoft.com/office/officeart/2005/8/layout/hList1"/>
-    <dgm:cxn modelId="{22F1BE8A-8087-D042-8942-508C1308CD06}" srcId="{2C0A458E-41E7-0749-B5F3-B87B657B2C46}" destId="{E2F99037-DD6C-444C-8200-8A7A20646B44}" srcOrd="1" destOrd="0" parTransId="{0E183783-E209-9F4F-A70E-F492EA7BD742}" sibTransId="{1BC8B3A4-FB01-764A-8BED-6E8EB8032305}"/>
-    <dgm:cxn modelId="{9C499E8F-780B-D84A-A972-D83685A19282}" type="presOf" srcId="{15AFFBE7-DAB1-FC45-9FC0-69BC8EFFD4BA}" destId="{DD81468D-FAD2-994B-B911-D934DCB70CA1}" srcOrd="0" destOrd="0" presId="urn:microsoft.com/office/officeart/2005/8/layout/hList1"/>
-    <dgm:cxn modelId="{E8165391-402A-7348-93C1-E044107B9AF2}" type="presOf" srcId="{0D594C62-8F0E-D547-B5C4-5454A990423E}" destId="{4B864F2B-A171-CA4C-8EC7-98380C9D7AAC}" srcOrd="0" destOrd="0" presId="urn:microsoft.com/office/officeart/2005/8/layout/hList1"/>
-    <dgm:cxn modelId="{15CE1192-BA53-964B-9F08-908393A01D2E}" type="presOf" srcId="{9660AFDC-9955-D145-AA07-BA322E204FF1}" destId="{A85479BA-39C3-B44C-8F28-84A809FAA5A1}" srcOrd="0" destOrd="2" presId="urn:microsoft.com/office/officeart/2005/8/layout/hList1"/>
-    <dgm:cxn modelId="{9DCBD597-D7C6-BB40-BBA9-AAA3815FF3ED}" srcId="{0D594C62-8F0E-D547-B5C4-5454A990423E}" destId="{960A4DE7-D040-C34C-BDE1-053507B5D5FA}" srcOrd="3" destOrd="0" parTransId="{E0587E6D-63CC-8243-A87A-C082692CF03E}" sibTransId="{D44503DF-7CCD-BB4A-9CB0-CA3BBA4B79F3}"/>
-    <dgm:cxn modelId="{EF28A899-EE90-804D-A835-5E18D8C75057}" srcId="{C8661A6B-810B-1E4B-B1CC-141DE757B849}" destId="{726FAEE0-0671-6A47-992E-19C958FAA5C0}" srcOrd="4" destOrd="0" parTransId="{2F18166A-B3FC-6142-9EE6-69B7FBBE776A}" sibTransId="{5E8048C6-AB64-C744-BC71-8297C7F11082}"/>
-    <dgm:cxn modelId="{A0DBB09D-7EDD-1148-9333-DCE4C93BA9D7}" srcId="{0D594C62-8F0E-D547-B5C4-5454A990423E}" destId="{9794766A-8C01-0E48-91EA-38B71167FB12}" srcOrd="0" destOrd="0" parTransId="{D5ED0948-3692-0F48-8054-F38A33146C84}" sibTransId="{AD5BA8C9-50EC-8149-9EB8-8BC88A3B2CED}"/>
-    <dgm:cxn modelId="{F03D22A0-61F8-9949-94DF-881B03906FB0}" srcId="{8EB3D4DA-D392-624C-ACBA-01FCEF0039D1}" destId="{DE1CDDE1-B268-7548-8985-61F74E9269E2}" srcOrd="2" destOrd="0" parTransId="{6D7F318D-F80C-6845-9578-A6979BF57975}" sibTransId="{1FC01AD1-4FC9-074B-B42A-F4B832EDFC4D}"/>
-    <dgm:cxn modelId="{ECAF81A3-ACA0-3649-9D30-242B00837DB5}" type="presOf" srcId="{8EB3D4DA-D392-624C-ACBA-01FCEF0039D1}" destId="{ADACA0E1-9830-504A-819D-FA1ACF8A190B}" srcOrd="0" destOrd="0" presId="urn:microsoft.com/office/officeart/2005/8/layout/hList1"/>
-    <dgm:cxn modelId="{E9BE94A7-DA39-C840-9B01-6DBE523708CD}" srcId="{8EB3D4DA-D392-624C-ACBA-01FCEF0039D1}" destId="{9B3E5AEA-B70D-D64C-8C1D-10A6FB51ABAC}" srcOrd="1" destOrd="0" parTransId="{1495C82C-8764-6441-89E2-F327E9C03D4B}" sibTransId="{1DA55D21-382C-1F4A-9B46-B7D18EC4F32F}"/>
-    <dgm:cxn modelId="{481898B3-7418-894E-A791-4F84721C1A3C}" type="presOf" srcId="{2C0A458E-41E7-0749-B5F3-B87B657B2C46}" destId="{25F78C9F-B521-2441-8888-89EBACCB579C}" srcOrd="0" destOrd="0" presId="urn:microsoft.com/office/officeart/2005/8/layout/hList1"/>
-    <dgm:cxn modelId="{F830BBB5-4B41-074F-85B1-93632C832A8E}" type="presOf" srcId="{9B3E5AEA-B70D-D64C-8C1D-10A6FB51ABAC}" destId="{20D095F7-62F7-7748-B677-217EAF898924}" srcOrd="0" destOrd="1" presId="urn:microsoft.com/office/officeart/2005/8/layout/hList1"/>
+    <dgm:cxn modelId="{1E5F0CCA-8CF7-3145-9F8A-F2D6CF258F45}" type="presOf" srcId="{726FAEE0-0671-6A47-992E-19C958FAA5C0}" destId="{3D66253D-95FC-7548-B49C-8D3767F33B71}" srcOrd="0" destOrd="0" presId="urn:microsoft.com/office/officeart/2005/8/layout/hList1"/>
     <dgm:cxn modelId="{2A7391BD-E933-724E-B9B1-BA636999FB1D}" srcId="{C8661A6B-810B-1E4B-B1CC-141DE757B849}" destId="{3DC5BF48-BA14-E94E-BE3F-8FB1C3CF1B90}" srcOrd="1" destOrd="0" parTransId="{66636137-4F14-C340-9E6A-C098E47B6F2F}" sibTransId="{E2837041-A437-774B-A318-B655203B6D90}"/>
     <dgm:cxn modelId="{B308C8BD-5034-E74C-8CFA-FD678506FAEA}" srcId="{C8661A6B-810B-1E4B-B1CC-141DE757B849}" destId="{0D594C62-8F0E-D547-B5C4-5454A990423E}" srcOrd="3" destOrd="0" parTransId="{FE0DCDF9-B2F9-D24B-BA5F-F37FD6FA0851}" sibTransId="{C6B30F07-7703-C24B-B99C-F227B6A1DD06}"/>
+    <dgm:cxn modelId="{C48EE2E0-D7CA-EF46-88C1-F0D9323B00ED}" type="presOf" srcId="{FD5B6DB0-8903-9A41-987A-7619C3A6D6F4}" destId="{5C72DD71-135D-9842-880A-888477FED38E}" srcOrd="0" destOrd="0" presId="urn:microsoft.com/office/officeart/2005/8/layout/hList1"/>
+    <dgm:cxn modelId="{F03D22A0-61F8-9949-94DF-881B03906FB0}" srcId="{8EB3D4DA-D392-624C-ACBA-01FCEF0039D1}" destId="{DE1CDDE1-B268-7548-8985-61F74E9269E2}" srcOrd="2" destOrd="0" parTransId="{6D7F318D-F80C-6845-9578-A6979BF57975}" sibTransId="{1FC01AD1-4FC9-074B-B42A-F4B832EDFC4D}"/>
+    <dgm:cxn modelId="{2721F933-D91A-3B4C-829A-490E447893D9}" srcId="{0D594C62-8F0E-D547-B5C4-5454A990423E}" destId="{C90DA8F3-948E-5E47-8D95-D8BAF110C8B0}" srcOrd="1" destOrd="0" parTransId="{5D217272-209D-8A43-A914-E00481776B30}" sibTransId="{F0883202-FFD2-5142-9027-0DC0A2124AD6}"/>
+    <dgm:cxn modelId="{F5E0E600-20DE-2A40-8E81-8B907B1030A6}" type="presOf" srcId="{2D8CDDA4-D3AB-9E47-B00E-87DCAED83B87}" destId="{A85479BA-39C3-B44C-8F28-84A809FAA5A1}" srcOrd="0" destOrd="0" presId="urn:microsoft.com/office/officeart/2005/8/layout/hList1"/>
+    <dgm:cxn modelId="{15CE1192-BA53-964B-9F08-908393A01D2E}" type="presOf" srcId="{9660AFDC-9955-D145-AA07-BA322E204FF1}" destId="{A85479BA-39C3-B44C-8F28-84A809FAA5A1}" srcOrd="0" destOrd="2" presId="urn:microsoft.com/office/officeart/2005/8/layout/hList1"/>
+    <dgm:cxn modelId="{F6CFB626-0E56-0B44-8EF2-464372C4762C}" type="presOf" srcId="{9794766A-8C01-0E48-91EA-38B71167FB12}" destId="{617F9704-C5B9-1648-98CF-94F97120C572}" srcOrd="0" destOrd="0" presId="urn:microsoft.com/office/officeart/2005/8/layout/hList1"/>
+    <dgm:cxn modelId="{02474DEB-CE66-9F49-874C-9046605C29DB}" type="presOf" srcId="{9A9CBCCD-57D6-6049-97A4-2D69B1D04227}" destId="{617F9704-C5B9-1648-98CF-94F97120C572}" srcOrd="0" destOrd="2" presId="urn:microsoft.com/office/officeart/2005/8/layout/hList1"/>
+    <dgm:cxn modelId="{045B70CB-FAA3-5D4D-B883-45F63E7E3F92}" srcId="{0D594C62-8F0E-D547-B5C4-5454A990423E}" destId="{60F038A9-D549-3F47-9C60-952B3F373EAE}" srcOrd="4" destOrd="0" parTransId="{9334ABF3-FD4B-7441-9DAA-A87EBE87EC64}" sibTransId="{9615906F-4BE0-2C47-B238-AFB062BC6D7D}"/>
+    <dgm:cxn modelId="{E9BE94A7-DA39-C840-9B01-6DBE523708CD}" srcId="{8EB3D4DA-D392-624C-ACBA-01FCEF0039D1}" destId="{9B3E5AEA-B70D-D64C-8C1D-10A6FB51ABAC}" srcOrd="1" destOrd="0" parTransId="{1495C82C-8764-6441-89E2-F327E9C03D4B}" sibTransId="{1DA55D21-382C-1F4A-9B46-B7D18EC4F32F}"/>
+    <dgm:cxn modelId="{B24B6C27-1328-D64D-82C4-A8ADB45E9BF7}" srcId="{8EB3D4DA-D392-624C-ACBA-01FCEF0039D1}" destId="{8A555377-C05A-8846-93A1-D11E746AD7A5}" srcOrd="0" destOrd="0" parTransId="{FA71FF4A-0D05-9046-8223-41581AEB7A56}" sibTransId="{A42AF4A5-12B9-9A47-87A1-A1080AFEF41D}"/>
+    <dgm:cxn modelId="{F830BBB5-4B41-074F-85B1-93632C832A8E}" type="presOf" srcId="{9B3E5AEA-B70D-D64C-8C1D-10A6FB51ABAC}" destId="{20D095F7-62F7-7748-B677-217EAF898924}" srcOrd="0" destOrd="1" presId="urn:microsoft.com/office/officeart/2005/8/layout/hList1"/>
+    <dgm:cxn modelId="{4E85FED1-BB96-FD4E-951B-9804DE3F60AF}" srcId="{0D594C62-8F0E-D547-B5C4-5454A990423E}" destId="{9A9CBCCD-57D6-6049-97A4-2D69B1D04227}" srcOrd="2" destOrd="0" parTransId="{77709DF4-EF9D-1A4D-9774-B1816260482D}" sibTransId="{D7366BFB-E631-D74B-9BCC-B7D13F503B00}"/>
     <dgm:cxn modelId="{18DEE5BD-41A7-444F-BD52-DB2045FAD376}" type="presOf" srcId="{C90DA8F3-948E-5E47-8D95-D8BAF110C8B0}" destId="{617F9704-C5B9-1648-98CF-94F97120C572}" srcOrd="0" destOrd="1" presId="urn:microsoft.com/office/officeart/2005/8/layout/hList1"/>
-    <dgm:cxn modelId="{1E5F0CCA-8CF7-3145-9F8A-F2D6CF258F45}" type="presOf" srcId="{726FAEE0-0671-6A47-992E-19C958FAA5C0}" destId="{3D66253D-95FC-7548-B49C-8D3767F33B71}" srcOrd="0" destOrd="0" presId="urn:microsoft.com/office/officeart/2005/8/layout/hList1"/>
-    <dgm:cxn modelId="{045B70CB-FAA3-5D4D-B883-45F63E7E3F92}" srcId="{0D594C62-8F0E-D547-B5C4-5454A990423E}" destId="{60F038A9-D549-3F47-9C60-952B3F373EAE}" srcOrd="4" destOrd="0" parTransId="{9334ABF3-FD4B-7441-9DAA-A87EBE87EC64}" sibTransId="{9615906F-4BE0-2C47-B238-AFB062BC6D7D}"/>
-    <dgm:cxn modelId="{4FECE9CC-0BBD-4044-81FD-9FCF00643F32}" type="presOf" srcId="{960A4DE7-D040-C34C-BDE1-053507B5D5FA}" destId="{617F9704-C5B9-1648-98CF-94F97120C572}" srcOrd="0" destOrd="3" presId="urn:microsoft.com/office/officeart/2005/8/layout/hList1"/>
-    <dgm:cxn modelId="{4E85FED1-BB96-FD4E-951B-9804DE3F60AF}" srcId="{0D594C62-8F0E-D547-B5C4-5454A990423E}" destId="{9A9CBCCD-57D6-6049-97A4-2D69B1D04227}" srcOrd="2" destOrd="0" parTransId="{77709DF4-EF9D-1A4D-9774-B1816260482D}" sibTransId="{D7366BFB-E631-D74B-9BCC-B7D13F503B00}"/>
-    <dgm:cxn modelId="{C48EE2E0-D7CA-EF46-88C1-F0D9323B00ED}" type="presOf" srcId="{FD5B6DB0-8903-9A41-987A-7619C3A6D6F4}" destId="{5C72DD71-135D-9842-880A-888477FED38E}" srcOrd="0" destOrd="0" presId="urn:microsoft.com/office/officeart/2005/8/layout/hList1"/>
-    <dgm:cxn modelId="{5D8F6DEA-5CF5-6147-929E-1EC6EAF9490F}" type="presOf" srcId="{60F038A9-D549-3F47-9C60-952B3F373EAE}" destId="{617F9704-C5B9-1648-98CF-94F97120C572}" srcOrd="0" destOrd="4" presId="urn:microsoft.com/office/officeart/2005/8/layout/hList1"/>
-    <dgm:cxn modelId="{02474DEB-CE66-9F49-874C-9046605C29DB}" type="presOf" srcId="{9A9CBCCD-57D6-6049-97A4-2D69B1D04227}" destId="{617F9704-C5B9-1648-98CF-94F97120C572}" srcOrd="0" destOrd="2" presId="urn:microsoft.com/office/officeart/2005/8/layout/hList1"/>
+    <dgm:cxn modelId="{22F1BE8A-8087-D042-8942-508C1308CD06}" srcId="{2C0A458E-41E7-0749-B5F3-B87B657B2C46}" destId="{E2F99037-DD6C-444C-8200-8A7A20646B44}" srcOrd="1" destOrd="0" parTransId="{0E183783-E209-9F4F-A70E-F492EA7BD742}" sibTransId="{1BC8B3A4-FB01-764A-8BED-6E8EB8032305}"/>
+    <dgm:cxn modelId="{A0DBB09D-7EDD-1148-9333-DCE4C93BA9D7}" srcId="{0D594C62-8F0E-D547-B5C4-5454A990423E}" destId="{9794766A-8C01-0E48-91EA-38B71167FB12}" srcOrd="0" destOrd="0" parTransId="{D5ED0948-3692-0F48-8054-F38A33146C84}" sibTransId="{AD5BA8C9-50EC-8149-9EB8-8BC88A3B2CED}"/>
+    <dgm:cxn modelId="{D61FA604-1C4A-7340-94AD-0D0E57B936BC}" type="presOf" srcId="{DE1CDDE1-B268-7548-8985-61F74E9269E2}" destId="{20D095F7-62F7-7748-B677-217EAF898924}" srcOrd="0" destOrd="2" presId="urn:microsoft.com/office/officeart/2005/8/layout/hList1"/>
+    <dgm:cxn modelId="{481898B3-7418-894E-A791-4F84721C1A3C}" type="presOf" srcId="{2C0A458E-41E7-0749-B5F3-B87B657B2C46}" destId="{25F78C9F-B521-2441-8888-89EBACCB579C}" srcOrd="0" destOrd="0" presId="urn:microsoft.com/office/officeart/2005/8/layout/hList1"/>
+    <dgm:cxn modelId="{9C499E8F-780B-D84A-A972-D83685A19282}" type="presOf" srcId="{15AFFBE7-DAB1-FC45-9FC0-69BC8EFFD4BA}" destId="{DD81468D-FAD2-994B-B911-D934DCB70CA1}" srcOrd="0" destOrd="0" presId="urn:microsoft.com/office/officeart/2005/8/layout/hList1"/>
+    <dgm:cxn modelId="{EF28A899-EE90-804D-A835-5E18D8C75057}" srcId="{C8661A6B-810B-1E4B-B1CC-141DE757B849}" destId="{726FAEE0-0671-6A47-992E-19C958FAA5C0}" srcOrd="4" destOrd="0" parTransId="{2F18166A-B3FC-6142-9EE6-69B7FBBE776A}" sibTransId="{5E8048C6-AB64-C744-BC71-8297C7F11082}"/>
+    <dgm:cxn modelId="{2759DD43-1160-1044-A393-4DA743613C0C}" type="presOf" srcId="{8A555377-C05A-8846-93A1-D11E746AD7A5}" destId="{20D095F7-62F7-7748-B677-217EAF898924}" srcOrd="0" destOrd="0" presId="urn:microsoft.com/office/officeart/2005/8/layout/hList1"/>
+    <dgm:cxn modelId="{CB125556-6806-D04F-B199-FDC2D0D9AE6D}" srcId="{3DC5BF48-BA14-E94E-BE3F-8FB1C3CF1B90}" destId="{15AFFBE7-DAB1-FC45-9FC0-69BC8EFFD4BA}" srcOrd="0" destOrd="0" parTransId="{8BD24FEB-079D-DD4D-9ED0-A15F63FF9A47}" sibTransId="{133DDD6A-9990-B948-8B47-3948C694B1CD}"/>
+    <dgm:cxn modelId="{D838BC4F-8976-BD43-9465-5620F7EAB015}" type="presOf" srcId="{C8661A6B-810B-1E4B-B1CC-141DE757B849}" destId="{DCBBD6ED-E7E2-E641-94EA-3B38CC6CF4A5}" srcOrd="0" destOrd="0" presId="urn:microsoft.com/office/officeart/2005/8/layout/hList1"/>
+    <dgm:cxn modelId="{7604DC7D-D5E0-9C4D-8786-9C0215029E69}" srcId="{C8661A6B-810B-1E4B-B1CC-141DE757B849}" destId="{2C0A458E-41E7-0749-B5F3-B87B657B2C46}" srcOrd="0" destOrd="0" parTransId="{85DFE8F1-77A0-D149-A78B-A94463996F28}" sibTransId="{B575B920-FFFA-344C-81D6-148E999212A2}"/>
+    <dgm:cxn modelId="{9DCBD597-D7C6-BB40-BBA9-AAA3815FF3ED}" srcId="{0D594C62-8F0E-D547-B5C4-5454A990423E}" destId="{960A4DE7-D040-C34C-BDE1-053507B5D5FA}" srcOrd="3" destOrd="0" parTransId="{E0587E6D-63CC-8243-A87A-C082692CF03E}" sibTransId="{D44503DF-7CCD-BB4A-9CB0-CA3BBA4B79F3}"/>
+    <dgm:cxn modelId="{ECAF81A3-ACA0-3649-9D30-242B00837DB5}" type="presOf" srcId="{8EB3D4DA-D392-624C-ACBA-01FCEF0039D1}" destId="{ADACA0E1-9830-504A-819D-FA1ACF8A190B}" srcOrd="0" destOrd="0" presId="urn:microsoft.com/office/officeart/2005/8/layout/hList1"/>
+    <dgm:cxn modelId="{05A24B7B-0A7A-D941-8899-E41721BD8E08}" type="presOf" srcId="{E2F99037-DD6C-444C-8200-8A7A20646B44}" destId="{A85479BA-39C3-B44C-8F28-84A809FAA5A1}" srcOrd="0" destOrd="1" presId="urn:microsoft.com/office/officeart/2005/8/layout/hList1"/>
     <dgm:cxn modelId="{4D162DBB-9E40-B14B-9096-C651217A8161}" type="presParOf" srcId="{DCBBD6ED-E7E2-E641-94EA-3B38CC6CF4A5}" destId="{9F03E44B-F21C-A74E-8366-EA8D85CC04EA}" srcOrd="0" destOrd="0" presId="urn:microsoft.com/office/officeart/2005/8/layout/hList1"/>
     <dgm:cxn modelId="{88B32E11-C6D5-1B4E-B1B1-C841B86D33DC}" type="presParOf" srcId="{9F03E44B-F21C-A74E-8366-EA8D85CC04EA}" destId="{25F78C9F-B521-2441-8888-89EBACCB579C}" srcOrd="0" destOrd="0" presId="urn:microsoft.com/office/officeart/2005/8/layout/hList1"/>
     <dgm:cxn modelId="{2B6C4102-AD3B-714C-8D58-F8BC3669FE0A}" type="presParOf" srcId="{9F03E44B-F21C-A74E-8366-EA8D85CC04EA}" destId="{A85479BA-39C3-B44C-8F28-84A809FAA5A1}" srcOrd="1" destOrd="0" presId="urn:microsoft.com/office/officeart/2005/8/layout/hList1"/>
@@ -3541,7 +3697,7 @@
         </a:bodyPr>
         <a:lstStyle/>
         <a:p>
-          <a:pPr marL="0" lvl="0" indent="0" algn="ctr" defTabSz="800100">
+          <a:pPr lvl="0" algn="ctr" defTabSz="800100">
             <a:lnSpc>
               <a:spcPct val="90000"/>
             </a:lnSpc>
@@ -3551,7 +3707,6 @@
             <a:spcAft>
               <a:spcPct val="35000"/>
             </a:spcAft>
-            <a:buNone/>
           </a:pPr>
           <a:r>
             <a:rPr lang="pt-BR" sz="1800" kern="1200" noProof="0" dirty="0">
@@ -3633,7 +3788,7 @@
             <a:spcAft>
               <a:spcPct val="15000"/>
             </a:spcAft>
-            <a:buChar char="•"/>
+            <a:buChar char="••"/>
           </a:pPr>
           <a:r>
             <a:rPr lang="pt-BR" sz="1800" kern="1200" noProof="0" dirty="0" err="1">
@@ -3659,7 +3814,7 @@
             <a:spcAft>
               <a:spcPct val="15000"/>
             </a:spcAft>
-            <a:buChar char="•"/>
+            <a:buChar char="••"/>
           </a:pPr>
           <a:r>
             <a:rPr lang="pt-BR" sz="1800" kern="1200" noProof="0" dirty="0" err="1">
@@ -3697,7 +3852,7 @@
             <a:spcAft>
               <a:spcPct val="15000"/>
             </a:spcAft>
-            <a:buChar char="•"/>
+            <a:buChar char="••"/>
           </a:pPr>
           <a:r>
             <a:rPr lang="pt-BR" sz="1800" kern="1200" noProof="0" dirty="0">
@@ -3767,7 +3922,7 @@
         </a:bodyPr>
         <a:lstStyle/>
         <a:p>
-          <a:pPr marL="0" lvl="0" indent="0" algn="ctr" defTabSz="755650">
+          <a:pPr lvl="0" algn="ctr" defTabSz="755650">
             <a:lnSpc>
               <a:spcPct val="90000"/>
             </a:lnSpc>
@@ -3777,7 +3932,6 @@
             <a:spcAft>
               <a:spcPct val="35000"/>
             </a:spcAft>
-            <a:buNone/>
           </a:pPr>
           <a:r>
             <a:rPr lang="pt-BR" sz="1700" kern="1200" noProof="0" dirty="0">
@@ -3859,7 +4013,7 @@
             <a:spcAft>
               <a:spcPct val="15000"/>
             </a:spcAft>
-            <a:buChar char="•"/>
+            <a:buChar char="••"/>
           </a:pPr>
           <a:r>
             <a:rPr lang="pt-BR" sz="1800" kern="1200" noProof="0" dirty="0">
@@ -3879,7 +4033,7 @@
             <a:spcAft>
               <a:spcPct val="15000"/>
             </a:spcAft>
-            <a:buChar char="•"/>
+            <a:buChar char="••"/>
           </a:pPr>
           <a:r>
             <a:rPr lang="pt-BR" sz="1800" kern="1200" noProof="0" dirty="0">
@@ -3899,7 +4053,7 @@
             <a:spcAft>
               <a:spcPct val="15000"/>
             </a:spcAft>
-            <a:buChar char="•"/>
+            <a:buChar char="••"/>
           </a:pPr>
           <a:r>
             <a:rPr lang="pt-BR" sz="1800" b="0" i="0" kern="1200" noProof="0" dirty="0">
@@ -3972,7 +4126,7 @@
         </a:bodyPr>
         <a:lstStyle/>
         <a:p>
-          <a:pPr marL="0" lvl="0" indent="0" algn="ctr" defTabSz="755650">
+          <a:pPr lvl="0" algn="ctr" defTabSz="755650">
             <a:lnSpc>
               <a:spcPct val="90000"/>
             </a:lnSpc>
@@ -3982,7 +4136,6 @@
             <a:spcAft>
               <a:spcPct val="35000"/>
             </a:spcAft>
-            <a:buNone/>
           </a:pPr>
           <a:r>
             <a:rPr lang="pt-BR" sz="1700" kern="1200" noProof="0" dirty="0">
@@ -4076,7 +4229,7 @@
             <a:spcAft>
               <a:spcPct val="15000"/>
             </a:spcAft>
-            <a:buChar char="•"/>
+            <a:buChar char="••"/>
           </a:pPr>
           <a:r>
             <a:rPr lang="pt-BR" sz="1800" kern="1200" noProof="0" dirty="0">
@@ -4096,7 +4249,7 @@
             <a:spcAft>
               <a:spcPct val="15000"/>
             </a:spcAft>
-            <a:buChar char="•"/>
+            <a:buChar char="••"/>
           </a:pPr>
           <a:r>
             <a:rPr lang="pt-BR" sz="1800" kern="1200" noProof="0" dirty="0">
@@ -4166,7 +4319,7 @@
         </a:bodyPr>
         <a:lstStyle/>
         <a:p>
-          <a:pPr marL="0" lvl="0" indent="0" algn="ctr" defTabSz="800100">
+          <a:pPr lvl="0" algn="ctr" defTabSz="800100">
             <a:lnSpc>
               <a:spcPct val="90000"/>
             </a:lnSpc>
@@ -4176,7 +4329,6 @@
             <a:spcAft>
               <a:spcPct val="35000"/>
             </a:spcAft>
-            <a:buNone/>
           </a:pPr>
           <a:r>
             <a:rPr lang="pt-BR" sz="1800" kern="1200" noProof="0" dirty="0">
@@ -4258,7 +4410,7 @@
             <a:spcAft>
               <a:spcPct val="15000"/>
             </a:spcAft>
-            <a:buChar char="•"/>
+            <a:buChar char="••"/>
           </a:pPr>
           <a:r>
             <a:rPr lang="pt-BR" sz="1800" kern="1200" noProof="0" dirty="0">
@@ -4340,7 +4492,7 @@
         </a:bodyPr>
         <a:lstStyle/>
         <a:p>
-          <a:pPr marL="0" lvl="0" indent="0" algn="ctr" defTabSz="800100">
+          <a:pPr lvl="0" algn="ctr" defTabSz="800100">
             <a:lnSpc>
               <a:spcPct val="90000"/>
             </a:lnSpc>
@@ -4350,7 +4502,6 @@
             <a:spcAft>
               <a:spcPct val="35000"/>
             </a:spcAft>
-            <a:buNone/>
           </a:pPr>
           <a:r>
             <a:rPr lang="pt-BR" sz="1800" kern="1200" noProof="0" dirty="0">
@@ -4432,7 +4583,7 @@
             <a:spcAft>
               <a:spcPct val="15000"/>
             </a:spcAft>
-            <a:buChar char="•"/>
+            <a:buChar char="••"/>
           </a:pPr>
           <a:r>
             <a:rPr lang="pt-BR" sz="1800" kern="1200" noProof="0" dirty="0">
@@ -4514,7 +4665,7 @@
         </a:bodyPr>
         <a:lstStyle/>
         <a:p>
-          <a:pPr marL="0" lvl="0" indent="0" algn="ctr" defTabSz="800100">
+          <a:pPr lvl="0" algn="ctr" defTabSz="800100">
             <a:lnSpc>
               <a:spcPct val="90000"/>
             </a:lnSpc>
@@ -4524,7 +4675,6 @@
             <a:spcAft>
               <a:spcPct val="35000"/>
             </a:spcAft>
-            <a:buNone/>
           </a:pPr>
           <a:r>
             <a:rPr lang="pt-BR" sz="1800" kern="1200" noProof="0" dirty="0">
@@ -4606,7 +4756,7 @@
             <a:spcAft>
               <a:spcPct val="15000"/>
             </a:spcAft>
-            <a:buChar char="•"/>
+            <a:buChar char="••"/>
           </a:pPr>
           <a:r>
             <a:rPr lang="pt-BR" sz="1800" kern="1200" noProof="0" dirty="0">
@@ -4638,7 +4788,7 @@
             <a:spcAft>
               <a:spcPct val="15000"/>
             </a:spcAft>
-            <a:buChar char="•"/>
+            <a:buChar char="••"/>
           </a:pPr>
           <a:r>
             <a:rPr lang="pt-BR" sz="1800" b="0" i="0" kern="1200" noProof="0" dirty="0">
@@ -4685,7 +4835,7 @@
             <a:spcAft>
               <a:spcPct val="15000"/>
             </a:spcAft>
-            <a:buChar char="•"/>
+            <a:buChar char="••"/>
           </a:pPr>
           <a:r>
             <a:rPr lang="pt-BR" sz="1800" b="0" i="0" kern="1200" noProof="0" dirty="0">
@@ -4758,7 +4908,7 @@
         </a:bodyPr>
         <a:lstStyle/>
         <a:p>
-          <a:pPr marL="0" lvl="0" indent="0" algn="ctr" defTabSz="800100">
+          <a:pPr lvl="0" algn="ctr" defTabSz="800100">
             <a:lnSpc>
               <a:spcPct val="90000"/>
             </a:lnSpc>
@@ -4768,7 +4918,6 @@
             <a:spcAft>
               <a:spcPct val="35000"/>
             </a:spcAft>
-            <a:buNone/>
           </a:pPr>
           <a:r>
             <a:rPr lang="pt-BR" sz="1800" kern="1200" noProof="0" dirty="0">
@@ -4850,7 +4999,7 @@
             <a:spcAft>
               <a:spcPct val="15000"/>
             </a:spcAft>
-            <a:buChar char="•"/>
+            <a:buChar char="••"/>
           </a:pPr>
           <a:r>
             <a:rPr lang="pt-BR" sz="1800" kern="1200" noProof="0" dirty="0">
@@ -4894,7 +5043,7 @@
             <a:spcAft>
               <a:spcPct val="15000"/>
             </a:spcAft>
-            <a:buChar char="•"/>
+            <a:buChar char="••"/>
           </a:pPr>
           <a:r>
             <a:rPr lang="pt-BR" sz="1800" kern="1200" noProof="0" dirty="0">
@@ -4976,7 +5125,7 @@
         </a:bodyPr>
         <a:lstStyle/>
         <a:p>
-          <a:pPr marL="0" lvl="0" indent="0" algn="ctr" defTabSz="800100">
+          <a:pPr lvl="0" algn="ctr" defTabSz="800100">
             <a:lnSpc>
               <a:spcPct val="90000"/>
             </a:lnSpc>
@@ -4986,7 +5135,6 @@
             <a:spcAft>
               <a:spcPct val="35000"/>
             </a:spcAft>
-            <a:buNone/>
           </a:pPr>
           <a:r>
             <a:rPr lang="pt-BR" sz="1800" kern="1200" noProof="0" dirty="0">
@@ -5080,7 +5228,7 @@
             <a:spcAft>
               <a:spcPct val="15000"/>
             </a:spcAft>
-            <a:buChar char="•"/>
+            <a:buChar char="••"/>
           </a:pPr>
           <a:r>
             <a:rPr lang="pt-BR" sz="1800" kern="1200" noProof="0" dirty="0">
@@ -5100,7 +5248,7 @@
             <a:spcAft>
               <a:spcPct val="15000"/>
             </a:spcAft>
-            <a:buChar char="•"/>
+            <a:buChar char="••"/>
           </a:pPr>
           <a:r>
             <a:rPr lang="pt-BR" sz="1800" kern="1200" noProof="0" dirty="0">
@@ -5120,7 +5268,7 @@
             <a:spcAft>
               <a:spcPct val="15000"/>
             </a:spcAft>
-            <a:buChar char="•"/>
+            <a:buChar char="••"/>
           </a:pPr>
           <a:r>
             <a:rPr lang="pt-BR" sz="1800" kern="1200" noProof="0" dirty="0">
@@ -5190,7 +5338,7 @@
         </a:bodyPr>
         <a:lstStyle/>
         <a:p>
-          <a:pPr marL="0" lvl="0" indent="0" algn="ctr" defTabSz="800100">
+          <a:pPr lvl="0" algn="ctr" defTabSz="800100">
             <a:lnSpc>
               <a:spcPct val="90000"/>
             </a:lnSpc>
@@ -5200,7 +5348,6 @@
             <a:spcAft>
               <a:spcPct val="35000"/>
             </a:spcAft>
-            <a:buNone/>
           </a:pPr>
           <a:r>
             <a:rPr lang="pt-BR" sz="1800" kern="1200" noProof="0" dirty="0">
@@ -5282,7 +5429,7 @@
             <a:spcAft>
               <a:spcPct val="15000"/>
             </a:spcAft>
-            <a:buChar char="•"/>
+            <a:buChar char="••"/>
           </a:pPr>
           <a:r>
             <a:rPr lang="pt-BR" sz="1800" b="0" i="0" kern="1200" noProof="0" dirty="0">
@@ -5308,7 +5455,7 @@
             <a:spcAft>
               <a:spcPct val="15000"/>
             </a:spcAft>
-            <a:buChar char="•"/>
+            <a:buChar char="••"/>
           </a:pPr>
           <a:endParaRPr lang="pt-BR" sz="1800" kern="1200" noProof="0" dirty="0">
             <a:latin typeface="+mj-lt"/>
@@ -5325,7 +5472,7 @@
             <a:spcAft>
               <a:spcPct val="15000"/>
             </a:spcAft>
-            <a:buChar char="•"/>
+            <a:buChar char="••"/>
           </a:pPr>
           <a:endParaRPr lang="pt-BR" sz="1800" b="0" i="0" kern="1200" noProof="0" dirty="0">
             <a:latin typeface="+mj-lt"/>
@@ -5342,7 +5489,7 @@
             <a:spcAft>
               <a:spcPct val="15000"/>
             </a:spcAft>
-            <a:buChar char="•"/>
+            <a:buChar char="••"/>
           </a:pPr>
           <a:endParaRPr lang="pt-BR" sz="1800" kern="1200" noProof="0" dirty="0">
             <a:latin typeface="+mj-lt"/>
@@ -5359,7 +5506,7 @@
             <a:spcAft>
               <a:spcPct val="15000"/>
             </a:spcAft>
-            <a:buChar char="•"/>
+            <a:buChar char="••"/>
           </a:pPr>
           <a:endParaRPr lang="pt-BR" sz="1800" kern="1200" noProof="0" dirty="0">
             <a:latin typeface="+mj-lt"/>
@@ -5426,7 +5573,7 @@
         </a:bodyPr>
         <a:lstStyle/>
         <a:p>
-          <a:pPr marL="0" lvl="0" indent="0" algn="ctr" defTabSz="800100">
+          <a:pPr lvl="0" algn="ctr" defTabSz="800100">
             <a:lnSpc>
               <a:spcPct val="90000"/>
             </a:lnSpc>
@@ -5436,7 +5583,6 @@
             <a:spcAft>
               <a:spcPct val="35000"/>
             </a:spcAft>
-            <a:buNone/>
           </a:pPr>
           <a:r>
             <a:rPr lang="pt-BR" sz="1800" kern="1200" noProof="0" dirty="0">
@@ -5518,7 +5664,7 @@
             <a:spcAft>
               <a:spcPct val="15000"/>
             </a:spcAft>
-            <a:buChar char="•"/>
+            <a:buChar char="••"/>
           </a:pPr>
           <a:r>
             <a:rPr lang="pt-BR" sz="1800" kern="1200" noProof="0" dirty="0">
@@ -8121,7 +8267,7 @@
           <a:p>
             <a:fld id="{5AFA61FE-4757-8249-859C-CA645ADF0426}" type="datetimeFigureOut">
               <a:rPr lang="pt-BR" smtClean="0"/>
-              <a:t>03/11/2024</a:t>
+              <a:t>04/11/2024</a:t>
             </a:fld>
             <a:endParaRPr lang="pt-BR"/>
           </a:p>
@@ -8280,7 +8426,7 @@
           <a:p>
             <a:fld id="{D20E458C-D4B3-CA4F-89B0-835E8555A89E}" type="slidenum">
               <a:rPr lang="pt-BR" smtClean="0"/>
-              <a:t>‹#›</a:t>
+              <a:t>‹N°›</a:t>
             </a:fld>
             <a:endParaRPr lang="pt-BR"/>
           </a:p>
@@ -8454,7 +8600,7 @@
           <a:p>
             <a:fld id="{D20E458C-D4B3-CA4F-89B0-835E8555A89E}" type="slidenum">
               <a:rPr lang="pt-BR" smtClean="0"/>
-              <a:t>6</a:t>
+              <a:t>7</a:t>
             </a:fld>
             <a:endParaRPr lang="pt-BR"/>
           </a:p>
@@ -8622,7 +8768,7 @@
           <a:p>
             <a:fld id="{DEF62065-7324-6243-AE8C-BB5572CA16CD}" type="datetimeFigureOut">
               <a:rPr lang="pt-BR" smtClean="0"/>
-              <a:t>03/11/2024</a:t>
+              <a:t>04/11/2024</a:t>
             </a:fld>
             <a:endParaRPr lang="pt-BR"/>
           </a:p>
@@ -8676,7 +8822,7 @@
           <a:p>
             <a:fld id="{F825DAD3-D6D1-9F42-BB95-4436DB5AEA18}" type="slidenum">
               <a:rPr lang="pt-BR" smtClean="0"/>
-              <a:t>‹#›</a:t>
+              <a:t>‹N°›</a:t>
             </a:fld>
             <a:endParaRPr lang="pt-BR"/>
           </a:p>
@@ -8822,7 +8968,7 @@
           <a:p>
             <a:fld id="{DEF62065-7324-6243-AE8C-BB5572CA16CD}" type="datetimeFigureOut">
               <a:rPr lang="pt-BR" smtClean="0"/>
-              <a:t>03/11/2024</a:t>
+              <a:t>04/11/2024</a:t>
             </a:fld>
             <a:endParaRPr lang="pt-BR"/>
           </a:p>
@@ -8876,7 +9022,7 @@
           <a:p>
             <a:fld id="{F825DAD3-D6D1-9F42-BB95-4436DB5AEA18}" type="slidenum">
               <a:rPr lang="pt-BR" smtClean="0"/>
-              <a:t>‹#›</a:t>
+              <a:t>‹N°›</a:t>
             </a:fld>
             <a:endParaRPr lang="pt-BR"/>
           </a:p>
@@ -9032,7 +9178,7 @@
           <a:p>
             <a:fld id="{DEF62065-7324-6243-AE8C-BB5572CA16CD}" type="datetimeFigureOut">
               <a:rPr lang="pt-BR" smtClean="0"/>
-              <a:t>03/11/2024</a:t>
+              <a:t>04/11/2024</a:t>
             </a:fld>
             <a:endParaRPr lang="pt-BR"/>
           </a:p>
@@ -9086,7 +9232,7 @@
           <a:p>
             <a:fld id="{F825DAD3-D6D1-9F42-BB95-4436DB5AEA18}" type="slidenum">
               <a:rPr lang="pt-BR" smtClean="0"/>
-              <a:t>‹#›</a:t>
+              <a:t>‹N°›</a:t>
             </a:fld>
             <a:endParaRPr lang="pt-BR"/>
           </a:p>
@@ -9232,7 +9378,7 @@
           <a:p>
             <a:fld id="{DEF62065-7324-6243-AE8C-BB5572CA16CD}" type="datetimeFigureOut">
               <a:rPr lang="pt-BR" smtClean="0"/>
-              <a:t>03/11/2024</a:t>
+              <a:t>04/11/2024</a:t>
             </a:fld>
             <a:endParaRPr lang="pt-BR"/>
           </a:p>
@@ -9286,7 +9432,7 @@
           <a:p>
             <a:fld id="{F825DAD3-D6D1-9F42-BB95-4436DB5AEA18}" type="slidenum">
               <a:rPr lang="pt-BR" smtClean="0"/>
-              <a:t>‹#›</a:t>
+              <a:t>‹N°›</a:t>
             </a:fld>
             <a:endParaRPr lang="pt-BR"/>
           </a:p>
@@ -9508,7 +9654,7 @@
           <a:p>
             <a:fld id="{DEF62065-7324-6243-AE8C-BB5572CA16CD}" type="datetimeFigureOut">
               <a:rPr lang="pt-BR" smtClean="0"/>
-              <a:t>03/11/2024</a:t>
+              <a:t>04/11/2024</a:t>
             </a:fld>
             <a:endParaRPr lang="pt-BR"/>
           </a:p>
@@ -9562,7 +9708,7 @@
           <a:p>
             <a:fld id="{F825DAD3-D6D1-9F42-BB95-4436DB5AEA18}" type="slidenum">
               <a:rPr lang="pt-BR" smtClean="0"/>
-              <a:t>‹#›</a:t>
+              <a:t>‹N°›</a:t>
             </a:fld>
             <a:endParaRPr lang="pt-BR"/>
           </a:p>
@@ -9776,7 +9922,7 @@
           <a:p>
             <a:fld id="{DEF62065-7324-6243-AE8C-BB5572CA16CD}" type="datetimeFigureOut">
               <a:rPr lang="pt-BR" smtClean="0"/>
-              <a:t>03/11/2024</a:t>
+              <a:t>04/11/2024</a:t>
             </a:fld>
             <a:endParaRPr lang="pt-BR"/>
           </a:p>
@@ -9830,7 +9976,7 @@
           <a:p>
             <a:fld id="{F825DAD3-D6D1-9F42-BB95-4436DB5AEA18}" type="slidenum">
               <a:rPr lang="pt-BR" smtClean="0"/>
-              <a:t>‹#›</a:t>
+              <a:t>‹N°›</a:t>
             </a:fld>
             <a:endParaRPr lang="pt-BR"/>
           </a:p>
@@ -10191,7 +10337,7 @@
           <a:p>
             <a:fld id="{DEF62065-7324-6243-AE8C-BB5572CA16CD}" type="datetimeFigureOut">
               <a:rPr lang="pt-BR" smtClean="0"/>
-              <a:t>03/11/2024</a:t>
+              <a:t>04/11/2024</a:t>
             </a:fld>
             <a:endParaRPr lang="pt-BR"/>
           </a:p>
@@ -10245,7 +10391,7 @@
           <a:p>
             <a:fld id="{F825DAD3-D6D1-9F42-BB95-4436DB5AEA18}" type="slidenum">
               <a:rPr lang="pt-BR" smtClean="0"/>
-              <a:t>‹#›</a:t>
+              <a:t>‹N°›</a:t>
             </a:fld>
             <a:endParaRPr lang="pt-BR"/>
           </a:p>
@@ -10333,7 +10479,7 @@
           <a:p>
             <a:fld id="{DEF62065-7324-6243-AE8C-BB5572CA16CD}" type="datetimeFigureOut">
               <a:rPr lang="pt-BR" smtClean="0"/>
-              <a:t>03/11/2024</a:t>
+              <a:t>04/11/2024</a:t>
             </a:fld>
             <a:endParaRPr lang="pt-BR"/>
           </a:p>
@@ -10387,7 +10533,7 @@
           <a:p>
             <a:fld id="{F825DAD3-D6D1-9F42-BB95-4436DB5AEA18}" type="slidenum">
               <a:rPr lang="pt-BR" smtClean="0"/>
-              <a:t>‹#›</a:t>
+              <a:t>‹N°›</a:t>
             </a:fld>
             <a:endParaRPr lang="pt-BR"/>
           </a:p>
@@ -10446,7 +10592,7 @@
           <a:p>
             <a:fld id="{DEF62065-7324-6243-AE8C-BB5572CA16CD}" type="datetimeFigureOut">
               <a:rPr lang="pt-BR" smtClean="0"/>
-              <a:t>03/11/2024</a:t>
+              <a:t>04/11/2024</a:t>
             </a:fld>
             <a:endParaRPr lang="pt-BR"/>
           </a:p>
@@ -10500,7 +10646,7 @@
           <a:p>
             <a:fld id="{F825DAD3-D6D1-9F42-BB95-4436DB5AEA18}" type="slidenum">
               <a:rPr lang="pt-BR" smtClean="0"/>
-              <a:t>‹#›</a:t>
+              <a:t>‹N°›</a:t>
             </a:fld>
             <a:endParaRPr lang="pt-BR"/>
           </a:p>
@@ -10759,7 +10905,7 @@
           <a:p>
             <a:fld id="{DEF62065-7324-6243-AE8C-BB5572CA16CD}" type="datetimeFigureOut">
               <a:rPr lang="pt-BR" smtClean="0"/>
-              <a:t>03/11/2024</a:t>
+              <a:t>04/11/2024</a:t>
             </a:fld>
             <a:endParaRPr lang="pt-BR"/>
           </a:p>
@@ -10813,7 +10959,7 @@
           <a:p>
             <a:fld id="{F825DAD3-D6D1-9F42-BB95-4436DB5AEA18}" type="slidenum">
               <a:rPr lang="pt-BR" smtClean="0"/>
-              <a:t>‹#›</a:t>
+              <a:t>‹N°›</a:t>
             </a:fld>
             <a:endParaRPr lang="pt-BR"/>
           </a:p>
@@ -11048,7 +11194,7 @@
           <a:p>
             <a:fld id="{DEF62065-7324-6243-AE8C-BB5572CA16CD}" type="datetimeFigureOut">
               <a:rPr lang="pt-BR" smtClean="0"/>
-              <a:t>03/11/2024</a:t>
+              <a:t>04/11/2024</a:t>
             </a:fld>
             <a:endParaRPr lang="pt-BR"/>
           </a:p>
@@ -11102,7 +11248,7 @@
           <a:p>
             <a:fld id="{F825DAD3-D6D1-9F42-BB95-4436DB5AEA18}" type="slidenum">
               <a:rPr lang="pt-BR" smtClean="0"/>
-              <a:t>‹#›</a:t>
+              <a:t>‹N°›</a:t>
             </a:fld>
             <a:endParaRPr lang="pt-BR"/>
           </a:p>
@@ -11291,7 +11437,7 @@
           <a:p>
             <a:fld id="{DEF62065-7324-6243-AE8C-BB5572CA16CD}" type="datetimeFigureOut">
               <a:rPr lang="pt-BR" smtClean="0"/>
-              <a:t>03/11/2024</a:t>
+              <a:t>04/11/2024</a:t>
             </a:fld>
             <a:endParaRPr lang="pt-BR"/>
           </a:p>
@@ -11381,7 +11527,7 @@
           <a:p>
             <a:fld id="{F825DAD3-D6D1-9F42-BB95-4436DB5AEA18}" type="slidenum">
               <a:rPr lang="pt-BR" smtClean="0"/>
-              <a:t>‹#›</a:t>
+              <a:t>‹N°›</a:t>
             </a:fld>
             <a:endParaRPr lang="pt-BR"/>
           </a:p>
@@ -12029,1295 +12175,7 @@
 </p:sld>
 </file>
 
-<file path=ppt/slides/slide2.xml><?xml version="1.0" encoding="utf-8"?>
-<p:sld xmlns:a="http://schemas.openxmlformats.org/drawingml/2006/main" xmlns:r="http://schemas.openxmlformats.org/officeDocument/2006/relationships" xmlns:p="http://schemas.openxmlformats.org/presentationml/2006/main">
-  <p:cSld>
-    <p:spTree>
-      <p:nvGrpSpPr>
-        <p:cNvPr id="1" name=""/>
-        <p:cNvGrpSpPr/>
-        <p:nvPr/>
-      </p:nvGrpSpPr>
-      <p:grpSpPr>
-        <a:xfrm>
-          <a:off x="0" y="0"/>
-          <a:ext cx="0" cy="0"/>
-          <a:chOff x="0" y="0"/>
-          <a:chExt cx="0" cy="0"/>
-        </a:xfrm>
-      </p:grpSpPr>
-      <p:sp>
-        <p:nvSpPr>
-          <p:cNvPr id="2" name="Title 1">
-            <a:extLst>
-              <a:ext uri="{FF2B5EF4-FFF2-40B4-BE49-F238E27FC236}">
-                <a16:creationId xmlns:a16="http://schemas.microsoft.com/office/drawing/2014/main" id="{A8587219-FA29-5D69-7192-5E217F3FA012}"/>
-              </a:ext>
-            </a:extLst>
-          </p:cNvPr>
-          <p:cNvSpPr>
-            <a:spLocks noGrp="1"/>
-          </p:cNvSpPr>
-          <p:nvPr>
-            <p:ph type="title"/>
-          </p:nvPr>
-        </p:nvSpPr>
-        <p:spPr/>
-        <p:txBody>
-          <a:bodyPr/>
-          <a:lstStyle/>
-          <a:p>
-            <a:r>
-              <a:rPr lang="pt-BR" dirty="0"/>
-              <a:t>Introduções</a:t>
-            </a:r>
-          </a:p>
-        </p:txBody>
-      </p:sp>
-      <p:sp>
-        <p:nvSpPr>
-          <p:cNvPr id="3" name="Content Placeholder 2">
-            <a:extLst>
-              <a:ext uri="{FF2B5EF4-FFF2-40B4-BE49-F238E27FC236}">
-                <a16:creationId xmlns:a16="http://schemas.microsoft.com/office/drawing/2014/main" id="{5DE86898-D3B6-8659-51F5-8DA573572514}"/>
-              </a:ext>
-            </a:extLst>
-          </p:cNvPr>
-          <p:cNvSpPr>
-            <a:spLocks noGrp="1"/>
-          </p:cNvSpPr>
-          <p:nvPr>
-            <p:ph sz="half" idx="1"/>
-          </p:nvPr>
-        </p:nvSpPr>
-        <p:spPr>
-          <a:xfrm>
-            <a:off x="838200" y="1592712"/>
-            <a:ext cx="5181600" cy="4351338"/>
-          </a:xfrm>
-        </p:spPr>
-        <p:txBody>
-          <a:bodyPr/>
-          <a:lstStyle/>
-          <a:p>
-            <a:r>
-              <a:rPr lang="pt-BR" dirty="0">
-                <a:latin typeface="+mj-lt"/>
-              </a:rPr>
-              <a:t>Brunno Oliveira</a:t>
-            </a:r>
-          </a:p>
-          <a:p>
-            <a:pPr lvl="1"/>
-            <a:r>
-              <a:rPr lang="pt-BR" dirty="0">
-                <a:latin typeface="+mj-lt"/>
-              </a:rPr>
-              <a:t>Ecólogo</a:t>
-            </a:r>
-          </a:p>
-          <a:p>
-            <a:pPr lvl="1"/>
-            <a:r>
-              <a:rPr lang="pt-BR" dirty="0">
-                <a:latin typeface="+mj-lt"/>
-              </a:rPr>
-              <a:t>PosDoc. Centro de Sínteses e Analáses em Biodiversidade, França (CESAB)</a:t>
-            </a:r>
-          </a:p>
-          <a:p>
-            <a:pPr lvl="1"/>
-            <a:r>
-              <a:rPr lang="pt-BR" dirty="0">
-                <a:latin typeface="+mj-lt"/>
-              </a:rPr>
-              <a:t>Macroecologia, Macroevolução, e mudanças climáticas e ecológicas</a:t>
-            </a:r>
-          </a:p>
-          <a:p>
-            <a:endParaRPr lang="pt-BR" dirty="0">
-              <a:latin typeface="+mj-lt"/>
-            </a:endParaRPr>
-          </a:p>
-          <a:p>
-            <a:pPr marL="457200" lvl="1" indent="0">
-              <a:buNone/>
-            </a:pPr>
-            <a:endParaRPr lang="pt-BR" dirty="0">
-              <a:latin typeface="+mj-lt"/>
-            </a:endParaRPr>
-          </a:p>
-        </p:txBody>
-      </p:sp>
-      <p:sp>
-        <p:nvSpPr>
-          <p:cNvPr id="5" name="Content Placeholder 4">
-            <a:extLst>
-              <a:ext uri="{FF2B5EF4-FFF2-40B4-BE49-F238E27FC236}">
-                <a16:creationId xmlns:a16="http://schemas.microsoft.com/office/drawing/2014/main" id="{59D0C990-66C7-2293-6DD8-375321E06B0C}"/>
-              </a:ext>
-            </a:extLst>
-          </p:cNvPr>
-          <p:cNvSpPr>
-            <a:spLocks noGrp="1"/>
-          </p:cNvSpPr>
-          <p:nvPr>
-            <p:ph sz="half" idx="2"/>
-          </p:nvPr>
-        </p:nvSpPr>
-        <p:spPr>
-          <a:xfrm>
-            <a:off x="6172200" y="1592712"/>
-            <a:ext cx="5181600" cy="4351338"/>
-          </a:xfrm>
-        </p:spPr>
-        <p:txBody>
-          <a:bodyPr/>
-          <a:lstStyle/>
-          <a:p>
-            <a:r>
-              <a:rPr lang="pt-BR" dirty="0">
-                <a:latin typeface="+mj-lt"/>
-              </a:rPr>
-              <a:t>Juliano Palacios Abrantes</a:t>
-            </a:r>
-          </a:p>
-          <a:p>
-            <a:pPr lvl="1"/>
-            <a:r>
-              <a:rPr lang="pt-BR" dirty="0">
-                <a:latin typeface="+mj-lt"/>
-              </a:rPr>
-              <a:t>Biólogo (marinho)</a:t>
-            </a:r>
-          </a:p>
-          <a:p>
-            <a:pPr lvl="1"/>
-            <a:r>
-              <a:rPr lang="pt-BR" dirty="0" err="1">
-                <a:latin typeface="+mj-lt"/>
-              </a:rPr>
-              <a:t>PosDoc</a:t>
-            </a:r>
-            <a:r>
-              <a:rPr lang="pt-BR" dirty="0">
-                <a:latin typeface="+mj-lt"/>
-              </a:rPr>
-              <a:t>. </a:t>
-            </a:r>
-            <a:r>
-              <a:rPr lang="pt-BR" dirty="0" err="1">
-                <a:latin typeface="+mj-lt"/>
-              </a:rPr>
-              <a:t>University</a:t>
-            </a:r>
-            <a:r>
-              <a:rPr lang="pt-BR" dirty="0">
-                <a:latin typeface="+mj-lt"/>
-              </a:rPr>
-              <a:t> </a:t>
-            </a:r>
-            <a:r>
-              <a:rPr lang="pt-BR" dirty="0" err="1">
-                <a:latin typeface="+mj-lt"/>
-              </a:rPr>
-              <a:t>of</a:t>
-            </a:r>
-            <a:r>
-              <a:rPr lang="pt-BR" dirty="0">
-                <a:latin typeface="+mj-lt"/>
-              </a:rPr>
-              <a:t> British Columbia, Canada</a:t>
-            </a:r>
-          </a:p>
-          <a:p>
-            <a:pPr lvl="1"/>
-            <a:r>
-              <a:rPr lang="pt-BR" dirty="0">
-                <a:latin typeface="+mj-lt"/>
-              </a:rPr>
-              <a:t>Mudanças climáticas nos oceanos, principalmente pesca e conservação </a:t>
-            </a:r>
-          </a:p>
-        </p:txBody>
-      </p:sp>
-      <p:pic>
-        <p:nvPicPr>
-          <p:cNvPr id="7" name="Picture 6">
-            <a:extLst>
-              <a:ext uri="{FF2B5EF4-FFF2-40B4-BE49-F238E27FC236}">
-                <a16:creationId xmlns:a16="http://schemas.microsoft.com/office/drawing/2014/main" id="{52710359-4D63-3127-9669-4C68E5096857}"/>
-              </a:ext>
-            </a:extLst>
-          </p:cNvPr>
-          <p:cNvPicPr>
-            <a:picLocks noChangeAspect="1"/>
-          </p:cNvPicPr>
-          <p:nvPr/>
-        </p:nvPicPr>
-        <p:blipFill>
-          <a:blip r:embed="rId2"/>
-          <a:stretch>
-            <a:fillRect/>
-          </a:stretch>
-        </p:blipFill>
-        <p:spPr>
-          <a:xfrm>
-            <a:off x="7981372" y="4490027"/>
-            <a:ext cx="2212109" cy="2212109"/>
-          </a:xfrm>
-          <a:prstGeom prst="rect">
-            <a:avLst/>
-          </a:prstGeom>
-        </p:spPr>
-      </p:pic>
-      <p:pic>
-        <p:nvPicPr>
-          <p:cNvPr id="4" name="Image 3"/>
-          <p:cNvPicPr>
-            <a:picLocks noChangeAspect="1"/>
-          </p:cNvPicPr>
-          <p:nvPr/>
-        </p:nvPicPr>
-        <p:blipFill rotWithShape="1">
-          <a:blip r:embed="rId3">
-            <a:extLst>
-              <a:ext uri="{28A0092B-C50C-407E-A947-70E740481C1C}">
-                <a14:useLocalDpi xmlns:a14="http://schemas.microsoft.com/office/drawing/2010/main" val="0"/>
-              </a:ext>
-            </a:extLst>
-          </a:blip>
-          <a:srcRect l="32129" t="31841" r="38331" b="27622"/>
-          <a:stretch/>
-        </p:blipFill>
-        <p:spPr>
-          <a:xfrm>
-            <a:off x="2216989" y="4490026"/>
-            <a:ext cx="2149304" cy="2212109"/>
-          </a:xfrm>
-          <a:prstGeom prst="rect">
-            <a:avLst/>
-          </a:prstGeom>
-        </p:spPr>
-      </p:pic>
-    </p:spTree>
-    <p:extLst>
-      <p:ext uri="{BB962C8B-B14F-4D97-AF65-F5344CB8AC3E}">
-        <p14:creationId xmlns:p14="http://schemas.microsoft.com/office/powerpoint/2010/main" val="1203215970"/>
-      </p:ext>
-    </p:extLst>
-  </p:cSld>
-  <p:clrMapOvr>
-    <a:masterClrMapping/>
-  </p:clrMapOvr>
-</p:sld>
-</file>
-
-<file path=ppt/slides/slide3.xml><?xml version="1.0" encoding="utf-8"?>
-<p:sld xmlns:a="http://schemas.openxmlformats.org/drawingml/2006/main" xmlns:r="http://schemas.openxmlformats.org/officeDocument/2006/relationships" xmlns:p="http://schemas.openxmlformats.org/presentationml/2006/main">
-  <p:cSld>
-    <p:spTree>
-      <p:nvGrpSpPr>
-        <p:cNvPr id="1" name=""/>
-        <p:cNvGrpSpPr/>
-        <p:nvPr/>
-      </p:nvGrpSpPr>
-      <p:grpSpPr>
-        <a:xfrm>
-          <a:off x="0" y="0"/>
-          <a:ext cx="0" cy="0"/>
-          <a:chOff x="0" y="0"/>
-          <a:chExt cx="0" cy="0"/>
-        </a:xfrm>
-      </p:grpSpPr>
-      <p:sp>
-        <p:nvSpPr>
-          <p:cNvPr id="2" name="Title 1">
-            <a:extLst>
-              <a:ext uri="{FF2B5EF4-FFF2-40B4-BE49-F238E27FC236}">
-                <a16:creationId xmlns:a16="http://schemas.microsoft.com/office/drawing/2014/main" id="{9ADCB4FC-2414-AF6F-C96A-606D05E2CDC9}"/>
-              </a:ext>
-            </a:extLst>
-          </p:cNvPr>
-          <p:cNvSpPr>
-            <a:spLocks noGrp="1"/>
-          </p:cNvSpPr>
-          <p:nvPr>
-            <p:ph type="title"/>
-          </p:nvPr>
-        </p:nvSpPr>
-        <p:spPr/>
-        <p:txBody>
-          <a:bodyPr/>
-          <a:lstStyle/>
-          <a:p>
-            <a:r>
-              <a:rPr lang="pt-BR" dirty="0"/>
-              <a:t>Estrutura do curso</a:t>
-            </a:r>
-          </a:p>
-        </p:txBody>
-      </p:sp>
-      <p:sp>
-        <p:nvSpPr>
-          <p:cNvPr id="3" name="Content Placeholder 2">
-            <a:extLst>
-              <a:ext uri="{FF2B5EF4-FFF2-40B4-BE49-F238E27FC236}">
-                <a16:creationId xmlns:a16="http://schemas.microsoft.com/office/drawing/2014/main" id="{5F8E1408-D0F9-3DD3-B556-303D4F4D8027}"/>
-              </a:ext>
-            </a:extLst>
-          </p:cNvPr>
-          <p:cNvSpPr>
-            <a:spLocks noGrp="1"/>
-          </p:cNvSpPr>
-          <p:nvPr>
-            <p:ph idx="1"/>
-          </p:nvPr>
-        </p:nvSpPr>
-        <p:spPr/>
-        <p:txBody>
-          <a:bodyPr/>
-          <a:lstStyle/>
-          <a:p>
-            <a:r>
-              <a:rPr lang="pt-BR" dirty="0">
-                <a:latin typeface="+mj-lt"/>
-              </a:rPr>
-              <a:t>Data e sala:</a:t>
-            </a:r>
-          </a:p>
-          <a:p>
-            <a:pPr lvl="1"/>
-            <a:r>
-              <a:rPr lang="pt-BR" dirty="0">
-                <a:latin typeface="+mj-lt"/>
-              </a:rPr>
-              <a:t>4 ao 8 de novembro </a:t>
-            </a:r>
-          </a:p>
-          <a:p>
-            <a:r>
-              <a:rPr lang="pt-BR" dirty="0">
-                <a:latin typeface="+mj-lt"/>
-              </a:rPr>
-              <a:t>Estrutura do dia:</a:t>
-            </a:r>
-          </a:p>
-          <a:p>
-            <a:pPr lvl="1"/>
-            <a:r>
-              <a:rPr lang="pt-BR" dirty="0">
-                <a:latin typeface="+mj-lt"/>
-              </a:rPr>
-              <a:t>8:00 - 9:30 </a:t>
-            </a:r>
-            <a:r>
-              <a:rPr lang="pt-BR" dirty="0" err="1">
-                <a:latin typeface="+mj-lt"/>
-              </a:rPr>
-              <a:t>am</a:t>
-            </a:r>
-            <a:r>
-              <a:rPr lang="pt-BR" dirty="0">
-                <a:latin typeface="+mj-lt"/>
-              </a:rPr>
-              <a:t> - Teoria</a:t>
-            </a:r>
-          </a:p>
-          <a:p>
-            <a:pPr lvl="1"/>
-            <a:r>
-              <a:rPr lang="pt-BR" dirty="0">
-                <a:latin typeface="+mj-lt"/>
-              </a:rPr>
-              <a:t>9:40 - 12.00 Pratica (</a:t>
-            </a:r>
-            <a:r>
-              <a:rPr lang="pt-BR" dirty="0" err="1">
-                <a:latin typeface="+mj-lt"/>
-              </a:rPr>
-              <a:t>R</a:t>
-            </a:r>
-            <a:r>
-              <a:rPr lang="pt-BR" dirty="0">
-                <a:latin typeface="+mj-lt"/>
-              </a:rPr>
-              <a:t>)</a:t>
-            </a:r>
-          </a:p>
-          <a:p>
-            <a:pPr lvl="1"/>
-            <a:r>
-              <a:rPr lang="pt-BR" dirty="0">
-                <a:latin typeface="+mj-lt"/>
-              </a:rPr>
-              <a:t>13:30 – 16:30 Laboratório pratico (Duração variável)</a:t>
-            </a:r>
-          </a:p>
-          <a:p>
-            <a:r>
-              <a:rPr lang="pt-BR" dirty="0">
-                <a:latin typeface="+mj-lt"/>
-              </a:rPr>
-              <a:t>Material principalmente no GitHub</a:t>
-            </a:r>
-          </a:p>
-          <a:p>
-            <a:pPr lvl="1"/>
-            <a:r>
-              <a:rPr lang="pt-BR" dirty="0">
-                <a:latin typeface="+mj-lt"/>
-              </a:rPr>
-              <a:t>Vamos trabalhar o mais possível no GitHub (Primeira aula!)</a:t>
-            </a:r>
-          </a:p>
-        </p:txBody>
-      </p:sp>
-    </p:spTree>
-    <p:extLst>
-      <p:ext uri="{BB962C8B-B14F-4D97-AF65-F5344CB8AC3E}">
-        <p14:creationId xmlns:p14="http://schemas.microsoft.com/office/powerpoint/2010/main" val="652814140"/>
-      </p:ext>
-    </p:extLst>
-  </p:cSld>
-  <p:clrMapOvr>
-    <a:masterClrMapping/>
-  </p:clrMapOvr>
-</p:sld>
-</file>
-
-<file path=ppt/slides/slide4.xml><?xml version="1.0" encoding="utf-8"?>
-<p:sld xmlns:a="http://schemas.openxmlformats.org/drawingml/2006/main" xmlns:r="http://schemas.openxmlformats.org/officeDocument/2006/relationships" xmlns:p="http://schemas.openxmlformats.org/presentationml/2006/main">
-  <p:cSld>
-    <p:spTree>
-      <p:nvGrpSpPr>
-        <p:cNvPr id="1" name=""/>
-        <p:cNvGrpSpPr/>
-        <p:nvPr/>
-      </p:nvGrpSpPr>
-      <p:grpSpPr>
-        <a:xfrm>
-          <a:off x="0" y="0"/>
-          <a:ext cx="0" cy="0"/>
-          <a:chOff x="0" y="0"/>
-          <a:chExt cx="0" cy="0"/>
-        </a:xfrm>
-      </p:grpSpPr>
-      <p:sp>
-        <p:nvSpPr>
-          <p:cNvPr id="2" name="Title 1">
-            <a:extLst>
-              <a:ext uri="{FF2B5EF4-FFF2-40B4-BE49-F238E27FC236}">
-                <a16:creationId xmlns:a16="http://schemas.microsoft.com/office/drawing/2014/main" id="{F5F295D8-C1AD-2649-2B5D-C727EC10F02D}"/>
-              </a:ext>
-            </a:extLst>
-          </p:cNvPr>
-          <p:cNvSpPr>
-            <a:spLocks noGrp="1"/>
-          </p:cNvSpPr>
-          <p:nvPr>
-            <p:ph type="title"/>
-          </p:nvPr>
-        </p:nvSpPr>
-        <p:spPr/>
-        <p:txBody>
-          <a:bodyPr/>
-          <a:lstStyle/>
-          <a:p>
-            <a:r>
-              <a:rPr lang="pt-BR" dirty="0"/>
-              <a:t>Objetivos do curso</a:t>
-            </a:r>
-          </a:p>
-        </p:txBody>
-      </p:sp>
-      <p:sp>
-        <p:nvSpPr>
-          <p:cNvPr id="3" name="Content Placeholder 2">
-            <a:extLst>
-              <a:ext uri="{FF2B5EF4-FFF2-40B4-BE49-F238E27FC236}">
-                <a16:creationId xmlns:a16="http://schemas.microsoft.com/office/drawing/2014/main" id="{3E9BAACF-1108-E879-2DD3-EDEC8A30C340}"/>
-              </a:ext>
-            </a:extLst>
-          </p:cNvPr>
-          <p:cNvSpPr>
-            <a:spLocks noGrp="1"/>
-          </p:cNvSpPr>
-          <p:nvPr>
-            <p:ph idx="1"/>
-          </p:nvPr>
-        </p:nvSpPr>
-        <p:spPr/>
-        <p:txBody>
-          <a:bodyPr/>
-          <a:lstStyle/>
-          <a:p>
-            <a:r>
-              <a:rPr lang="pt-BR" noProof="0" dirty="0">
-                <a:latin typeface="+mj-lt"/>
-              </a:rPr>
-              <a:t>Compreender os fundamentos dos modelos de distribuição de espécies</a:t>
-            </a:r>
-          </a:p>
-          <a:p>
-            <a:r>
-              <a:rPr lang="pt-BR" noProof="0" dirty="0">
-                <a:latin typeface="+mj-lt"/>
-              </a:rPr>
-              <a:t>Explorar as principais bases da dados climáticas e observacionais para ecologia </a:t>
-            </a:r>
-          </a:p>
-          <a:p>
-            <a:r>
-              <a:rPr lang="pt-BR" noProof="0" dirty="0">
-                <a:latin typeface="+mj-lt"/>
-              </a:rPr>
-              <a:t>Desenvolver habilidades em manipulação de sados</a:t>
-            </a:r>
-          </a:p>
-          <a:p>
-            <a:r>
-              <a:rPr lang="pt-BR" noProof="0" dirty="0">
-                <a:latin typeface="+mj-lt"/>
-              </a:rPr>
-              <a:t>Explorar técnicas de visualização de dados</a:t>
-            </a:r>
-          </a:p>
-          <a:p>
-            <a:endParaRPr lang="pt-BR" noProof="0" dirty="0">
-              <a:latin typeface="+mj-lt"/>
-            </a:endParaRPr>
-          </a:p>
-        </p:txBody>
-      </p:sp>
-    </p:spTree>
-    <p:extLst>
-      <p:ext uri="{BB962C8B-B14F-4D97-AF65-F5344CB8AC3E}">
-        <p14:creationId xmlns:p14="http://schemas.microsoft.com/office/powerpoint/2010/main" val="4278137136"/>
-      </p:ext>
-    </p:extLst>
-  </p:cSld>
-  <p:clrMapOvr>
-    <a:masterClrMapping/>
-  </p:clrMapOvr>
-</p:sld>
-</file>
-
-<file path=ppt/slides/slide5.xml><?xml version="1.0" encoding="utf-8"?>
-<p:sld xmlns:a="http://schemas.openxmlformats.org/drawingml/2006/main" xmlns:r="http://schemas.openxmlformats.org/officeDocument/2006/relationships" xmlns:p="http://schemas.openxmlformats.org/presentationml/2006/main">
-  <p:cSld>
-    <p:spTree>
-      <p:nvGrpSpPr>
-        <p:cNvPr id="1" name=""/>
-        <p:cNvGrpSpPr/>
-        <p:nvPr/>
-      </p:nvGrpSpPr>
-      <p:grpSpPr>
-        <a:xfrm>
-          <a:off x="0" y="0"/>
-          <a:ext cx="0" cy="0"/>
-          <a:chOff x="0" y="0"/>
-          <a:chExt cx="0" cy="0"/>
-        </a:xfrm>
-      </p:grpSpPr>
-      <p:sp>
-        <p:nvSpPr>
-          <p:cNvPr id="2" name="Title 1">
-            <a:extLst>
-              <a:ext uri="{FF2B5EF4-FFF2-40B4-BE49-F238E27FC236}">
-                <a16:creationId xmlns:a16="http://schemas.microsoft.com/office/drawing/2014/main" id="{F598A613-19F2-0CDA-EBA7-21D8BFFE2118}"/>
-              </a:ext>
-            </a:extLst>
-          </p:cNvPr>
-          <p:cNvSpPr>
-            <a:spLocks noGrp="1"/>
-          </p:cNvSpPr>
-          <p:nvPr>
-            <p:ph type="title"/>
-          </p:nvPr>
-        </p:nvSpPr>
-        <p:spPr/>
-        <p:txBody>
-          <a:bodyPr>
-            <a:normAutofit/>
-          </a:bodyPr>
-          <a:lstStyle/>
-          <a:p>
-            <a:pPr algn="l"/>
-            <a:r>
-              <a:rPr lang="pt-BR" b="0" i="0" noProof="0" dirty="0">
-                <a:solidFill>
-                  <a:srgbClr val="1A292C"/>
-                </a:solidFill>
-                <a:effectLst/>
-                <a:latin typeface="Fira Sans" panose="020B0503050000020004" pitchFamily="34" charset="0"/>
-              </a:rPr>
-              <a:t>Espaço seguro e amigável</a:t>
-            </a:r>
-            <a:endParaRPr lang="pt-BR" noProof="0" dirty="0"/>
-          </a:p>
-        </p:txBody>
-      </p:sp>
-      <p:sp>
-        <p:nvSpPr>
-          <p:cNvPr id="3" name="Content Placeholder 2">
-            <a:extLst>
-              <a:ext uri="{FF2B5EF4-FFF2-40B4-BE49-F238E27FC236}">
-                <a16:creationId xmlns:a16="http://schemas.microsoft.com/office/drawing/2014/main" id="{273221B0-A0EA-A8D3-F82F-BA4D079C9B9D}"/>
-              </a:ext>
-            </a:extLst>
-          </p:cNvPr>
-          <p:cNvSpPr>
-            <a:spLocks noGrp="1"/>
-          </p:cNvSpPr>
-          <p:nvPr>
-            <p:ph idx="1"/>
-          </p:nvPr>
-        </p:nvSpPr>
-        <p:spPr/>
-        <p:txBody>
-          <a:bodyPr/>
-          <a:lstStyle/>
-          <a:p>
-            <a:pPr algn="l"/>
-            <a:r>
-              <a:rPr lang="pt-BR" b="0" i="0" noProof="0" dirty="0">
-                <a:solidFill>
-                  <a:srgbClr val="1A292C"/>
-                </a:solidFill>
-                <a:effectLst/>
-                <a:latin typeface="+mj-lt"/>
-              </a:rPr>
-              <a:t>Sintam-se à vontade para nos interromper e tirar dúvidas</a:t>
-            </a:r>
-          </a:p>
-          <a:p>
-            <a:pPr algn="l"/>
-            <a:r>
-              <a:rPr lang="pt-BR" noProof="0" dirty="0">
-                <a:solidFill>
-                  <a:srgbClr val="1A292C"/>
-                </a:solidFill>
-                <a:latin typeface="+mj-lt"/>
-              </a:rPr>
-              <a:t>Se formos muito rápidos, avisem</a:t>
-            </a:r>
-          </a:p>
-          <a:p>
-            <a:pPr algn="l"/>
-            <a:r>
-              <a:rPr lang="pt-BR" b="0" i="0" noProof="0" dirty="0">
-                <a:solidFill>
-                  <a:srgbClr val="1A292C"/>
-                </a:solidFill>
-                <a:effectLst/>
-                <a:latin typeface="+mj-lt"/>
-              </a:rPr>
-              <a:t>Em quanto um esta dando a oficina, </a:t>
-            </a:r>
-            <a:r>
-              <a:rPr lang="pt-BR" dirty="0" err="1">
-                <a:solidFill>
-                  <a:srgbClr val="1A292C"/>
-                </a:solidFill>
-                <a:latin typeface="+mj-lt"/>
-              </a:rPr>
-              <a:t>u</a:t>
-            </a:r>
-            <a:r>
-              <a:rPr lang="pt-BR" b="0" i="0" noProof="0" dirty="0">
-                <a:solidFill>
-                  <a:srgbClr val="1A292C"/>
-                </a:solidFill>
-                <a:effectLst/>
-                <a:latin typeface="+mj-lt"/>
-              </a:rPr>
-              <a:t> outro ajuda no </a:t>
-            </a:r>
-            <a:r>
-              <a:rPr lang="pt-BR" b="0" i="1" noProof="0" dirty="0">
-                <a:solidFill>
-                  <a:srgbClr val="1A292C"/>
-                </a:solidFill>
-                <a:effectLst/>
-                <a:latin typeface="+mj-lt"/>
-              </a:rPr>
-              <a:t>trouble</a:t>
-            </a:r>
-            <a:r>
-              <a:rPr lang="pt-BR" b="0" i="0" noProof="0" dirty="0">
-                <a:solidFill>
-                  <a:srgbClr val="1A292C"/>
-                </a:solidFill>
-                <a:effectLst/>
-                <a:latin typeface="+mj-lt"/>
-              </a:rPr>
-              <a:t> </a:t>
-            </a:r>
-            <a:r>
-              <a:rPr lang="pt-BR" b="0" i="1" noProof="0" dirty="0">
-                <a:solidFill>
-                  <a:srgbClr val="1A292C"/>
-                </a:solidFill>
-                <a:effectLst/>
-                <a:latin typeface="+mj-lt"/>
-              </a:rPr>
-              <a:t>shoot</a:t>
-            </a:r>
-          </a:p>
-          <a:p>
-            <a:pPr lvl="1"/>
-            <a:r>
-              <a:rPr lang="pt-BR" b="0" i="0" noProof="0" dirty="0">
-                <a:solidFill>
-                  <a:srgbClr val="1A292C"/>
-                </a:solidFill>
-                <a:effectLst/>
-                <a:latin typeface="+mj-lt"/>
-              </a:rPr>
-              <a:t>Dinâmica de </a:t>
-            </a:r>
-            <a:r>
-              <a:rPr lang="pt-BR" i="1" dirty="0" err="1">
-                <a:solidFill>
-                  <a:srgbClr val="1A292C"/>
-                </a:solidFill>
-                <a:latin typeface="+mj-lt"/>
-              </a:rPr>
-              <a:t>P</a:t>
-            </a:r>
-            <a:r>
-              <a:rPr lang="pt-BR" b="0" i="1" noProof="0" dirty="0" err="1">
-                <a:solidFill>
-                  <a:srgbClr val="1A292C"/>
-                </a:solidFill>
-                <a:effectLst/>
-                <a:latin typeface="+mj-lt"/>
-              </a:rPr>
-              <a:t>ost</a:t>
-            </a:r>
-            <a:r>
-              <a:rPr lang="pt-BR" b="0" i="1" noProof="0" dirty="0">
-                <a:solidFill>
-                  <a:srgbClr val="1A292C"/>
-                </a:solidFill>
-                <a:effectLst/>
-                <a:latin typeface="+mj-lt"/>
-              </a:rPr>
-              <a:t>-its</a:t>
-            </a:r>
-            <a:r>
-              <a:rPr lang="pt-BR" b="0" i="0" noProof="0" dirty="0">
-                <a:solidFill>
-                  <a:srgbClr val="1A292C"/>
-                </a:solidFill>
-                <a:effectLst/>
-                <a:latin typeface="+mj-lt"/>
-              </a:rPr>
-              <a:t> </a:t>
-            </a:r>
-          </a:p>
-          <a:p>
-            <a:endParaRPr lang="pt-BR" noProof="0" dirty="0">
-              <a:latin typeface="+mj-lt"/>
-            </a:endParaRPr>
-          </a:p>
-        </p:txBody>
-      </p:sp>
-      <p:pic>
-        <p:nvPicPr>
-          <p:cNvPr id="1026" name="Picture 2" descr="It's A Safe Space… : r/utahtreasurehunt">
-            <a:extLst>
-              <a:ext uri="{FF2B5EF4-FFF2-40B4-BE49-F238E27FC236}">
-                <a16:creationId xmlns:a16="http://schemas.microsoft.com/office/drawing/2014/main" id="{7AEAB9A9-CEA8-564B-66D3-74D8946AAADC}"/>
-              </a:ext>
-            </a:extLst>
-          </p:cNvPr>
-          <p:cNvPicPr>
-            <a:picLocks noChangeAspect="1" noChangeArrowheads="1"/>
-          </p:cNvPicPr>
-          <p:nvPr/>
-        </p:nvPicPr>
-        <p:blipFill>
-          <a:blip r:embed="rId2">
-            <a:extLst>
-              <a:ext uri="{28A0092B-C50C-407E-A947-70E740481C1C}">
-                <a14:useLocalDpi xmlns:a14="http://schemas.microsoft.com/office/drawing/2010/main" val="0"/>
-              </a:ext>
-            </a:extLst>
-          </a:blip>
-          <a:srcRect/>
-          <a:stretch>
-            <a:fillRect/>
-          </a:stretch>
-        </p:blipFill>
-        <p:spPr bwMode="auto">
-          <a:xfrm>
-            <a:off x="3715328" y="4071309"/>
-            <a:ext cx="3880427" cy="2595035"/>
-          </a:xfrm>
-          <a:prstGeom prst="rect">
-            <a:avLst/>
-          </a:prstGeom>
-          <a:noFill/>
-          <a:extLst>
-            <a:ext uri="{909E8E84-426E-40DD-AFC4-6F175D3DCCD1}">
-              <a14:hiddenFill xmlns:a14="http://schemas.microsoft.com/office/drawing/2010/main">
-                <a:solidFill>
-                  <a:srgbClr val="FFFFFF"/>
-                </a:solidFill>
-              </a14:hiddenFill>
-            </a:ext>
-          </a:extLst>
-        </p:spPr>
-      </p:pic>
-    </p:spTree>
-    <p:extLst>
-      <p:ext uri="{BB962C8B-B14F-4D97-AF65-F5344CB8AC3E}">
-        <p14:creationId xmlns:p14="http://schemas.microsoft.com/office/powerpoint/2010/main" val="680897175"/>
-      </p:ext>
-    </p:extLst>
-  </p:cSld>
-  <p:clrMapOvr>
-    <a:masterClrMapping/>
-  </p:clrMapOvr>
-</p:sld>
-</file>
-
-<file path=ppt/slides/slide6.xml><?xml version="1.0" encoding="utf-8"?>
-<p:sld xmlns:a="http://schemas.openxmlformats.org/drawingml/2006/main" xmlns:r="http://schemas.openxmlformats.org/officeDocument/2006/relationships" xmlns:p="http://schemas.openxmlformats.org/presentationml/2006/main">
-  <p:cSld>
-    <p:spTree>
-      <p:nvGrpSpPr>
-        <p:cNvPr id="1" name=""/>
-        <p:cNvGrpSpPr/>
-        <p:nvPr/>
-      </p:nvGrpSpPr>
-      <p:grpSpPr>
-        <a:xfrm>
-          <a:off x="0" y="0"/>
-          <a:ext cx="0" cy="0"/>
-          <a:chOff x="0" y="0"/>
-          <a:chExt cx="0" cy="0"/>
-        </a:xfrm>
-      </p:grpSpPr>
-      <p:sp>
-        <p:nvSpPr>
-          <p:cNvPr id="2" name="Title 1">
-            <a:extLst>
-              <a:ext uri="{FF2B5EF4-FFF2-40B4-BE49-F238E27FC236}">
-                <a16:creationId xmlns:a16="http://schemas.microsoft.com/office/drawing/2014/main" id="{F12F3D47-4401-84AE-95A1-A8E550DDA42C}"/>
-              </a:ext>
-            </a:extLst>
-          </p:cNvPr>
-          <p:cNvSpPr>
-            <a:spLocks noGrp="1"/>
-          </p:cNvSpPr>
-          <p:nvPr>
-            <p:ph type="title"/>
-          </p:nvPr>
-        </p:nvSpPr>
-        <p:spPr>
-          <a:xfrm>
-            <a:off x="838200" y="1440"/>
-            <a:ext cx="10515600" cy="1325563"/>
-          </a:xfrm>
-        </p:spPr>
-        <p:txBody>
-          <a:bodyPr/>
-          <a:lstStyle/>
-          <a:p>
-            <a:r>
-              <a:rPr lang="pt-BR" dirty="0"/>
-              <a:t>Conteúdo </a:t>
-            </a:r>
-            <a:r>
-              <a:rPr lang="pt-BR" dirty="0">
-                <a:solidFill>
-                  <a:schemeClr val="accent1"/>
-                </a:solidFill>
-              </a:rPr>
-              <a:t>teórico</a:t>
-            </a:r>
-            <a:r>
-              <a:rPr lang="pt-BR" dirty="0"/>
-              <a:t> e </a:t>
-            </a:r>
-            <a:r>
-              <a:rPr lang="pt-BR" dirty="0">
-                <a:solidFill>
-                  <a:schemeClr val="accent2"/>
-                </a:solidFill>
-              </a:rPr>
-              <a:t>prático</a:t>
-            </a:r>
-          </a:p>
-        </p:txBody>
-      </p:sp>
-      <p:graphicFrame>
-        <p:nvGraphicFramePr>
-          <p:cNvPr id="7" name="Content Placeholder 6">
-            <a:extLst>
-              <a:ext uri="{FF2B5EF4-FFF2-40B4-BE49-F238E27FC236}">
-                <a16:creationId xmlns:a16="http://schemas.microsoft.com/office/drawing/2014/main" id="{A8296CB9-CF90-E3F3-6C4B-80D86430D97C}"/>
-              </a:ext>
-            </a:extLst>
-          </p:cNvPr>
-          <p:cNvGraphicFramePr>
-            <a:graphicFrameLocks noGrp="1"/>
-          </p:cNvGraphicFramePr>
-          <p:nvPr>
-            <p:ph idx="1"/>
-            <p:extLst>
-              <p:ext uri="{D42A27DB-BD31-4B8C-83A1-F6EECF244321}">
-                <p14:modId xmlns:p14="http://schemas.microsoft.com/office/powerpoint/2010/main" val="2330986053"/>
-              </p:ext>
-            </p:extLst>
-          </p:nvPr>
-        </p:nvGraphicFramePr>
-        <p:xfrm>
-          <a:off x="0" y="935185"/>
-          <a:ext cx="12192000" cy="3408218"/>
-        </p:xfrm>
-        <a:graphic>
-          <a:graphicData uri="http://schemas.openxmlformats.org/drawingml/2006/diagram">
-            <dgm:relIds xmlns:dgm="http://schemas.openxmlformats.org/drawingml/2006/diagram" xmlns:r="http://schemas.openxmlformats.org/officeDocument/2006/relationships" r:dm="rId3" r:lo="rId4" r:qs="rId5" r:cs="rId6"/>
-          </a:graphicData>
-        </a:graphic>
-      </p:graphicFrame>
-      <p:graphicFrame>
-        <p:nvGraphicFramePr>
-          <p:cNvPr id="8" name="Content Placeholder 6">
-            <a:extLst>
-              <a:ext uri="{FF2B5EF4-FFF2-40B4-BE49-F238E27FC236}">
-                <a16:creationId xmlns:a16="http://schemas.microsoft.com/office/drawing/2014/main" id="{501188FD-F437-FBB1-CAFF-20B887DABC0F}"/>
-              </a:ext>
-            </a:extLst>
-          </p:cNvPr>
-          <p:cNvGraphicFramePr>
-            <a:graphicFrameLocks/>
-          </p:cNvGraphicFramePr>
-          <p:nvPr>
-            <p:extLst>
-              <p:ext uri="{D42A27DB-BD31-4B8C-83A1-F6EECF244321}">
-                <p14:modId xmlns:p14="http://schemas.microsoft.com/office/powerpoint/2010/main" val="3642326768"/>
-              </p:ext>
-            </p:extLst>
-          </p:nvPr>
-        </p:nvGraphicFramePr>
-        <p:xfrm>
-          <a:off x="0" y="3728896"/>
-          <a:ext cx="12192000" cy="3408218"/>
-        </p:xfrm>
-        <a:graphic>
-          <a:graphicData uri="http://schemas.openxmlformats.org/drawingml/2006/diagram">
-            <dgm:relIds xmlns:dgm="http://schemas.openxmlformats.org/drawingml/2006/diagram" xmlns:r="http://schemas.openxmlformats.org/officeDocument/2006/relationships" r:dm="rId8" r:lo="rId9" r:qs="rId10" r:cs="rId11"/>
-          </a:graphicData>
-        </a:graphic>
-      </p:graphicFrame>
-    </p:spTree>
-    <p:extLst>
-      <p:ext uri="{BB962C8B-B14F-4D97-AF65-F5344CB8AC3E}">
-        <p14:creationId xmlns:p14="http://schemas.microsoft.com/office/powerpoint/2010/main" val="2102833900"/>
-      </p:ext>
-    </p:extLst>
-  </p:cSld>
-  <p:clrMapOvr>
-    <a:masterClrMapping/>
-  </p:clrMapOvr>
-</p:sld>
-</file>
-
-<file path=ppt/slides/slide7.xml><?xml version="1.0" encoding="utf-8"?>
-<p:sld xmlns:a="http://schemas.openxmlformats.org/drawingml/2006/main" xmlns:r="http://schemas.openxmlformats.org/officeDocument/2006/relationships" xmlns:p="http://schemas.openxmlformats.org/presentationml/2006/main">
-  <p:cSld>
-    <p:spTree>
-      <p:nvGrpSpPr>
-        <p:cNvPr id="1" name=""/>
-        <p:cNvGrpSpPr/>
-        <p:nvPr/>
-      </p:nvGrpSpPr>
-      <p:grpSpPr>
-        <a:xfrm>
-          <a:off x="0" y="0"/>
-          <a:ext cx="0" cy="0"/>
-          <a:chOff x="0" y="0"/>
-          <a:chExt cx="0" cy="0"/>
-        </a:xfrm>
-      </p:grpSpPr>
-      <p:sp>
-        <p:nvSpPr>
-          <p:cNvPr id="2" name="Title 1">
-            <a:extLst>
-              <a:ext uri="{FF2B5EF4-FFF2-40B4-BE49-F238E27FC236}">
-                <a16:creationId xmlns:a16="http://schemas.microsoft.com/office/drawing/2014/main" id="{B43FB398-6E7C-179E-00F7-2B9CE16CF72D}"/>
-              </a:ext>
-            </a:extLst>
-          </p:cNvPr>
-          <p:cNvSpPr>
-            <a:spLocks noGrp="1"/>
-          </p:cNvSpPr>
-          <p:nvPr>
-            <p:ph type="title"/>
-          </p:nvPr>
-        </p:nvSpPr>
-        <p:spPr/>
-        <p:txBody>
-          <a:bodyPr/>
-          <a:lstStyle/>
-          <a:p>
-            <a:r>
-              <a:rPr lang="pt-BR" dirty="0"/>
-              <a:t>Dúvidas?</a:t>
-            </a:r>
-          </a:p>
-        </p:txBody>
-      </p:sp>
-      <p:pic>
-        <p:nvPicPr>
-          <p:cNvPr id="2050" name="Picture 2" descr="How To Ask Questions Effectively. When we have a question, our first… | by  Soundarya Balasubramani | Agile Insider | Medium">
-            <a:extLst>
-              <a:ext uri="{FF2B5EF4-FFF2-40B4-BE49-F238E27FC236}">
-                <a16:creationId xmlns:a16="http://schemas.microsoft.com/office/drawing/2014/main" id="{E9A05246-02C9-054B-6E28-4A3138C02602}"/>
-              </a:ext>
-            </a:extLst>
-          </p:cNvPr>
-          <p:cNvPicPr>
-            <a:picLocks noChangeAspect="1" noChangeArrowheads="1"/>
-          </p:cNvPicPr>
-          <p:nvPr/>
-        </p:nvPicPr>
-        <p:blipFill>
-          <a:blip r:embed="rId2">
-            <a:extLst>
-              <a:ext uri="{28A0092B-C50C-407E-A947-70E740481C1C}">
-                <a14:useLocalDpi xmlns:a14="http://schemas.microsoft.com/office/drawing/2010/main" val="0"/>
-              </a:ext>
-            </a:extLst>
-          </a:blip>
-          <a:srcRect/>
-          <a:stretch>
-            <a:fillRect/>
-          </a:stretch>
-        </p:blipFill>
-        <p:spPr bwMode="auto">
-          <a:xfrm>
-            <a:off x="4144068" y="1825625"/>
-            <a:ext cx="3903864" cy="4488873"/>
-          </a:xfrm>
-          <a:prstGeom prst="rect">
-            <a:avLst/>
-          </a:prstGeom>
-          <a:noFill/>
-          <a:extLst>
-            <a:ext uri="{909E8E84-426E-40DD-AFC4-6F175D3DCCD1}">
-              <a14:hiddenFill xmlns:a14="http://schemas.microsoft.com/office/drawing/2010/main">
-                <a:solidFill>
-                  <a:srgbClr val="FFFFFF"/>
-                </a:solidFill>
-              </a14:hiddenFill>
-            </a:ext>
-          </a:extLst>
-        </p:spPr>
-      </p:pic>
-    </p:spTree>
-    <p:extLst>
-      <p:ext uri="{BB962C8B-B14F-4D97-AF65-F5344CB8AC3E}">
-        <p14:creationId xmlns:p14="http://schemas.microsoft.com/office/powerpoint/2010/main" val="1426494804"/>
-      </p:ext>
-    </p:extLst>
-  </p:cSld>
-  <p:clrMapOvr>
-    <a:masterClrMapping/>
-  </p:clrMapOvr>
-</p:sld>
-</file>
-
-<file path=ppt/slides/slide8.xml><?xml version="1.0" encoding="utf-8"?>
-<p:sld xmlns:a="http://schemas.openxmlformats.org/drawingml/2006/main" xmlns:r="http://schemas.openxmlformats.org/officeDocument/2006/relationships" xmlns:p="http://schemas.openxmlformats.org/presentationml/2006/main">
-  <p:cSld>
-    <p:spTree>
-      <p:nvGrpSpPr>
-        <p:cNvPr id="1" name=""/>
-        <p:cNvGrpSpPr/>
-        <p:nvPr/>
-      </p:nvGrpSpPr>
-      <p:grpSpPr>
-        <a:xfrm>
-          <a:off x="0" y="0"/>
-          <a:ext cx="0" cy="0"/>
-          <a:chOff x="0" y="0"/>
-          <a:chExt cx="0" cy="0"/>
-        </a:xfrm>
-      </p:grpSpPr>
-      <p:sp>
-        <p:nvSpPr>
-          <p:cNvPr id="2" name="Title 1">
-            <a:extLst>
-              <a:ext uri="{FF2B5EF4-FFF2-40B4-BE49-F238E27FC236}">
-                <a16:creationId xmlns:a16="http://schemas.microsoft.com/office/drawing/2014/main" id="{F0016ACE-4230-86ED-C153-AA502029035F}"/>
-              </a:ext>
-            </a:extLst>
-          </p:cNvPr>
-          <p:cNvSpPr>
-            <a:spLocks noGrp="1"/>
-          </p:cNvSpPr>
-          <p:nvPr>
-            <p:ph type="title"/>
-          </p:nvPr>
-        </p:nvSpPr>
-        <p:spPr/>
-        <p:txBody>
-          <a:bodyPr/>
-          <a:lstStyle/>
-          <a:p>
-            <a:r>
-              <a:rPr lang="pt-BR" dirty="0"/>
-              <a:t>Vamos nos conhecer </a:t>
-            </a:r>
-          </a:p>
-        </p:txBody>
-      </p:sp>
-      <p:sp>
-        <p:nvSpPr>
-          <p:cNvPr id="3" name="Content Placeholder 2">
-            <a:extLst>
-              <a:ext uri="{FF2B5EF4-FFF2-40B4-BE49-F238E27FC236}">
-                <a16:creationId xmlns:a16="http://schemas.microsoft.com/office/drawing/2014/main" id="{16397883-D8E0-3C8F-E649-119809688EB4}"/>
-              </a:ext>
-            </a:extLst>
-          </p:cNvPr>
-          <p:cNvSpPr>
-            <a:spLocks noGrp="1"/>
-          </p:cNvSpPr>
-          <p:nvPr>
-            <p:ph idx="1"/>
-          </p:nvPr>
-        </p:nvSpPr>
-        <p:spPr>
-          <a:xfrm>
-            <a:off x="838200" y="1825625"/>
-            <a:ext cx="8243455" cy="4351338"/>
-          </a:xfrm>
-        </p:spPr>
-        <p:txBody>
-          <a:bodyPr/>
-          <a:lstStyle/>
-          <a:p>
-            <a:pPr algn="l"/>
-            <a:r>
-              <a:rPr lang="pt-BR" b="0" i="0" dirty="0">
-                <a:solidFill>
-                  <a:srgbClr val="1A292C"/>
-                </a:solidFill>
-                <a:effectLst/>
-                <a:latin typeface="+mj-lt"/>
-              </a:rPr>
-              <a:t>Nome</a:t>
-            </a:r>
-          </a:p>
-          <a:p>
-            <a:pPr algn="l"/>
-            <a:r>
-              <a:rPr lang="pt-BR" b="0" i="0" dirty="0">
-                <a:solidFill>
-                  <a:srgbClr val="1A292C"/>
-                </a:solidFill>
-                <a:effectLst/>
-                <a:latin typeface="+mj-lt"/>
-              </a:rPr>
-              <a:t>Formação</a:t>
-            </a:r>
-          </a:p>
-          <a:p>
-            <a:pPr algn="l"/>
-            <a:r>
-              <a:rPr lang="pt-BR" b="0" i="0" dirty="0">
-                <a:solidFill>
-                  <a:srgbClr val="1A292C"/>
-                </a:solidFill>
-                <a:effectLst/>
-                <a:latin typeface="+mj-lt"/>
-              </a:rPr>
-              <a:t>O que faz ou pensa em fazer da vida?</a:t>
-            </a:r>
-          </a:p>
-          <a:p>
-            <a:pPr algn="l"/>
-            <a:r>
-              <a:rPr lang="pt-BR" b="0" i="0" dirty="0">
-                <a:solidFill>
-                  <a:srgbClr val="1A292C"/>
-                </a:solidFill>
-                <a:effectLst/>
-                <a:latin typeface="+mj-lt"/>
-              </a:rPr>
-              <a:t>Experiencia com Modelos de Distribuição de Espécies?</a:t>
-            </a:r>
-          </a:p>
-          <a:p>
-            <a:pPr algn="l"/>
-            <a:r>
-              <a:rPr lang="pt-BR" dirty="0">
-                <a:solidFill>
-                  <a:srgbClr val="1A292C"/>
-                </a:solidFill>
-                <a:latin typeface="+mj-lt"/>
-              </a:rPr>
-              <a:t>O</a:t>
-            </a:r>
-            <a:r>
-              <a:rPr lang="pt-BR" b="0" i="0" dirty="0">
-                <a:solidFill>
-                  <a:srgbClr val="1A292C"/>
-                </a:solidFill>
-                <a:effectLst/>
-                <a:latin typeface="+mj-lt"/>
-              </a:rPr>
-              <a:t> que espera do curso? </a:t>
-            </a:r>
-          </a:p>
-          <a:p>
-            <a:pPr algn="l"/>
-            <a:r>
-              <a:rPr lang="pt-BR" dirty="0">
-                <a:solidFill>
-                  <a:srgbClr val="1A292C"/>
-                </a:solidFill>
-                <a:latin typeface="+mj-lt"/>
-              </a:rPr>
-              <a:t>Duas verdades uma mentira*</a:t>
-            </a:r>
-            <a:endParaRPr lang="pt-BR" b="0" i="0" dirty="0">
-              <a:solidFill>
-                <a:srgbClr val="1A292C"/>
-              </a:solidFill>
-              <a:effectLst/>
-              <a:latin typeface="+mj-lt"/>
-            </a:endParaRPr>
-          </a:p>
-          <a:p>
-            <a:pPr marL="0" indent="0">
-              <a:buNone/>
-            </a:pPr>
-            <a:endParaRPr lang="pt-BR" dirty="0"/>
-          </a:p>
-        </p:txBody>
-      </p:sp>
-    </p:spTree>
-    <p:extLst>
-      <p:ext uri="{BB962C8B-B14F-4D97-AF65-F5344CB8AC3E}">
-        <p14:creationId xmlns:p14="http://schemas.microsoft.com/office/powerpoint/2010/main" val="957641924"/>
-      </p:ext>
-    </p:extLst>
-  </p:cSld>
-  <p:clrMapOvr>
-    <a:masterClrMapping/>
-  </p:clrMapOvr>
-</p:sld>
-</file>
-
-<file path=ppt/slides/slide9.xml><?xml version="1.0" encoding="utf-8"?>
+<file path=ppt/slides/slide10.xml><?xml version="1.0" encoding="utf-8"?>
 <p:sld xmlns:a="http://schemas.openxmlformats.org/drawingml/2006/main" xmlns:r="http://schemas.openxmlformats.org/officeDocument/2006/relationships" xmlns:p="http://schemas.openxmlformats.org/presentationml/2006/main">
   <p:cSld>
     <p:spTree>
@@ -13772,6 +12630,1840 @@
     <p:extLst>
       <p:ext uri="{BB962C8B-B14F-4D97-AF65-F5344CB8AC3E}">
         <p14:creationId xmlns:p14="http://schemas.microsoft.com/office/powerpoint/2010/main" val="461741582"/>
+      </p:ext>
+    </p:extLst>
+  </p:cSld>
+  <p:clrMapOvr>
+    <a:masterClrMapping/>
+  </p:clrMapOvr>
+</p:sld>
+</file>
+
+<file path=ppt/slides/slide11.xml><?xml version="1.0" encoding="utf-8"?>
+<p:sld xmlns:a="http://schemas.openxmlformats.org/drawingml/2006/main" xmlns:r="http://schemas.openxmlformats.org/officeDocument/2006/relationships" xmlns:p="http://schemas.openxmlformats.org/presentationml/2006/main">
+  <p:cSld>
+    <p:spTree>
+      <p:nvGrpSpPr>
+        <p:cNvPr id="1" name=""/>
+        <p:cNvGrpSpPr/>
+        <p:nvPr/>
+      </p:nvGrpSpPr>
+      <p:grpSpPr>
+        <a:xfrm>
+          <a:off x="0" y="0"/>
+          <a:ext cx="0" cy="0"/>
+          <a:chOff x="0" y="0"/>
+          <a:chExt cx="0" cy="0"/>
+        </a:xfrm>
+      </p:grpSpPr>
+      <p:sp>
+        <p:nvSpPr>
+          <p:cNvPr id="2" name="Title 1">
+            <a:extLst>
+              <a:ext uri="{FF2B5EF4-FFF2-40B4-BE49-F238E27FC236}">
+                <a16:creationId xmlns:a16="http://schemas.microsoft.com/office/drawing/2014/main" id="{E5968D26-BF3D-F7E2-CAAD-BACA0AF7EF21}"/>
+              </a:ext>
+            </a:extLst>
+          </p:cNvPr>
+          <p:cNvSpPr>
+            <a:spLocks noGrp="1"/>
+          </p:cNvSpPr>
+          <p:nvPr>
+            <p:ph type="title"/>
+          </p:nvPr>
+        </p:nvSpPr>
+        <p:spPr/>
+        <p:txBody>
+          <a:bodyPr/>
+          <a:lstStyle/>
+          <a:p>
+            <a:r>
+              <a:rPr lang="pt-BR" dirty="0" smtClean="0"/>
+              <a:t>Brunno... </a:t>
+            </a:r>
+            <a:endParaRPr lang="pt-BR" dirty="0"/>
+          </a:p>
+        </p:txBody>
+      </p:sp>
+      <p:sp>
+        <p:nvSpPr>
+          <p:cNvPr id="3" name="Content Placeholder 2">
+            <a:extLst>
+              <a:ext uri="{FF2B5EF4-FFF2-40B4-BE49-F238E27FC236}">
+                <a16:creationId xmlns:a16="http://schemas.microsoft.com/office/drawing/2014/main" id="{F9871773-5F39-48DC-FE7D-DB34D9BA4CAF}"/>
+              </a:ext>
+            </a:extLst>
+          </p:cNvPr>
+          <p:cNvSpPr>
+            <a:spLocks noGrp="1"/>
+          </p:cNvSpPr>
+          <p:nvPr>
+            <p:ph idx="1"/>
+          </p:nvPr>
+        </p:nvSpPr>
+        <p:spPr/>
+        <p:txBody>
+          <a:bodyPr/>
+          <a:lstStyle/>
+          <a:p>
+            <a:endParaRPr lang="pt-BR" dirty="0">
+              <a:latin typeface="+mj-lt"/>
+            </a:endParaRPr>
+          </a:p>
+          <a:p>
+            <a:endParaRPr lang="pt-BR" dirty="0">
+              <a:latin typeface="+mj-lt"/>
+            </a:endParaRPr>
+          </a:p>
+        </p:txBody>
+      </p:sp>
+      <p:sp>
+        <p:nvSpPr>
+          <p:cNvPr id="4" name="Content Placeholder 2">
+            <a:extLst>
+              <a:ext uri="{FF2B5EF4-FFF2-40B4-BE49-F238E27FC236}">
+                <a16:creationId xmlns:a16="http://schemas.microsoft.com/office/drawing/2014/main" id="{F4C83D78-B9B4-21A0-1547-38FD8B4685D1}"/>
+              </a:ext>
+            </a:extLst>
+          </p:cNvPr>
+          <p:cNvSpPr txBox="1">
+            <a:spLocks/>
+          </p:cNvSpPr>
+          <p:nvPr/>
+        </p:nvSpPr>
+        <p:spPr>
+          <a:xfrm>
+            <a:off x="838200" y="1825624"/>
+            <a:ext cx="9490364" cy="4845339"/>
+          </a:xfrm>
+          <a:prstGeom prst="rect">
+            <a:avLst/>
+          </a:prstGeom>
+        </p:spPr>
+        <p:txBody>
+          <a:bodyPr vert="horz" lIns="91440" tIns="45720" rIns="91440" bIns="45720" rtlCol="0">
+            <a:normAutofit/>
+          </a:bodyPr>
+          <a:lstStyle>
+            <a:lvl1pPr marL="228600" indent="-228600" algn="l" defTabSz="914400" rtl="0" eaLnBrk="1" latinLnBrk="0" hangingPunct="1">
+              <a:lnSpc>
+                <a:spcPct val="90000"/>
+              </a:lnSpc>
+              <a:spcBef>
+                <a:spcPts val="1000"/>
+              </a:spcBef>
+              <a:buFont typeface="Arial" panose="020B0604020202020204" pitchFamily="34" charset="0"/>
+              <a:buChar char="•"/>
+              <a:defRPr sz="2800" kern="1200">
+                <a:solidFill>
+                  <a:schemeClr val="tx1"/>
+                </a:solidFill>
+                <a:latin typeface="+mn-lt"/>
+                <a:ea typeface="+mn-ea"/>
+                <a:cs typeface="+mn-cs"/>
+              </a:defRPr>
+            </a:lvl1pPr>
+            <a:lvl2pPr marL="685800" indent="-228600" algn="l" defTabSz="914400" rtl="0" eaLnBrk="1" latinLnBrk="0" hangingPunct="1">
+              <a:lnSpc>
+                <a:spcPct val="90000"/>
+              </a:lnSpc>
+              <a:spcBef>
+                <a:spcPts val="500"/>
+              </a:spcBef>
+              <a:buFont typeface="Arial" panose="020B0604020202020204" pitchFamily="34" charset="0"/>
+              <a:buChar char="•"/>
+              <a:defRPr sz="2400" kern="1200">
+                <a:solidFill>
+                  <a:schemeClr val="tx1"/>
+                </a:solidFill>
+                <a:latin typeface="+mn-lt"/>
+                <a:ea typeface="+mn-ea"/>
+                <a:cs typeface="+mn-cs"/>
+              </a:defRPr>
+            </a:lvl2pPr>
+            <a:lvl3pPr marL="1143000" indent="-228600" algn="l" defTabSz="914400" rtl="0" eaLnBrk="1" latinLnBrk="0" hangingPunct="1">
+              <a:lnSpc>
+                <a:spcPct val="90000"/>
+              </a:lnSpc>
+              <a:spcBef>
+                <a:spcPts val="500"/>
+              </a:spcBef>
+              <a:buFont typeface="Arial" panose="020B0604020202020204" pitchFamily="34" charset="0"/>
+              <a:buChar char="•"/>
+              <a:defRPr sz="2000" kern="1200">
+                <a:solidFill>
+                  <a:schemeClr val="tx1"/>
+                </a:solidFill>
+                <a:latin typeface="+mn-lt"/>
+                <a:ea typeface="+mn-ea"/>
+                <a:cs typeface="+mn-cs"/>
+              </a:defRPr>
+            </a:lvl3pPr>
+            <a:lvl4pPr marL="1600200" indent="-228600" algn="l" defTabSz="914400" rtl="0" eaLnBrk="1" latinLnBrk="0" hangingPunct="1">
+              <a:lnSpc>
+                <a:spcPct val="90000"/>
+              </a:lnSpc>
+              <a:spcBef>
+                <a:spcPts val="500"/>
+              </a:spcBef>
+              <a:buFont typeface="Arial" panose="020B0604020202020204" pitchFamily="34" charset="0"/>
+              <a:buChar char="•"/>
+              <a:defRPr sz="1800" kern="1200">
+                <a:solidFill>
+                  <a:schemeClr val="tx1"/>
+                </a:solidFill>
+                <a:latin typeface="+mn-lt"/>
+                <a:ea typeface="+mn-ea"/>
+                <a:cs typeface="+mn-cs"/>
+              </a:defRPr>
+            </a:lvl4pPr>
+            <a:lvl5pPr marL="2057400" indent="-228600" algn="l" defTabSz="914400" rtl="0" eaLnBrk="1" latinLnBrk="0" hangingPunct="1">
+              <a:lnSpc>
+                <a:spcPct val="90000"/>
+              </a:lnSpc>
+              <a:spcBef>
+                <a:spcPts val="500"/>
+              </a:spcBef>
+              <a:buFont typeface="Arial" panose="020B0604020202020204" pitchFamily="34" charset="0"/>
+              <a:buChar char="•"/>
+              <a:defRPr sz="1800" kern="1200">
+                <a:solidFill>
+                  <a:schemeClr val="tx1"/>
+                </a:solidFill>
+                <a:latin typeface="+mn-lt"/>
+                <a:ea typeface="+mn-ea"/>
+                <a:cs typeface="+mn-cs"/>
+              </a:defRPr>
+            </a:lvl5pPr>
+            <a:lvl6pPr marL="2514600" indent="-228600" algn="l" defTabSz="914400" rtl="0" eaLnBrk="1" latinLnBrk="0" hangingPunct="1">
+              <a:lnSpc>
+                <a:spcPct val="90000"/>
+              </a:lnSpc>
+              <a:spcBef>
+                <a:spcPts val="500"/>
+              </a:spcBef>
+              <a:buFont typeface="Arial" panose="020B0604020202020204" pitchFamily="34" charset="0"/>
+              <a:buChar char="•"/>
+              <a:defRPr sz="1800" kern="1200">
+                <a:solidFill>
+                  <a:schemeClr val="tx1"/>
+                </a:solidFill>
+                <a:latin typeface="+mn-lt"/>
+                <a:ea typeface="+mn-ea"/>
+                <a:cs typeface="+mn-cs"/>
+              </a:defRPr>
+            </a:lvl6pPr>
+            <a:lvl7pPr marL="2971800" indent="-228600" algn="l" defTabSz="914400" rtl="0" eaLnBrk="1" latinLnBrk="0" hangingPunct="1">
+              <a:lnSpc>
+                <a:spcPct val="90000"/>
+              </a:lnSpc>
+              <a:spcBef>
+                <a:spcPts val="500"/>
+              </a:spcBef>
+              <a:buFont typeface="Arial" panose="020B0604020202020204" pitchFamily="34" charset="0"/>
+              <a:buChar char="•"/>
+              <a:defRPr sz="1800" kern="1200">
+                <a:solidFill>
+                  <a:schemeClr val="tx1"/>
+                </a:solidFill>
+                <a:latin typeface="+mn-lt"/>
+                <a:ea typeface="+mn-ea"/>
+                <a:cs typeface="+mn-cs"/>
+              </a:defRPr>
+            </a:lvl7pPr>
+            <a:lvl8pPr marL="3429000" indent="-228600" algn="l" defTabSz="914400" rtl="0" eaLnBrk="1" latinLnBrk="0" hangingPunct="1">
+              <a:lnSpc>
+                <a:spcPct val="90000"/>
+              </a:lnSpc>
+              <a:spcBef>
+                <a:spcPts val="500"/>
+              </a:spcBef>
+              <a:buFont typeface="Arial" panose="020B0604020202020204" pitchFamily="34" charset="0"/>
+              <a:buChar char="•"/>
+              <a:defRPr sz="1800" kern="1200">
+                <a:solidFill>
+                  <a:schemeClr val="tx1"/>
+                </a:solidFill>
+                <a:latin typeface="+mn-lt"/>
+                <a:ea typeface="+mn-ea"/>
+                <a:cs typeface="+mn-cs"/>
+              </a:defRPr>
+            </a:lvl8pPr>
+            <a:lvl9pPr marL="3886200" indent="-228600" algn="l" defTabSz="914400" rtl="0" eaLnBrk="1" latinLnBrk="0" hangingPunct="1">
+              <a:lnSpc>
+                <a:spcPct val="90000"/>
+              </a:lnSpc>
+              <a:spcBef>
+                <a:spcPts val="500"/>
+              </a:spcBef>
+              <a:buFont typeface="Arial" panose="020B0604020202020204" pitchFamily="34" charset="0"/>
+              <a:buChar char="•"/>
+              <a:defRPr sz="1800" kern="1200">
+                <a:solidFill>
+                  <a:schemeClr val="tx1"/>
+                </a:solidFill>
+                <a:latin typeface="+mn-lt"/>
+                <a:ea typeface="+mn-ea"/>
+                <a:cs typeface="+mn-cs"/>
+              </a:defRPr>
+            </a:lvl9pPr>
+          </a:lstStyle>
+          <a:p>
+            <a:r>
+              <a:rPr lang="pt-BR" dirty="0">
+                <a:solidFill>
+                  <a:srgbClr val="1A292C"/>
+                </a:solidFill>
+                <a:latin typeface="+mj-lt"/>
+              </a:rPr>
+              <a:t>Nome</a:t>
+            </a:r>
+          </a:p>
+          <a:p>
+            <a:r>
+              <a:rPr lang="pt-BR" dirty="0">
+                <a:solidFill>
+                  <a:srgbClr val="1A292C"/>
+                </a:solidFill>
+                <a:latin typeface="+mj-lt"/>
+              </a:rPr>
+              <a:t>Formação</a:t>
+            </a:r>
+          </a:p>
+          <a:p>
+            <a:r>
+              <a:rPr lang="pt-BR" dirty="0">
+                <a:solidFill>
+                  <a:srgbClr val="1A292C"/>
+                </a:solidFill>
+                <a:latin typeface="+mj-lt"/>
+              </a:rPr>
+              <a:t>O que faz ou pensa em fazer da vida?</a:t>
+            </a:r>
+          </a:p>
+          <a:p>
+            <a:r>
+              <a:rPr lang="pt-BR" dirty="0">
+                <a:solidFill>
+                  <a:srgbClr val="1A292C"/>
+                </a:solidFill>
+                <a:latin typeface="+mj-lt"/>
+              </a:rPr>
+              <a:t>Experiencia com Modelos de Distribuição de Espécies?</a:t>
+            </a:r>
+          </a:p>
+          <a:p>
+            <a:r>
+              <a:rPr lang="pt-BR" dirty="0">
+                <a:solidFill>
+                  <a:srgbClr val="1A292C"/>
+                </a:solidFill>
+                <a:latin typeface="+mj-lt"/>
+              </a:rPr>
+              <a:t>O que espera do curso? </a:t>
+            </a:r>
+          </a:p>
+          <a:p>
+            <a:r>
+              <a:rPr lang="pt-BR" dirty="0">
+                <a:solidFill>
+                  <a:srgbClr val="1A292C"/>
+                </a:solidFill>
+                <a:latin typeface="+mj-lt"/>
+              </a:rPr>
+              <a:t>Duas verdades uma mentira*</a:t>
+            </a:r>
+          </a:p>
+          <a:p>
+            <a:pPr lvl="1"/>
+            <a:r>
+              <a:rPr lang="pt-BR" dirty="0" smtClean="0">
+                <a:latin typeface="+mj-lt"/>
+              </a:rPr>
+              <a:t>Tiver que casar para não ter que me separar</a:t>
+            </a:r>
+          </a:p>
+          <a:p>
+            <a:pPr lvl="1"/>
+            <a:r>
+              <a:rPr lang="pt-BR" dirty="0" smtClean="0">
+                <a:latin typeface="+mj-lt"/>
+              </a:rPr>
+              <a:t>Sou escalador</a:t>
+            </a:r>
+          </a:p>
+          <a:p>
+            <a:pPr lvl="1"/>
+            <a:r>
+              <a:rPr lang="pt-BR" dirty="0" smtClean="0">
+                <a:latin typeface="+mj-lt"/>
+              </a:rPr>
+              <a:t>Já toquei em 3 bandas de rock punk/hardcore</a:t>
+            </a:r>
+            <a:r>
+              <a:rPr lang="pt-BR" smtClean="0">
+                <a:latin typeface="+mj-lt"/>
+              </a:rPr>
+              <a:t>, em uma </a:t>
+            </a:r>
+            <a:r>
+              <a:rPr lang="pt-BR" dirty="0" smtClean="0">
+                <a:latin typeface="+mj-lt"/>
+              </a:rPr>
+              <a:t>delas sendo o único membro da banda</a:t>
+            </a:r>
+            <a:endParaRPr lang="pt-BR" dirty="0">
+              <a:latin typeface="+mj-lt"/>
+            </a:endParaRPr>
+          </a:p>
+          <a:p>
+            <a:pPr lvl="1"/>
+            <a:endParaRPr lang="pt-BR" dirty="0">
+              <a:latin typeface="+mj-lt"/>
+            </a:endParaRPr>
+          </a:p>
+          <a:p>
+            <a:pPr lvl="1"/>
+            <a:endParaRPr lang="pt-BR" dirty="0">
+              <a:solidFill>
+                <a:srgbClr val="1A292C"/>
+              </a:solidFill>
+              <a:latin typeface="+mj-lt"/>
+            </a:endParaRPr>
+          </a:p>
+          <a:p>
+            <a:pPr marL="0" indent="0">
+              <a:buFont typeface="Arial" panose="020B0604020202020204" pitchFamily="34" charset="0"/>
+              <a:buNone/>
+            </a:pPr>
+            <a:endParaRPr lang="pt-BR" dirty="0"/>
+          </a:p>
+        </p:txBody>
+      </p:sp>
+    </p:spTree>
+    <p:extLst>
+      <p:ext uri="{BB962C8B-B14F-4D97-AF65-F5344CB8AC3E}">
+        <p14:creationId xmlns:p14="http://schemas.microsoft.com/office/powerpoint/2010/main" val="238446441"/>
+      </p:ext>
+    </p:extLst>
+  </p:cSld>
+  <p:clrMapOvr>
+    <a:masterClrMapping/>
+  </p:clrMapOvr>
+</p:sld>
+</file>
+
+<file path=ppt/slides/slide2.xml><?xml version="1.0" encoding="utf-8"?>
+<p:sld xmlns:a="http://schemas.openxmlformats.org/drawingml/2006/main" xmlns:r="http://schemas.openxmlformats.org/officeDocument/2006/relationships" xmlns:p="http://schemas.openxmlformats.org/presentationml/2006/main">
+  <p:cSld>
+    <p:spTree>
+      <p:nvGrpSpPr>
+        <p:cNvPr id="1" name=""/>
+        <p:cNvGrpSpPr/>
+        <p:nvPr/>
+      </p:nvGrpSpPr>
+      <p:grpSpPr>
+        <a:xfrm>
+          <a:off x="0" y="0"/>
+          <a:ext cx="0" cy="0"/>
+          <a:chOff x="0" y="0"/>
+          <a:chExt cx="0" cy="0"/>
+        </a:xfrm>
+      </p:grpSpPr>
+      <p:sp>
+        <p:nvSpPr>
+          <p:cNvPr id="2" name="Title 1">
+            <a:extLst>
+              <a:ext uri="{FF2B5EF4-FFF2-40B4-BE49-F238E27FC236}">
+                <a16:creationId xmlns:a16="http://schemas.microsoft.com/office/drawing/2014/main" id="{A8587219-FA29-5D69-7192-5E217F3FA012}"/>
+              </a:ext>
+            </a:extLst>
+          </p:cNvPr>
+          <p:cNvSpPr>
+            <a:spLocks noGrp="1"/>
+          </p:cNvSpPr>
+          <p:nvPr>
+            <p:ph type="title"/>
+          </p:nvPr>
+        </p:nvSpPr>
+        <p:spPr/>
+        <p:txBody>
+          <a:bodyPr/>
+          <a:lstStyle/>
+          <a:p>
+            <a:r>
+              <a:rPr lang="pt-BR" dirty="0"/>
+              <a:t>Introduções</a:t>
+            </a:r>
+          </a:p>
+        </p:txBody>
+      </p:sp>
+      <p:sp>
+        <p:nvSpPr>
+          <p:cNvPr id="3" name="Content Placeholder 2">
+            <a:extLst>
+              <a:ext uri="{FF2B5EF4-FFF2-40B4-BE49-F238E27FC236}">
+                <a16:creationId xmlns:a16="http://schemas.microsoft.com/office/drawing/2014/main" id="{5DE86898-D3B6-8659-51F5-8DA573572514}"/>
+              </a:ext>
+            </a:extLst>
+          </p:cNvPr>
+          <p:cNvSpPr>
+            <a:spLocks noGrp="1"/>
+          </p:cNvSpPr>
+          <p:nvPr>
+            <p:ph sz="half" idx="1"/>
+          </p:nvPr>
+        </p:nvSpPr>
+        <p:spPr>
+          <a:xfrm>
+            <a:off x="838200" y="1592712"/>
+            <a:ext cx="5181600" cy="4351338"/>
+          </a:xfrm>
+        </p:spPr>
+        <p:txBody>
+          <a:bodyPr/>
+          <a:lstStyle/>
+          <a:p>
+            <a:r>
+              <a:rPr lang="pt-BR" dirty="0">
+                <a:latin typeface="+mj-lt"/>
+              </a:rPr>
+              <a:t>Brunno Oliveira</a:t>
+            </a:r>
+          </a:p>
+          <a:p>
+            <a:pPr lvl="1"/>
+            <a:r>
+              <a:rPr lang="pt-BR" dirty="0">
+                <a:latin typeface="+mj-lt"/>
+              </a:rPr>
+              <a:t>Ecólogo</a:t>
+            </a:r>
+          </a:p>
+          <a:p>
+            <a:pPr lvl="1"/>
+            <a:r>
+              <a:rPr lang="pt-BR" dirty="0">
+                <a:latin typeface="+mj-lt"/>
+              </a:rPr>
+              <a:t>PosDoc. Centro de Sínteses e Analáses em Biodiversidade, França (CESAB)</a:t>
+            </a:r>
+          </a:p>
+          <a:p>
+            <a:pPr lvl="1"/>
+            <a:r>
+              <a:rPr lang="pt-BR" dirty="0">
+                <a:latin typeface="+mj-lt"/>
+              </a:rPr>
+              <a:t>Macroecologia, Macroevolução, e mudanças climáticas e ecológicas</a:t>
+            </a:r>
+          </a:p>
+          <a:p>
+            <a:endParaRPr lang="pt-BR" dirty="0">
+              <a:latin typeface="+mj-lt"/>
+            </a:endParaRPr>
+          </a:p>
+          <a:p>
+            <a:pPr marL="457200" lvl="1" indent="0">
+              <a:buNone/>
+            </a:pPr>
+            <a:endParaRPr lang="pt-BR" dirty="0">
+              <a:latin typeface="+mj-lt"/>
+            </a:endParaRPr>
+          </a:p>
+        </p:txBody>
+      </p:sp>
+      <p:sp>
+        <p:nvSpPr>
+          <p:cNvPr id="5" name="Content Placeholder 4">
+            <a:extLst>
+              <a:ext uri="{FF2B5EF4-FFF2-40B4-BE49-F238E27FC236}">
+                <a16:creationId xmlns:a16="http://schemas.microsoft.com/office/drawing/2014/main" id="{59D0C990-66C7-2293-6DD8-375321E06B0C}"/>
+              </a:ext>
+            </a:extLst>
+          </p:cNvPr>
+          <p:cNvSpPr>
+            <a:spLocks noGrp="1"/>
+          </p:cNvSpPr>
+          <p:nvPr>
+            <p:ph sz="half" idx="2"/>
+          </p:nvPr>
+        </p:nvSpPr>
+        <p:spPr>
+          <a:xfrm>
+            <a:off x="6172200" y="1592712"/>
+            <a:ext cx="5181600" cy="4351338"/>
+          </a:xfrm>
+        </p:spPr>
+        <p:txBody>
+          <a:bodyPr/>
+          <a:lstStyle/>
+          <a:p>
+            <a:r>
+              <a:rPr lang="pt-BR" dirty="0">
+                <a:latin typeface="+mj-lt"/>
+              </a:rPr>
+              <a:t>Juliano Palacios Abrantes</a:t>
+            </a:r>
+          </a:p>
+          <a:p>
+            <a:pPr lvl="1"/>
+            <a:r>
+              <a:rPr lang="pt-BR" dirty="0">
+                <a:latin typeface="+mj-lt"/>
+              </a:rPr>
+              <a:t>Biólogo (marinho)</a:t>
+            </a:r>
+          </a:p>
+          <a:p>
+            <a:pPr lvl="1"/>
+            <a:r>
+              <a:rPr lang="pt-BR" dirty="0" err="1">
+                <a:latin typeface="+mj-lt"/>
+              </a:rPr>
+              <a:t>PosDoc</a:t>
+            </a:r>
+            <a:r>
+              <a:rPr lang="pt-BR" dirty="0">
+                <a:latin typeface="+mj-lt"/>
+              </a:rPr>
+              <a:t>. </a:t>
+            </a:r>
+            <a:r>
+              <a:rPr lang="pt-BR" dirty="0" err="1">
+                <a:latin typeface="+mj-lt"/>
+              </a:rPr>
+              <a:t>University</a:t>
+            </a:r>
+            <a:r>
+              <a:rPr lang="pt-BR" dirty="0">
+                <a:latin typeface="+mj-lt"/>
+              </a:rPr>
+              <a:t> </a:t>
+            </a:r>
+            <a:r>
+              <a:rPr lang="pt-BR" dirty="0" err="1">
+                <a:latin typeface="+mj-lt"/>
+              </a:rPr>
+              <a:t>of</a:t>
+            </a:r>
+            <a:r>
+              <a:rPr lang="pt-BR" dirty="0">
+                <a:latin typeface="+mj-lt"/>
+              </a:rPr>
+              <a:t> British Columbia, Canada</a:t>
+            </a:r>
+          </a:p>
+          <a:p>
+            <a:pPr lvl="1"/>
+            <a:r>
+              <a:rPr lang="pt-BR" dirty="0">
+                <a:latin typeface="+mj-lt"/>
+              </a:rPr>
+              <a:t>Mudanças climáticas nos oceanos, principalmente pesca e conservação </a:t>
+            </a:r>
+          </a:p>
+        </p:txBody>
+      </p:sp>
+      <p:pic>
+        <p:nvPicPr>
+          <p:cNvPr id="7" name="Picture 6">
+            <a:extLst>
+              <a:ext uri="{FF2B5EF4-FFF2-40B4-BE49-F238E27FC236}">
+                <a16:creationId xmlns:a16="http://schemas.microsoft.com/office/drawing/2014/main" id="{52710359-4D63-3127-9669-4C68E5096857}"/>
+              </a:ext>
+            </a:extLst>
+          </p:cNvPr>
+          <p:cNvPicPr>
+            <a:picLocks noChangeAspect="1"/>
+          </p:cNvPicPr>
+          <p:nvPr/>
+        </p:nvPicPr>
+        <p:blipFill>
+          <a:blip r:embed="rId2"/>
+          <a:stretch>
+            <a:fillRect/>
+          </a:stretch>
+        </p:blipFill>
+        <p:spPr>
+          <a:xfrm>
+            <a:off x="7981372" y="4490027"/>
+            <a:ext cx="2212109" cy="2212109"/>
+          </a:xfrm>
+          <a:prstGeom prst="rect">
+            <a:avLst/>
+          </a:prstGeom>
+        </p:spPr>
+      </p:pic>
+      <p:pic>
+        <p:nvPicPr>
+          <p:cNvPr id="4" name="Image 3"/>
+          <p:cNvPicPr>
+            <a:picLocks noChangeAspect="1"/>
+          </p:cNvPicPr>
+          <p:nvPr/>
+        </p:nvPicPr>
+        <p:blipFill rotWithShape="1">
+          <a:blip r:embed="rId3">
+            <a:extLst>
+              <a:ext uri="{28A0092B-C50C-407E-A947-70E740481C1C}">
+                <a14:useLocalDpi xmlns:a14="http://schemas.microsoft.com/office/drawing/2010/main" val="0"/>
+              </a:ext>
+            </a:extLst>
+          </a:blip>
+          <a:srcRect l="32129" t="31841" r="38331" b="27622"/>
+          <a:stretch/>
+        </p:blipFill>
+        <p:spPr>
+          <a:xfrm>
+            <a:off x="2216989" y="4490026"/>
+            <a:ext cx="2149304" cy="2212109"/>
+          </a:xfrm>
+          <a:prstGeom prst="rect">
+            <a:avLst/>
+          </a:prstGeom>
+        </p:spPr>
+      </p:pic>
+    </p:spTree>
+    <p:extLst>
+      <p:ext uri="{BB962C8B-B14F-4D97-AF65-F5344CB8AC3E}">
+        <p14:creationId xmlns:p14="http://schemas.microsoft.com/office/powerpoint/2010/main" val="1203215970"/>
+      </p:ext>
+    </p:extLst>
+  </p:cSld>
+  <p:clrMapOvr>
+    <a:masterClrMapping/>
+  </p:clrMapOvr>
+</p:sld>
+</file>
+
+<file path=ppt/slides/slide3.xml><?xml version="1.0" encoding="utf-8"?>
+<p:sld xmlns:a="http://schemas.openxmlformats.org/drawingml/2006/main" xmlns:r="http://schemas.openxmlformats.org/officeDocument/2006/relationships" xmlns:p="http://schemas.openxmlformats.org/presentationml/2006/main">
+  <p:cSld>
+    <p:spTree>
+      <p:nvGrpSpPr>
+        <p:cNvPr id="1" name=""/>
+        <p:cNvGrpSpPr/>
+        <p:nvPr/>
+      </p:nvGrpSpPr>
+      <p:grpSpPr>
+        <a:xfrm>
+          <a:off x="0" y="0"/>
+          <a:ext cx="0" cy="0"/>
+          <a:chOff x="0" y="0"/>
+          <a:chExt cx="0" cy="0"/>
+        </a:xfrm>
+      </p:grpSpPr>
+      <p:sp>
+        <p:nvSpPr>
+          <p:cNvPr id="2" name="Title 1">
+            <a:extLst>
+              <a:ext uri="{FF2B5EF4-FFF2-40B4-BE49-F238E27FC236}">
+                <a16:creationId xmlns:a16="http://schemas.microsoft.com/office/drawing/2014/main" id="{9ADCB4FC-2414-AF6F-C96A-606D05E2CDC9}"/>
+              </a:ext>
+            </a:extLst>
+          </p:cNvPr>
+          <p:cNvSpPr>
+            <a:spLocks noGrp="1"/>
+          </p:cNvSpPr>
+          <p:nvPr>
+            <p:ph type="title"/>
+          </p:nvPr>
+        </p:nvSpPr>
+        <p:spPr/>
+        <p:txBody>
+          <a:bodyPr/>
+          <a:lstStyle/>
+          <a:p>
+            <a:r>
+              <a:rPr lang="pt-BR" dirty="0"/>
+              <a:t>Estrutura do curso</a:t>
+            </a:r>
+          </a:p>
+        </p:txBody>
+      </p:sp>
+      <p:sp>
+        <p:nvSpPr>
+          <p:cNvPr id="3" name="Content Placeholder 2">
+            <a:extLst>
+              <a:ext uri="{FF2B5EF4-FFF2-40B4-BE49-F238E27FC236}">
+                <a16:creationId xmlns:a16="http://schemas.microsoft.com/office/drawing/2014/main" id="{5F8E1408-D0F9-3DD3-B556-303D4F4D8027}"/>
+              </a:ext>
+            </a:extLst>
+          </p:cNvPr>
+          <p:cNvSpPr>
+            <a:spLocks noGrp="1"/>
+          </p:cNvSpPr>
+          <p:nvPr>
+            <p:ph idx="1"/>
+          </p:nvPr>
+        </p:nvSpPr>
+        <p:spPr/>
+        <p:txBody>
+          <a:bodyPr/>
+          <a:lstStyle/>
+          <a:p>
+            <a:r>
+              <a:rPr lang="pt-BR" dirty="0">
+                <a:latin typeface="+mj-lt"/>
+              </a:rPr>
+              <a:t>Data e sala:</a:t>
+            </a:r>
+          </a:p>
+          <a:p>
+            <a:pPr lvl="1"/>
+            <a:r>
+              <a:rPr lang="pt-BR" dirty="0">
+                <a:latin typeface="+mj-lt"/>
+              </a:rPr>
+              <a:t>4 ao 8 de novembro </a:t>
+            </a:r>
+          </a:p>
+          <a:p>
+            <a:r>
+              <a:rPr lang="pt-BR" dirty="0">
+                <a:latin typeface="+mj-lt"/>
+              </a:rPr>
+              <a:t>Estrutura do dia:</a:t>
+            </a:r>
+          </a:p>
+          <a:p>
+            <a:pPr lvl="1"/>
+            <a:r>
+              <a:rPr lang="pt-BR" dirty="0">
+                <a:latin typeface="+mj-lt"/>
+              </a:rPr>
+              <a:t>8:00 - 9:30 </a:t>
+            </a:r>
+            <a:r>
+              <a:rPr lang="pt-BR" dirty="0" err="1">
+                <a:latin typeface="+mj-lt"/>
+              </a:rPr>
+              <a:t>am</a:t>
+            </a:r>
+            <a:r>
+              <a:rPr lang="pt-BR" dirty="0">
+                <a:latin typeface="+mj-lt"/>
+              </a:rPr>
+              <a:t> - Teoria</a:t>
+            </a:r>
+          </a:p>
+          <a:p>
+            <a:pPr lvl="1"/>
+            <a:r>
+              <a:rPr lang="pt-BR" dirty="0">
+                <a:latin typeface="+mj-lt"/>
+              </a:rPr>
+              <a:t>9:40 - 12.00 Pratica (</a:t>
+            </a:r>
+            <a:r>
+              <a:rPr lang="pt-BR" dirty="0" err="1">
+                <a:latin typeface="+mj-lt"/>
+              </a:rPr>
+              <a:t>R</a:t>
+            </a:r>
+            <a:r>
+              <a:rPr lang="pt-BR" dirty="0">
+                <a:latin typeface="+mj-lt"/>
+              </a:rPr>
+              <a:t>)</a:t>
+            </a:r>
+          </a:p>
+          <a:p>
+            <a:pPr lvl="1"/>
+            <a:r>
+              <a:rPr lang="pt-BR" dirty="0">
+                <a:latin typeface="+mj-lt"/>
+              </a:rPr>
+              <a:t>13:30 – 16:30 Laboratório pratico (Duração variável)</a:t>
+            </a:r>
+          </a:p>
+          <a:p>
+            <a:r>
+              <a:rPr lang="pt-BR" dirty="0">
+                <a:latin typeface="+mj-lt"/>
+              </a:rPr>
+              <a:t>Material principalmente no GitHub</a:t>
+            </a:r>
+          </a:p>
+          <a:p>
+            <a:pPr lvl="1"/>
+            <a:r>
+              <a:rPr lang="pt-BR" dirty="0">
+                <a:latin typeface="+mj-lt"/>
+              </a:rPr>
+              <a:t>Vamos trabalhar o mais possível no GitHub (Primeira aula!)</a:t>
+            </a:r>
+          </a:p>
+        </p:txBody>
+      </p:sp>
+    </p:spTree>
+    <p:extLst>
+      <p:ext uri="{BB962C8B-B14F-4D97-AF65-F5344CB8AC3E}">
+        <p14:creationId xmlns:p14="http://schemas.microsoft.com/office/powerpoint/2010/main" val="652814140"/>
+      </p:ext>
+    </p:extLst>
+  </p:cSld>
+  <p:clrMapOvr>
+    <a:masterClrMapping/>
+  </p:clrMapOvr>
+</p:sld>
+</file>
+
+<file path=ppt/slides/slide4.xml><?xml version="1.0" encoding="utf-8"?>
+<p:sld xmlns:a="http://schemas.openxmlformats.org/drawingml/2006/main" xmlns:r="http://schemas.openxmlformats.org/officeDocument/2006/relationships" xmlns:p="http://schemas.openxmlformats.org/presentationml/2006/main">
+  <p:cSld>
+    <p:spTree>
+      <p:nvGrpSpPr>
+        <p:cNvPr id="1" name=""/>
+        <p:cNvGrpSpPr/>
+        <p:nvPr/>
+      </p:nvGrpSpPr>
+      <p:grpSpPr>
+        <a:xfrm>
+          <a:off x="0" y="0"/>
+          <a:ext cx="0" cy="0"/>
+          <a:chOff x="0" y="0"/>
+          <a:chExt cx="0" cy="0"/>
+        </a:xfrm>
+      </p:grpSpPr>
+      <p:sp>
+        <p:nvSpPr>
+          <p:cNvPr id="2" name="Title 1">
+            <a:extLst>
+              <a:ext uri="{FF2B5EF4-FFF2-40B4-BE49-F238E27FC236}">
+                <a16:creationId xmlns:a16="http://schemas.microsoft.com/office/drawing/2014/main" id="{F5F295D8-C1AD-2649-2B5D-C727EC10F02D}"/>
+              </a:ext>
+            </a:extLst>
+          </p:cNvPr>
+          <p:cNvSpPr>
+            <a:spLocks noGrp="1"/>
+          </p:cNvSpPr>
+          <p:nvPr>
+            <p:ph type="title"/>
+          </p:nvPr>
+        </p:nvSpPr>
+        <p:spPr/>
+        <p:txBody>
+          <a:bodyPr/>
+          <a:lstStyle/>
+          <a:p>
+            <a:r>
+              <a:rPr lang="pt-BR" dirty="0"/>
+              <a:t>Objetivos do curso</a:t>
+            </a:r>
+          </a:p>
+        </p:txBody>
+      </p:sp>
+      <p:sp>
+        <p:nvSpPr>
+          <p:cNvPr id="3" name="Content Placeholder 2">
+            <a:extLst>
+              <a:ext uri="{FF2B5EF4-FFF2-40B4-BE49-F238E27FC236}">
+                <a16:creationId xmlns:a16="http://schemas.microsoft.com/office/drawing/2014/main" id="{3E9BAACF-1108-E879-2DD3-EDEC8A30C340}"/>
+              </a:ext>
+            </a:extLst>
+          </p:cNvPr>
+          <p:cNvSpPr>
+            <a:spLocks noGrp="1"/>
+          </p:cNvSpPr>
+          <p:nvPr>
+            <p:ph idx="1"/>
+          </p:nvPr>
+        </p:nvSpPr>
+        <p:spPr/>
+        <p:txBody>
+          <a:bodyPr/>
+          <a:lstStyle/>
+          <a:p>
+            <a:r>
+              <a:rPr lang="pt-BR" noProof="0" dirty="0">
+                <a:latin typeface="+mj-lt"/>
+              </a:rPr>
+              <a:t>Compreender os fundamentos dos modelos de distribuição de espécies</a:t>
+            </a:r>
+          </a:p>
+          <a:p>
+            <a:r>
+              <a:rPr lang="pt-BR" noProof="0" dirty="0">
+                <a:latin typeface="+mj-lt"/>
+              </a:rPr>
+              <a:t>Explorar as principais bases da dados climáticas e observacionais para ecologia </a:t>
+            </a:r>
+          </a:p>
+          <a:p>
+            <a:r>
+              <a:rPr lang="pt-BR" noProof="0" dirty="0">
+                <a:latin typeface="+mj-lt"/>
+              </a:rPr>
+              <a:t>Desenvolver habilidades em manipulação de sados</a:t>
+            </a:r>
+          </a:p>
+          <a:p>
+            <a:r>
+              <a:rPr lang="pt-BR" noProof="0" dirty="0">
+                <a:latin typeface="+mj-lt"/>
+              </a:rPr>
+              <a:t>Explorar técnicas de visualização de dados</a:t>
+            </a:r>
+          </a:p>
+          <a:p>
+            <a:endParaRPr lang="pt-BR" noProof="0" dirty="0">
+              <a:latin typeface="+mj-lt"/>
+            </a:endParaRPr>
+          </a:p>
+        </p:txBody>
+      </p:sp>
+    </p:spTree>
+    <p:extLst>
+      <p:ext uri="{BB962C8B-B14F-4D97-AF65-F5344CB8AC3E}">
+        <p14:creationId xmlns:p14="http://schemas.microsoft.com/office/powerpoint/2010/main" val="4278137136"/>
+      </p:ext>
+    </p:extLst>
+  </p:cSld>
+  <p:clrMapOvr>
+    <a:masterClrMapping/>
+  </p:clrMapOvr>
+</p:sld>
+</file>
+
+<file path=ppt/slides/slide5.xml><?xml version="1.0" encoding="utf-8"?>
+<p:sld xmlns:a="http://schemas.openxmlformats.org/drawingml/2006/main" xmlns:r="http://schemas.openxmlformats.org/officeDocument/2006/relationships" xmlns:p="http://schemas.openxmlformats.org/presentationml/2006/main">
+  <p:cSld>
+    <p:spTree>
+      <p:nvGrpSpPr>
+        <p:cNvPr id="1" name=""/>
+        <p:cNvGrpSpPr/>
+        <p:nvPr/>
+      </p:nvGrpSpPr>
+      <p:grpSpPr>
+        <a:xfrm>
+          <a:off x="0" y="0"/>
+          <a:ext cx="0" cy="0"/>
+          <a:chOff x="0" y="0"/>
+          <a:chExt cx="0" cy="0"/>
+        </a:xfrm>
+      </p:grpSpPr>
+      <p:sp>
+        <p:nvSpPr>
+          <p:cNvPr id="2" name="Title 1">
+            <a:extLst>
+              <a:ext uri="{FF2B5EF4-FFF2-40B4-BE49-F238E27FC236}">
+                <a16:creationId xmlns:a16="http://schemas.microsoft.com/office/drawing/2014/main" id="{F5F295D8-C1AD-2649-2B5D-C727EC10F02D}"/>
+              </a:ext>
+            </a:extLst>
+          </p:cNvPr>
+          <p:cNvSpPr>
+            <a:spLocks noGrp="1"/>
+          </p:cNvSpPr>
+          <p:nvPr>
+            <p:ph type="title"/>
+          </p:nvPr>
+        </p:nvSpPr>
+        <p:spPr>
+          <a:xfrm>
+            <a:off x="838200" y="0"/>
+            <a:ext cx="10515600" cy="1325563"/>
+          </a:xfrm>
+        </p:spPr>
+        <p:txBody>
+          <a:bodyPr/>
+          <a:lstStyle/>
+          <a:p>
+            <a:r>
+              <a:rPr lang="pt-BR" dirty="0"/>
+              <a:t>Objetivos do curso</a:t>
+            </a:r>
+          </a:p>
+        </p:txBody>
+      </p:sp>
+      <p:pic>
+        <p:nvPicPr>
+          <p:cNvPr id="4" name="Espace réservé du contenu 6"/>
+          <p:cNvPicPr>
+            <a:picLocks noGrp="1" noChangeAspect="1"/>
+          </p:cNvPicPr>
+          <p:nvPr>
+            <p:ph idx="1"/>
+          </p:nvPr>
+        </p:nvPicPr>
+        <p:blipFill>
+          <a:blip r:embed="rId2"/>
+          <a:stretch>
+            <a:fillRect/>
+          </a:stretch>
+        </p:blipFill>
+        <p:spPr>
+          <a:xfrm>
+            <a:off x="2992949" y="2080874"/>
+            <a:ext cx="6206101" cy="3840840"/>
+          </a:xfrm>
+          <a:prstGeom prst="rect">
+            <a:avLst/>
+          </a:prstGeom>
+        </p:spPr>
+      </p:pic>
+      <p:sp>
+        <p:nvSpPr>
+          <p:cNvPr id="5" name="Rectangle 4"/>
+          <p:cNvSpPr/>
+          <p:nvPr/>
+        </p:nvSpPr>
+        <p:spPr>
+          <a:xfrm>
+            <a:off x="201598" y="6363091"/>
+            <a:ext cx="1635384" cy="307777"/>
+          </a:xfrm>
+          <a:prstGeom prst="rect">
+            <a:avLst/>
+          </a:prstGeom>
+        </p:spPr>
+        <p:txBody>
+          <a:bodyPr wrap="none">
+            <a:spAutoFit/>
+          </a:bodyPr>
+          <a:lstStyle/>
+          <a:p>
+            <a:r>
+              <a:rPr lang="en-US" sz="1400" dirty="0" err="1">
+                <a:solidFill>
+                  <a:srgbClr val="2369BE"/>
+                </a:solidFill>
+                <a:latin typeface="FiraSans-Light"/>
+              </a:rPr>
+              <a:t>Zurell</a:t>
+            </a:r>
+            <a:r>
+              <a:rPr lang="en-US" sz="1400" dirty="0">
+                <a:solidFill>
+                  <a:srgbClr val="2369BE"/>
+                </a:solidFill>
+                <a:latin typeface="FiraSans-Light"/>
+              </a:rPr>
+              <a:t> et al. (2020)</a:t>
+            </a:r>
+            <a:endParaRPr lang="en-US" sz="1400" dirty="0"/>
+          </a:p>
+        </p:txBody>
+      </p:sp>
+    </p:spTree>
+    <p:extLst>
+      <p:ext uri="{BB962C8B-B14F-4D97-AF65-F5344CB8AC3E}">
+        <p14:creationId xmlns:p14="http://schemas.microsoft.com/office/powerpoint/2010/main" val="123841455"/>
+      </p:ext>
+    </p:extLst>
+  </p:cSld>
+  <p:clrMapOvr>
+    <a:masterClrMapping/>
+  </p:clrMapOvr>
+</p:sld>
+</file>
+
+<file path=ppt/slides/slide6.xml><?xml version="1.0" encoding="utf-8"?>
+<p:sld xmlns:a="http://schemas.openxmlformats.org/drawingml/2006/main" xmlns:r="http://schemas.openxmlformats.org/officeDocument/2006/relationships" xmlns:p="http://schemas.openxmlformats.org/presentationml/2006/main">
+  <p:cSld>
+    <p:spTree>
+      <p:nvGrpSpPr>
+        <p:cNvPr id="1" name=""/>
+        <p:cNvGrpSpPr/>
+        <p:nvPr/>
+      </p:nvGrpSpPr>
+      <p:grpSpPr>
+        <a:xfrm>
+          <a:off x="0" y="0"/>
+          <a:ext cx="0" cy="0"/>
+          <a:chOff x="0" y="0"/>
+          <a:chExt cx="0" cy="0"/>
+        </a:xfrm>
+      </p:grpSpPr>
+      <p:sp>
+        <p:nvSpPr>
+          <p:cNvPr id="2" name="Title 1">
+            <a:extLst>
+              <a:ext uri="{FF2B5EF4-FFF2-40B4-BE49-F238E27FC236}">
+                <a16:creationId xmlns:a16="http://schemas.microsoft.com/office/drawing/2014/main" id="{F598A613-19F2-0CDA-EBA7-21D8BFFE2118}"/>
+              </a:ext>
+            </a:extLst>
+          </p:cNvPr>
+          <p:cNvSpPr>
+            <a:spLocks noGrp="1"/>
+          </p:cNvSpPr>
+          <p:nvPr>
+            <p:ph type="title"/>
+          </p:nvPr>
+        </p:nvSpPr>
+        <p:spPr/>
+        <p:txBody>
+          <a:bodyPr>
+            <a:normAutofit/>
+          </a:bodyPr>
+          <a:lstStyle/>
+          <a:p>
+            <a:pPr algn="l"/>
+            <a:r>
+              <a:rPr lang="pt-BR" b="0" i="0" noProof="0" dirty="0">
+                <a:solidFill>
+                  <a:srgbClr val="1A292C"/>
+                </a:solidFill>
+                <a:effectLst/>
+                <a:latin typeface="Fira Sans" panose="020B0503050000020004" pitchFamily="34" charset="0"/>
+              </a:rPr>
+              <a:t>Espaço seguro e amigável</a:t>
+            </a:r>
+            <a:endParaRPr lang="pt-BR" noProof="0" dirty="0"/>
+          </a:p>
+        </p:txBody>
+      </p:sp>
+      <p:sp>
+        <p:nvSpPr>
+          <p:cNvPr id="3" name="Content Placeholder 2">
+            <a:extLst>
+              <a:ext uri="{FF2B5EF4-FFF2-40B4-BE49-F238E27FC236}">
+                <a16:creationId xmlns:a16="http://schemas.microsoft.com/office/drawing/2014/main" id="{273221B0-A0EA-A8D3-F82F-BA4D079C9B9D}"/>
+              </a:ext>
+            </a:extLst>
+          </p:cNvPr>
+          <p:cNvSpPr>
+            <a:spLocks noGrp="1"/>
+          </p:cNvSpPr>
+          <p:nvPr>
+            <p:ph idx="1"/>
+          </p:nvPr>
+        </p:nvSpPr>
+        <p:spPr/>
+        <p:txBody>
+          <a:bodyPr/>
+          <a:lstStyle/>
+          <a:p>
+            <a:pPr algn="l"/>
+            <a:r>
+              <a:rPr lang="pt-BR" b="0" i="0" noProof="0" dirty="0">
+                <a:solidFill>
+                  <a:srgbClr val="1A292C"/>
+                </a:solidFill>
+                <a:effectLst/>
+                <a:latin typeface="+mj-lt"/>
+              </a:rPr>
+              <a:t>Sintam-se à vontade para nos interromper e tirar dúvidas</a:t>
+            </a:r>
+          </a:p>
+          <a:p>
+            <a:pPr algn="l"/>
+            <a:r>
+              <a:rPr lang="pt-BR" noProof="0" dirty="0">
+                <a:solidFill>
+                  <a:srgbClr val="1A292C"/>
+                </a:solidFill>
+                <a:latin typeface="+mj-lt"/>
+              </a:rPr>
+              <a:t>Se formos muito rápidos, avisem</a:t>
+            </a:r>
+          </a:p>
+          <a:p>
+            <a:pPr algn="l"/>
+            <a:r>
+              <a:rPr lang="pt-BR" b="0" i="0" noProof="0" dirty="0">
+                <a:solidFill>
+                  <a:srgbClr val="1A292C"/>
+                </a:solidFill>
+                <a:effectLst/>
+                <a:latin typeface="+mj-lt"/>
+              </a:rPr>
+              <a:t>Em quanto um esta dando a oficina, </a:t>
+            </a:r>
+            <a:r>
+              <a:rPr lang="pt-BR" dirty="0" err="1">
+                <a:solidFill>
+                  <a:srgbClr val="1A292C"/>
+                </a:solidFill>
+                <a:latin typeface="+mj-lt"/>
+              </a:rPr>
+              <a:t>u</a:t>
+            </a:r>
+            <a:r>
+              <a:rPr lang="pt-BR" b="0" i="0" noProof="0" dirty="0">
+                <a:solidFill>
+                  <a:srgbClr val="1A292C"/>
+                </a:solidFill>
+                <a:effectLst/>
+                <a:latin typeface="+mj-lt"/>
+              </a:rPr>
+              <a:t> outro ajuda no </a:t>
+            </a:r>
+            <a:r>
+              <a:rPr lang="pt-BR" b="0" i="1" noProof="0" dirty="0">
+                <a:solidFill>
+                  <a:srgbClr val="1A292C"/>
+                </a:solidFill>
+                <a:effectLst/>
+                <a:latin typeface="+mj-lt"/>
+              </a:rPr>
+              <a:t>trouble</a:t>
+            </a:r>
+            <a:r>
+              <a:rPr lang="pt-BR" b="0" i="0" noProof="0" dirty="0">
+                <a:solidFill>
+                  <a:srgbClr val="1A292C"/>
+                </a:solidFill>
+                <a:effectLst/>
+                <a:latin typeface="+mj-lt"/>
+              </a:rPr>
+              <a:t> </a:t>
+            </a:r>
+            <a:r>
+              <a:rPr lang="pt-BR" b="0" i="1" noProof="0" dirty="0">
+                <a:solidFill>
+                  <a:srgbClr val="1A292C"/>
+                </a:solidFill>
+                <a:effectLst/>
+                <a:latin typeface="+mj-lt"/>
+              </a:rPr>
+              <a:t>shoot</a:t>
+            </a:r>
+          </a:p>
+          <a:p>
+            <a:pPr lvl="1"/>
+            <a:r>
+              <a:rPr lang="pt-BR" b="0" i="0" noProof="0" dirty="0">
+                <a:solidFill>
+                  <a:srgbClr val="1A292C"/>
+                </a:solidFill>
+                <a:effectLst/>
+                <a:latin typeface="+mj-lt"/>
+              </a:rPr>
+              <a:t>Dinâmica de </a:t>
+            </a:r>
+            <a:r>
+              <a:rPr lang="pt-BR" i="1" dirty="0" err="1">
+                <a:solidFill>
+                  <a:srgbClr val="1A292C"/>
+                </a:solidFill>
+                <a:latin typeface="+mj-lt"/>
+              </a:rPr>
+              <a:t>P</a:t>
+            </a:r>
+            <a:r>
+              <a:rPr lang="pt-BR" b="0" i="1" noProof="0" dirty="0" err="1">
+                <a:solidFill>
+                  <a:srgbClr val="1A292C"/>
+                </a:solidFill>
+                <a:effectLst/>
+                <a:latin typeface="+mj-lt"/>
+              </a:rPr>
+              <a:t>ost</a:t>
+            </a:r>
+            <a:r>
+              <a:rPr lang="pt-BR" b="0" i="1" noProof="0" dirty="0">
+                <a:solidFill>
+                  <a:srgbClr val="1A292C"/>
+                </a:solidFill>
+                <a:effectLst/>
+                <a:latin typeface="+mj-lt"/>
+              </a:rPr>
+              <a:t>-its</a:t>
+            </a:r>
+            <a:r>
+              <a:rPr lang="pt-BR" b="0" i="0" noProof="0" dirty="0">
+                <a:solidFill>
+                  <a:srgbClr val="1A292C"/>
+                </a:solidFill>
+                <a:effectLst/>
+                <a:latin typeface="+mj-lt"/>
+              </a:rPr>
+              <a:t> </a:t>
+            </a:r>
+          </a:p>
+          <a:p>
+            <a:endParaRPr lang="pt-BR" noProof="0" dirty="0">
+              <a:latin typeface="+mj-lt"/>
+            </a:endParaRPr>
+          </a:p>
+        </p:txBody>
+      </p:sp>
+      <p:pic>
+        <p:nvPicPr>
+          <p:cNvPr id="1026" name="Picture 2" descr="It's A Safe Space… : r/utahtreasurehunt">
+            <a:extLst>
+              <a:ext uri="{FF2B5EF4-FFF2-40B4-BE49-F238E27FC236}">
+                <a16:creationId xmlns:a16="http://schemas.microsoft.com/office/drawing/2014/main" id="{7AEAB9A9-CEA8-564B-66D3-74D8946AAADC}"/>
+              </a:ext>
+            </a:extLst>
+          </p:cNvPr>
+          <p:cNvPicPr>
+            <a:picLocks noChangeAspect="1" noChangeArrowheads="1"/>
+          </p:cNvPicPr>
+          <p:nvPr/>
+        </p:nvPicPr>
+        <p:blipFill>
+          <a:blip r:embed="rId2">
+            <a:extLst>
+              <a:ext uri="{28A0092B-C50C-407E-A947-70E740481C1C}">
+                <a14:useLocalDpi xmlns:a14="http://schemas.microsoft.com/office/drawing/2010/main" val="0"/>
+              </a:ext>
+            </a:extLst>
+          </a:blip>
+          <a:srcRect/>
+          <a:stretch>
+            <a:fillRect/>
+          </a:stretch>
+        </p:blipFill>
+        <p:spPr bwMode="auto">
+          <a:xfrm>
+            <a:off x="3715328" y="4071309"/>
+            <a:ext cx="3880427" cy="2595035"/>
+          </a:xfrm>
+          <a:prstGeom prst="rect">
+            <a:avLst/>
+          </a:prstGeom>
+          <a:noFill/>
+          <a:extLst>
+            <a:ext uri="{909E8E84-426E-40DD-AFC4-6F175D3DCCD1}">
+              <a14:hiddenFill xmlns:a14="http://schemas.microsoft.com/office/drawing/2010/main">
+                <a:solidFill>
+                  <a:srgbClr val="FFFFFF"/>
+                </a:solidFill>
+              </a14:hiddenFill>
+            </a:ext>
+          </a:extLst>
+        </p:spPr>
+      </p:pic>
+    </p:spTree>
+    <p:extLst>
+      <p:ext uri="{BB962C8B-B14F-4D97-AF65-F5344CB8AC3E}">
+        <p14:creationId xmlns:p14="http://schemas.microsoft.com/office/powerpoint/2010/main" val="680897175"/>
+      </p:ext>
+    </p:extLst>
+  </p:cSld>
+  <p:clrMapOvr>
+    <a:masterClrMapping/>
+  </p:clrMapOvr>
+</p:sld>
+</file>
+
+<file path=ppt/slides/slide7.xml><?xml version="1.0" encoding="utf-8"?>
+<p:sld xmlns:a="http://schemas.openxmlformats.org/drawingml/2006/main" xmlns:r="http://schemas.openxmlformats.org/officeDocument/2006/relationships" xmlns:p="http://schemas.openxmlformats.org/presentationml/2006/main">
+  <p:cSld>
+    <p:spTree>
+      <p:nvGrpSpPr>
+        <p:cNvPr id="1" name=""/>
+        <p:cNvGrpSpPr/>
+        <p:nvPr/>
+      </p:nvGrpSpPr>
+      <p:grpSpPr>
+        <a:xfrm>
+          <a:off x="0" y="0"/>
+          <a:ext cx="0" cy="0"/>
+          <a:chOff x="0" y="0"/>
+          <a:chExt cx="0" cy="0"/>
+        </a:xfrm>
+      </p:grpSpPr>
+      <p:sp>
+        <p:nvSpPr>
+          <p:cNvPr id="2" name="Title 1">
+            <a:extLst>
+              <a:ext uri="{FF2B5EF4-FFF2-40B4-BE49-F238E27FC236}">
+                <a16:creationId xmlns:a16="http://schemas.microsoft.com/office/drawing/2014/main" id="{F12F3D47-4401-84AE-95A1-A8E550DDA42C}"/>
+              </a:ext>
+            </a:extLst>
+          </p:cNvPr>
+          <p:cNvSpPr>
+            <a:spLocks noGrp="1"/>
+          </p:cNvSpPr>
+          <p:nvPr>
+            <p:ph type="title"/>
+          </p:nvPr>
+        </p:nvSpPr>
+        <p:spPr>
+          <a:xfrm>
+            <a:off x="838200" y="1440"/>
+            <a:ext cx="10515600" cy="1325563"/>
+          </a:xfrm>
+        </p:spPr>
+        <p:txBody>
+          <a:bodyPr/>
+          <a:lstStyle/>
+          <a:p>
+            <a:r>
+              <a:rPr lang="pt-BR" dirty="0"/>
+              <a:t>Conteúdo </a:t>
+            </a:r>
+            <a:r>
+              <a:rPr lang="pt-BR" dirty="0">
+                <a:solidFill>
+                  <a:schemeClr val="accent1"/>
+                </a:solidFill>
+              </a:rPr>
+              <a:t>teórico</a:t>
+            </a:r>
+            <a:r>
+              <a:rPr lang="pt-BR" dirty="0"/>
+              <a:t> e </a:t>
+            </a:r>
+            <a:r>
+              <a:rPr lang="pt-BR" dirty="0">
+                <a:solidFill>
+                  <a:schemeClr val="accent2"/>
+                </a:solidFill>
+              </a:rPr>
+              <a:t>prático</a:t>
+            </a:r>
+          </a:p>
+        </p:txBody>
+      </p:sp>
+      <p:graphicFrame>
+        <p:nvGraphicFramePr>
+          <p:cNvPr id="7" name="Content Placeholder 6">
+            <a:extLst>
+              <a:ext uri="{FF2B5EF4-FFF2-40B4-BE49-F238E27FC236}">
+                <a16:creationId xmlns:a16="http://schemas.microsoft.com/office/drawing/2014/main" id="{A8296CB9-CF90-E3F3-6C4B-80D86430D97C}"/>
+              </a:ext>
+            </a:extLst>
+          </p:cNvPr>
+          <p:cNvGraphicFramePr>
+            <a:graphicFrameLocks noGrp="1"/>
+          </p:cNvGraphicFramePr>
+          <p:nvPr>
+            <p:ph idx="1"/>
+            <p:extLst>
+              <p:ext uri="{D42A27DB-BD31-4B8C-83A1-F6EECF244321}">
+                <p14:modId xmlns:p14="http://schemas.microsoft.com/office/powerpoint/2010/main" val="2330986053"/>
+              </p:ext>
+            </p:extLst>
+          </p:nvPr>
+        </p:nvGraphicFramePr>
+        <p:xfrm>
+          <a:off x="0" y="935185"/>
+          <a:ext cx="12192000" cy="3408218"/>
+        </p:xfrm>
+        <a:graphic>
+          <a:graphicData uri="http://schemas.openxmlformats.org/drawingml/2006/diagram">
+            <dgm:relIds xmlns:dgm="http://schemas.openxmlformats.org/drawingml/2006/diagram" xmlns:r="http://schemas.openxmlformats.org/officeDocument/2006/relationships" r:dm="rId3" r:lo="rId4" r:qs="rId5" r:cs="rId6"/>
+          </a:graphicData>
+        </a:graphic>
+      </p:graphicFrame>
+      <p:graphicFrame>
+        <p:nvGraphicFramePr>
+          <p:cNvPr id="8" name="Content Placeholder 6">
+            <a:extLst>
+              <a:ext uri="{FF2B5EF4-FFF2-40B4-BE49-F238E27FC236}">
+                <a16:creationId xmlns:a16="http://schemas.microsoft.com/office/drawing/2014/main" id="{501188FD-F437-FBB1-CAFF-20B887DABC0F}"/>
+              </a:ext>
+            </a:extLst>
+          </p:cNvPr>
+          <p:cNvGraphicFramePr>
+            <a:graphicFrameLocks/>
+          </p:cNvGraphicFramePr>
+          <p:nvPr>
+            <p:extLst>
+              <p:ext uri="{D42A27DB-BD31-4B8C-83A1-F6EECF244321}">
+                <p14:modId xmlns:p14="http://schemas.microsoft.com/office/powerpoint/2010/main" val="3642326768"/>
+              </p:ext>
+            </p:extLst>
+          </p:nvPr>
+        </p:nvGraphicFramePr>
+        <p:xfrm>
+          <a:off x="0" y="3728896"/>
+          <a:ext cx="12192000" cy="3408218"/>
+        </p:xfrm>
+        <a:graphic>
+          <a:graphicData uri="http://schemas.openxmlformats.org/drawingml/2006/diagram">
+            <dgm:relIds xmlns:dgm="http://schemas.openxmlformats.org/drawingml/2006/diagram" xmlns:r="http://schemas.openxmlformats.org/officeDocument/2006/relationships" r:dm="rId8" r:lo="rId9" r:qs="rId10" r:cs="rId11"/>
+          </a:graphicData>
+        </a:graphic>
+      </p:graphicFrame>
+    </p:spTree>
+    <p:extLst>
+      <p:ext uri="{BB962C8B-B14F-4D97-AF65-F5344CB8AC3E}">
+        <p14:creationId xmlns:p14="http://schemas.microsoft.com/office/powerpoint/2010/main" val="2102833900"/>
+      </p:ext>
+    </p:extLst>
+  </p:cSld>
+  <p:clrMapOvr>
+    <a:masterClrMapping/>
+  </p:clrMapOvr>
+</p:sld>
+</file>
+
+<file path=ppt/slides/slide8.xml><?xml version="1.0" encoding="utf-8"?>
+<p:sld xmlns:a="http://schemas.openxmlformats.org/drawingml/2006/main" xmlns:r="http://schemas.openxmlformats.org/officeDocument/2006/relationships" xmlns:p="http://schemas.openxmlformats.org/presentationml/2006/main">
+  <p:cSld>
+    <p:spTree>
+      <p:nvGrpSpPr>
+        <p:cNvPr id="1" name=""/>
+        <p:cNvGrpSpPr/>
+        <p:nvPr/>
+      </p:nvGrpSpPr>
+      <p:grpSpPr>
+        <a:xfrm>
+          <a:off x="0" y="0"/>
+          <a:ext cx="0" cy="0"/>
+          <a:chOff x="0" y="0"/>
+          <a:chExt cx="0" cy="0"/>
+        </a:xfrm>
+      </p:grpSpPr>
+      <p:sp>
+        <p:nvSpPr>
+          <p:cNvPr id="2" name="Title 1">
+            <a:extLst>
+              <a:ext uri="{FF2B5EF4-FFF2-40B4-BE49-F238E27FC236}">
+                <a16:creationId xmlns:a16="http://schemas.microsoft.com/office/drawing/2014/main" id="{B43FB398-6E7C-179E-00F7-2B9CE16CF72D}"/>
+              </a:ext>
+            </a:extLst>
+          </p:cNvPr>
+          <p:cNvSpPr>
+            <a:spLocks noGrp="1"/>
+          </p:cNvSpPr>
+          <p:nvPr>
+            <p:ph type="title"/>
+          </p:nvPr>
+        </p:nvSpPr>
+        <p:spPr/>
+        <p:txBody>
+          <a:bodyPr/>
+          <a:lstStyle/>
+          <a:p>
+            <a:r>
+              <a:rPr lang="pt-BR" dirty="0"/>
+              <a:t>Dúvidas?</a:t>
+            </a:r>
+          </a:p>
+        </p:txBody>
+      </p:sp>
+      <p:pic>
+        <p:nvPicPr>
+          <p:cNvPr id="2050" name="Picture 2" descr="How To Ask Questions Effectively. When we have a question, our first… | by  Soundarya Balasubramani | Agile Insider | Medium">
+            <a:extLst>
+              <a:ext uri="{FF2B5EF4-FFF2-40B4-BE49-F238E27FC236}">
+                <a16:creationId xmlns:a16="http://schemas.microsoft.com/office/drawing/2014/main" id="{E9A05246-02C9-054B-6E28-4A3138C02602}"/>
+              </a:ext>
+            </a:extLst>
+          </p:cNvPr>
+          <p:cNvPicPr>
+            <a:picLocks noChangeAspect="1" noChangeArrowheads="1"/>
+          </p:cNvPicPr>
+          <p:nvPr/>
+        </p:nvPicPr>
+        <p:blipFill>
+          <a:blip r:embed="rId2">
+            <a:extLst>
+              <a:ext uri="{28A0092B-C50C-407E-A947-70E740481C1C}">
+                <a14:useLocalDpi xmlns:a14="http://schemas.microsoft.com/office/drawing/2010/main" val="0"/>
+              </a:ext>
+            </a:extLst>
+          </a:blip>
+          <a:srcRect/>
+          <a:stretch>
+            <a:fillRect/>
+          </a:stretch>
+        </p:blipFill>
+        <p:spPr bwMode="auto">
+          <a:xfrm>
+            <a:off x="4144068" y="1825625"/>
+            <a:ext cx="3903864" cy="4488873"/>
+          </a:xfrm>
+          <a:prstGeom prst="rect">
+            <a:avLst/>
+          </a:prstGeom>
+          <a:noFill/>
+          <a:extLst>
+            <a:ext uri="{909E8E84-426E-40DD-AFC4-6F175D3DCCD1}">
+              <a14:hiddenFill xmlns:a14="http://schemas.microsoft.com/office/drawing/2010/main">
+                <a:solidFill>
+                  <a:srgbClr val="FFFFFF"/>
+                </a:solidFill>
+              </a14:hiddenFill>
+            </a:ext>
+          </a:extLst>
+        </p:spPr>
+      </p:pic>
+    </p:spTree>
+    <p:extLst>
+      <p:ext uri="{BB962C8B-B14F-4D97-AF65-F5344CB8AC3E}">
+        <p14:creationId xmlns:p14="http://schemas.microsoft.com/office/powerpoint/2010/main" val="1426494804"/>
+      </p:ext>
+    </p:extLst>
+  </p:cSld>
+  <p:clrMapOvr>
+    <a:masterClrMapping/>
+  </p:clrMapOvr>
+</p:sld>
+</file>
+
+<file path=ppt/slides/slide9.xml><?xml version="1.0" encoding="utf-8"?>
+<p:sld xmlns:a="http://schemas.openxmlformats.org/drawingml/2006/main" xmlns:r="http://schemas.openxmlformats.org/officeDocument/2006/relationships" xmlns:p="http://schemas.openxmlformats.org/presentationml/2006/main">
+  <p:cSld>
+    <p:spTree>
+      <p:nvGrpSpPr>
+        <p:cNvPr id="1" name=""/>
+        <p:cNvGrpSpPr/>
+        <p:nvPr/>
+      </p:nvGrpSpPr>
+      <p:grpSpPr>
+        <a:xfrm>
+          <a:off x="0" y="0"/>
+          <a:ext cx="0" cy="0"/>
+          <a:chOff x="0" y="0"/>
+          <a:chExt cx="0" cy="0"/>
+        </a:xfrm>
+      </p:grpSpPr>
+      <p:sp>
+        <p:nvSpPr>
+          <p:cNvPr id="2" name="Title 1">
+            <a:extLst>
+              <a:ext uri="{FF2B5EF4-FFF2-40B4-BE49-F238E27FC236}">
+                <a16:creationId xmlns:a16="http://schemas.microsoft.com/office/drawing/2014/main" id="{F0016ACE-4230-86ED-C153-AA502029035F}"/>
+              </a:ext>
+            </a:extLst>
+          </p:cNvPr>
+          <p:cNvSpPr>
+            <a:spLocks noGrp="1"/>
+          </p:cNvSpPr>
+          <p:nvPr>
+            <p:ph type="title"/>
+          </p:nvPr>
+        </p:nvSpPr>
+        <p:spPr/>
+        <p:txBody>
+          <a:bodyPr/>
+          <a:lstStyle/>
+          <a:p>
+            <a:r>
+              <a:rPr lang="pt-BR" dirty="0"/>
+              <a:t>Vamos nos conhecer </a:t>
+            </a:r>
+          </a:p>
+        </p:txBody>
+      </p:sp>
+      <p:sp>
+        <p:nvSpPr>
+          <p:cNvPr id="3" name="Content Placeholder 2">
+            <a:extLst>
+              <a:ext uri="{FF2B5EF4-FFF2-40B4-BE49-F238E27FC236}">
+                <a16:creationId xmlns:a16="http://schemas.microsoft.com/office/drawing/2014/main" id="{16397883-D8E0-3C8F-E649-119809688EB4}"/>
+              </a:ext>
+            </a:extLst>
+          </p:cNvPr>
+          <p:cNvSpPr>
+            <a:spLocks noGrp="1"/>
+          </p:cNvSpPr>
+          <p:nvPr>
+            <p:ph idx="1"/>
+          </p:nvPr>
+        </p:nvSpPr>
+        <p:spPr>
+          <a:xfrm>
+            <a:off x="838200" y="1825625"/>
+            <a:ext cx="8243455" cy="4351338"/>
+          </a:xfrm>
+        </p:spPr>
+        <p:txBody>
+          <a:bodyPr/>
+          <a:lstStyle/>
+          <a:p>
+            <a:pPr algn="l"/>
+            <a:r>
+              <a:rPr lang="pt-BR" b="0" i="0" dirty="0">
+                <a:solidFill>
+                  <a:srgbClr val="1A292C"/>
+                </a:solidFill>
+                <a:effectLst/>
+                <a:latin typeface="+mj-lt"/>
+              </a:rPr>
+              <a:t>Nome</a:t>
+            </a:r>
+          </a:p>
+          <a:p>
+            <a:pPr algn="l"/>
+            <a:r>
+              <a:rPr lang="pt-BR" b="0" i="0" dirty="0">
+                <a:solidFill>
+                  <a:srgbClr val="1A292C"/>
+                </a:solidFill>
+                <a:effectLst/>
+                <a:latin typeface="+mj-lt"/>
+              </a:rPr>
+              <a:t>Formação</a:t>
+            </a:r>
+          </a:p>
+          <a:p>
+            <a:pPr algn="l"/>
+            <a:r>
+              <a:rPr lang="pt-BR" b="0" i="0" dirty="0">
+                <a:solidFill>
+                  <a:srgbClr val="1A292C"/>
+                </a:solidFill>
+                <a:effectLst/>
+                <a:latin typeface="+mj-lt"/>
+              </a:rPr>
+              <a:t>O que faz ou pensa em fazer da vida?</a:t>
+            </a:r>
+          </a:p>
+          <a:p>
+            <a:pPr algn="l"/>
+            <a:r>
+              <a:rPr lang="pt-BR" b="0" i="0" dirty="0">
+                <a:solidFill>
+                  <a:srgbClr val="1A292C"/>
+                </a:solidFill>
+                <a:effectLst/>
+                <a:latin typeface="+mj-lt"/>
+              </a:rPr>
+              <a:t>Experiencia com Modelos de Distribuição de Espécies?</a:t>
+            </a:r>
+          </a:p>
+          <a:p>
+            <a:pPr algn="l"/>
+            <a:r>
+              <a:rPr lang="pt-BR" dirty="0">
+                <a:solidFill>
+                  <a:srgbClr val="1A292C"/>
+                </a:solidFill>
+                <a:latin typeface="+mj-lt"/>
+              </a:rPr>
+              <a:t>O</a:t>
+            </a:r>
+            <a:r>
+              <a:rPr lang="pt-BR" b="0" i="0" dirty="0">
+                <a:solidFill>
+                  <a:srgbClr val="1A292C"/>
+                </a:solidFill>
+                <a:effectLst/>
+                <a:latin typeface="+mj-lt"/>
+              </a:rPr>
+              <a:t> que espera do curso? </a:t>
+            </a:r>
+          </a:p>
+          <a:p>
+            <a:pPr algn="l"/>
+            <a:r>
+              <a:rPr lang="pt-BR" dirty="0">
+                <a:solidFill>
+                  <a:srgbClr val="1A292C"/>
+                </a:solidFill>
+                <a:latin typeface="+mj-lt"/>
+              </a:rPr>
+              <a:t>Duas verdades uma mentira*</a:t>
+            </a:r>
+            <a:endParaRPr lang="pt-BR" b="0" i="0" dirty="0">
+              <a:solidFill>
+                <a:srgbClr val="1A292C"/>
+              </a:solidFill>
+              <a:effectLst/>
+              <a:latin typeface="+mj-lt"/>
+            </a:endParaRPr>
+          </a:p>
+          <a:p>
+            <a:pPr marL="0" indent="0">
+              <a:buNone/>
+            </a:pPr>
+            <a:endParaRPr lang="pt-BR" dirty="0"/>
+          </a:p>
+        </p:txBody>
+      </p:sp>
+    </p:spTree>
+    <p:extLst>
+      <p:ext uri="{BB962C8B-B14F-4D97-AF65-F5344CB8AC3E}">
+        <p14:creationId xmlns:p14="http://schemas.microsoft.com/office/powerpoint/2010/main" val="957641924"/>
       </p:ext>
     </p:extLst>
   </p:cSld>
